--- a/BÁO CÁO KHÓA LUẬN TỐT NGHIỆP mới.pptx
+++ b/BÁO CÁO KHÓA LUẬN TỐT NGHIỆP mới.pptx
@@ -4,16 +4,21 @@
   <p:sldMasterIdLst>
     <p:sldMasterId id="2147483660" r:id="rId1"/>
   </p:sldMasterIdLst>
+  <p:notesMasterIdLst>
+    <p:notesMasterId r:id="rId13"/>
+  </p:notesMasterIdLst>
   <p:sldIdLst>
     <p:sldId id="256" r:id="rId2"/>
     <p:sldId id="265" r:id="rId3"/>
-    <p:sldId id="259" r:id="rId4"/>
-    <p:sldId id="260" r:id="rId5"/>
-    <p:sldId id="261" r:id="rId6"/>
-    <p:sldId id="262" r:id="rId7"/>
-    <p:sldId id="263" r:id="rId8"/>
-    <p:sldId id="267" r:id="rId9"/>
-    <p:sldId id="266" r:id="rId10"/>
+    <p:sldId id="270" r:id="rId4"/>
+    <p:sldId id="271" r:id="rId5"/>
+    <p:sldId id="260" r:id="rId6"/>
+    <p:sldId id="261" r:id="rId7"/>
+    <p:sldId id="262" r:id="rId8"/>
+    <p:sldId id="268" r:id="rId9"/>
+    <p:sldId id="263" r:id="rId10"/>
+    <p:sldId id="267" r:id="rId11"/>
+    <p:sldId id="266" r:id="rId12"/>
   </p:sldIdLst>
   <p:sldSz cx="12192000" cy="6858000"/>
   <p:notesSz cx="6858000" cy="9144000"/>
@@ -3934,8 +3939,8 @@
       </dsp:nvSpPr>
       <dsp:spPr>
         <a:xfrm>
-          <a:off x="0" y="364208"/>
-          <a:ext cx="7430529" cy="378000"/>
+          <a:off x="0" y="350460"/>
+          <a:ext cx="7384926" cy="352800"/>
         </a:xfrm>
         <a:prstGeom prst="rect">
           <a:avLst/>
@@ -3982,8 +3987,8 @@
       </dsp:nvSpPr>
       <dsp:spPr>
         <a:xfrm>
-          <a:off x="131260" y="115332"/>
-          <a:ext cx="5201370" cy="442800"/>
+          <a:off x="130454" y="118176"/>
+          <a:ext cx="5169448" cy="413280"/>
         </a:xfrm>
         <a:prstGeom prst="roundRect">
           <a:avLst/>
@@ -4024,7 +4029,7 @@
         </a:fontRef>
       </dsp:style>
       <dsp:txBody>
-        <a:bodyPr spcFirstLastPara="0" vert="horz" wrap="square" lIns="196599" tIns="0" rIns="196599" bIns="0" numCol="1" spcCol="1270" anchor="ctr" anchorCtr="0">
+        <a:bodyPr spcFirstLastPara="0" vert="horz" wrap="square" lIns="195393" tIns="0" rIns="195393" bIns="0" numCol="1" spcCol="1270" anchor="ctr" anchorCtr="0">
           <a:noAutofit/>
         </a:bodyPr>
         <a:lstStyle/>
@@ -4054,8 +4059,8 @@
         </a:p>
       </dsp:txBody>
       <dsp:txXfrm>
-        <a:off x="152876" y="136948"/>
-        <a:ext cx="5158138" cy="399568"/>
+        <a:off x="150629" y="138351"/>
+        <a:ext cx="5129098" cy="372930"/>
       </dsp:txXfrm>
     </dsp:sp>
     <dsp:sp modelId="{74E39BDA-2C5C-4BAA-B803-2C8482E58EFD}">
@@ -4065,8 +4070,8 @@
       </dsp:nvSpPr>
       <dsp:spPr>
         <a:xfrm>
-          <a:off x="0" y="1044608"/>
-          <a:ext cx="7430529" cy="378000"/>
+          <a:off x="0" y="985500"/>
+          <a:ext cx="7384926" cy="352800"/>
         </a:xfrm>
         <a:prstGeom prst="rect">
           <a:avLst/>
@@ -4113,8 +4118,8 @@
       </dsp:nvSpPr>
       <dsp:spPr>
         <a:xfrm>
-          <a:off x="901122" y="831444"/>
-          <a:ext cx="5201370" cy="442800"/>
+          <a:off x="895592" y="786547"/>
+          <a:ext cx="5169448" cy="413280"/>
         </a:xfrm>
         <a:prstGeom prst="roundRect">
           <a:avLst/>
@@ -4155,7 +4160,7 @@
         </a:fontRef>
       </dsp:style>
       <dsp:txBody>
-        <a:bodyPr spcFirstLastPara="0" vert="horz" wrap="square" lIns="196599" tIns="0" rIns="196599" bIns="0" numCol="1" spcCol="1270" anchor="ctr" anchorCtr="0">
+        <a:bodyPr spcFirstLastPara="0" vert="horz" wrap="square" lIns="195393" tIns="0" rIns="195393" bIns="0" numCol="1" spcCol="1270" anchor="ctr" anchorCtr="0">
           <a:noAutofit/>
         </a:bodyPr>
         <a:lstStyle/>
@@ -4185,8 +4190,8 @@
         </a:p>
       </dsp:txBody>
       <dsp:txXfrm>
-        <a:off x="922738" y="853060"/>
-        <a:ext cx="5158138" cy="399568"/>
+        <a:off x="915767" y="806722"/>
+        <a:ext cx="5129098" cy="372930"/>
       </dsp:txXfrm>
     </dsp:sp>
     <dsp:sp modelId="{BE6BE036-DFBA-42BA-A93B-1C7ECACEF312}">
@@ -4196,8 +4201,8 @@
       </dsp:nvSpPr>
       <dsp:spPr>
         <a:xfrm>
-          <a:off x="0" y="1725008"/>
-          <a:ext cx="7430529" cy="378000"/>
+          <a:off x="0" y="1620540"/>
+          <a:ext cx="7384926" cy="352800"/>
         </a:xfrm>
         <a:prstGeom prst="rect">
           <a:avLst/>
@@ -4244,8 +4249,8 @@
       </dsp:nvSpPr>
       <dsp:spPr>
         <a:xfrm>
-          <a:off x="1583750" y="1478895"/>
-          <a:ext cx="5201370" cy="442800"/>
+          <a:off x="1574030" y="1390835"/>
+          <a:ext cx="5169448" cy="413280"/>
         </a:xfrm>
         <a:prstGeom prst="roundRect">
           <a:avLst/>
@@ -4286,7 +4291,7 @@
         </a:fontRef>
       </dsp:style>
       <dsp:txBody>
-        <a:bodyPr spcFirstLastPara="0" vert="horz" wrap="square" lIns="196599" tIns="0" rIns="196599" bIns="0" numCol="1" spcCol="1270" anchor="ctr" anchorCtr="0">
+        <a:bodyPr spcFirstLastPara="0" vert="horz" wrap="square" lIns="195393" tIns="0" rIns="195393" bIns="0" numCol="1" spcCol="1270" anchor="ctr" anchorCtr="0">
           <a:noAutofit/>
         </a:bodyPr>
         <a:lstStyle/>
@@ -4316,8 +4321,8 @@
         </a:p>
       </dsp:txBody>
       <dsp:txXfrm>
-        <a:off x="1605366" y="1500511"/>
-        <a:ext cx="5158138" cy="399568"/>
+        <a:off x="1594205" y="1411010"/>
+        <a:ext cx="5129098" cy="372930"/>
       </dsp:txXfrm>
     </dsp:sp>
     <dsp:sp modelId="{B9264DDF-B637-422D-93A0-E115777F3553}">
@@ -4327,8 +4332,8 @@
       </dsp:nvSpPr>
       <dsp:spPr>
         <a:xfrm>
-          <a:off x="0" y="2405408"/>
-          <a:ext cx="7430529" cy="378000"/>
+          <a:off x="0" y="2255580"/>
+          <a:ext cx="7384926" cy="352800"/>
         </a:xfrm>
         <a:prstGeom prst="rect">
           <a:avLst/>
@@ -4375,8 +4380,8 @@
       </dsp:nvSpPr>
       <dsp:spPr>
         <a:xfrm>
-          <a:off x="2147162" y="2175767"/>
-          <a:ext cx="5201370" cy="442800"/>
+          <a:off x="2133985" y="2041249"/>
+          <a:ext cx="5169448" cy="413280"/>
         </a:xfrm>
         <a:prstGeom prst="roundRect">
           <a:avLst/>
@@ -4417,7 +4422,7 @@
         </a:fontRef>
       </dsp:style>
       <dsp:txBody>
-        <a:bodyPr spcFirstLastPara="0" vert="horz" wrap="square" lIns="196599" tIns="0" rIns="196599" bIns="0" numCol="1" spcCol="1270" anchor="ctr" anchorCtr="0">
+        <a:bodyPr spcFirstLastPara="0" vert="horz" wrap="square" lIns="195393" tIns="0" rIns="195393" bIns="0" numCol="1" spcCol="1270" anchor="ctr" anchorCtr="0">
           <a:noAutofit/>
         </a:bodyPr>
         <a:lstStyle/>
@@ -4447,8 +4452,8 @@
         </a:p>
       </dsp:txBody>
       <dsp:txXfrm>
-        <a:off x="2168778" y="2197383"/>
-        <a:ext cx="5158138" cy="399568"/>
+        <a:off x="2154160" y="2061424"/>
+        <a:ext cx="5129098" cy="372930"/>
       </dsp:txXfrm>
     </dsp:sp>
     <dsp:sp modelId="{5D92FF4F-70E7-4376-A042-D8F65606DB2E}">
@@ -4458,8 +4463,8 @@
       </dsp:nvSpPr>
       <dsp:spPr>
         <a:xfrm>
-          <a:off x="0" y="3085808"/>
-          <a:ext cx="7430529" cy="378000"/>
+          <a:off x="0" y="2890620"/>
+          <a:ext cx="7384926" cy="352800"/>
         </a:xfrm>
         <a:prstGeom prst="rect">
           <a:avLst/>
@@ -4506,8 +4511,8 @@
       </dsp:nvSpPr>
       <dsp:spPr>
         <a:xfrm>
-          <a:off x="1593841" y="2864412"/>
-          <a:ext cx="5201370" cy="442800"/>
+          <a:off x="1584059" y="2683984"/>
+          <a:ext cx="5169448" cy="413280"/>
         </a:xfrm>
         <a:prstGeom prst="roundRect">
           <a:avLst/>
@@ -4548,7 +4553,7 @@
         </a:fontRef>
       </dsp:style>
       <dsp:txBody>
-        <a:bodyPr spcFirstLastPara="0" vert="horz" wrap="square" lIns="196599" tIns="0" rIns="196599" bIns="0" numCol="1" spcCol="1270" anchor="ctr" anchorCtr="0">
+        <a:bodyPr spcFirstLastPara="0" vert="horz" wrap="square" lIns="195393" tIns="0" rIns="195393" bIns="0" numCol="1" spcCol="1270" anchor="ctr" anchorCtr="0">
           <a:noAutofit/>
         </a:bodyPr>
         <a:lstStyle/>
@@ -4578,8 +4583,8 @@
         </a:p>
       </dsp:txBody>
       <dsp:txXfrm>
-        <a:off x="1615457" y="2886028"/>
-        <a:ext cx="5158138" cy="399568"/>
+        <a:off x="1604234" y="2704159"/>
+        <a:ext cx="5129098" cy="372930"/>
       </dsp:txXfrm>
     </dsp:sp>
     <dsp:sp modelId="{18EB7334-135C-491C-A87C-EE18E4BFBA69}">
@@ -4589,8 +4594,8 @@
       </dsp:nvSpPr>
       <dsp:spPr>
         <a:xfrm>
-          <a:off x="0" y="3766208"/>
-          <a:ext cx="7430529" cy="378000"/>
+          <a:off x="0" y="3525660"/>
+          <a:ext cx="7384926" cy="352800"/>
         </a:xfrm>
         <a:prstGeom prst="rect">
           <a:avLst/>
@@ -4637,8 +4642,8 @@
       </dsp:nvSpPr>
       <dsp:spPr>
         <a:xfrm>
-          <a:off x="946998" y="3528331"/>
-          <a:ext cx="5201370" cy="442800"/>
+          <a:off x="941186" y="3303642"/>
+          <a:ext cx="5169448" cy="413280"/>
         </a:xfrm>
         <a:prstGeom prst="roundRect">
           <a:avLst/>
@@ -4679,7 +4684,7 @@
         </a:fontRef>
       </dsp:style>
       <dsp:txBody>
-        <a:bodyPr spcFirstLastPara="0" vert="horz" wrap="square" lIns="196599" tIns="0" rIns="196599" bIns="0" numCol="1" spcCol="1270" anchor="ctr" anchorCtr="0">
+        <a:bodyPr spcFirstLastPara="0" vert="horz" wrap="square" lIns="195393" tIns="0" rIns="195393" bIns="0" numCol="1" spcCol="1270" anchor="ctr" anchorCtr="0">
           <a:noAutofit/>
         </a:bodyPr>
         <a:lstStyle/>
@@ -4709,8 +4714,8 @@
         </a:p>
       </dsp:txBody>
       <dsp:txXfrm>
-        <a:off x="968614" y="3549947"/>
-        <a:ext cx="5158138" cy="399568"/>
+        <a:off x="961361" y="3323817"/>
+        <a:ext cx="5129098" cy="372930"/>
       </dsp:txXfrm>
     </dsp:sp>
     <dsp:sp modelId="{7697E0DF-E29D-4C40-830F-C33350AFA11B}">
@@ -4720,8 +4725,8 @@
       </dsp:nvSpPr>
       <dsp:spPr>
         <a:xfrm>
-          <a:off x="0" y="4446608"/>
-          <a:ext cx="7430529" cy="378000"/>
+          <a:off x="0" y="4160700"/>
+          <a:ext cx="7384926" cy="352800"/>
         </a:xfrm>
         <a:prstGeom prst="rect">
           <a:avLst/>
@@ -4768,8 +4773,8 @@
       </dsp:nvSpPr>
       <dsp:spPr>
         <a:xfrm>
-          <a:off x="139500" y="4241685"/>
-          <a:ext cx="5201370" cy="442800"/>
+          <a:off x="138644" y="3969438"/>
+          <a:ext cx="5169448" cy="413280"/>
         </a:xfrm>
         <a:prstGeom prst="roundRect">
           <a:avLst/>
@@ -4810,7 +4815,7 @@
         </a:fontRef>
       </dsp:style>
       <dsp:txBody>
-        <a:bodyPr spcFirstLastPara="0" vert="horz" wrap="square" lIns="196599" tIns="0" rIns="196599" bIns="0" numCol="1" spcCol="1270" anchor="ctr" anchorCtr="0">
+        <a:bodyPr spcFirstLastPara="0" vert="horz" wrap="square" lIns="195393" tIns="0" rIns="195393" bIns="0" numCol="1" spcCol="1270" anchor="ctr" anchorCtr="0">
           <a:noAutofit/>
         </a:bodyPr>
         <a:lstStyle/>
@@ -4840,8 +4845,8 @@
         </a:p>
       </dsp:txBody>
       <dsp:txXfrm>
-        <a:off x="161116" y="4263301"/>
-        <a:ext cx="5158138" cy="399568"/>
+        <a:off x="158819" y="3989613"/>
+        <a:ext cx="5129098" cy="372930"/>
       </dsp:txXfrm>
     </dsp:sp>
   </dsp:spTree>
@@ -7530,6 +7535,1140 @@
 </dgm:styleDef>
 </file>
 
+<file path=ppt/notesMasters/notesMaster1.xml><?xml version="1.0" encoding="utf-8"?>
+<p:notesMaster xmlns:a="http://schemas.openxmlformats.org/drawingml/2006/main" xmlns:r="http://schemas.openxmlformats.org/officeDocument/2006/relationships" xmlns:p="http://schemas.openxmlformats.org/presentationml/2006/main">
+  <p:cSld>
+    <p:bg>
+      <p:bgRef idx="1001">
+        <a:schemeClr val="bg1"/>
+      </p:bgRef>
+    </p:bg>
+    <p:spTree>
+      <p:nvGrpSpPr>
+        <p:cNvPr id="1" name=""/>
+        <p:cNvGrpSpPr/>
+        <p:nvPr/>
+      </p:nvGrpSpPr>
+      <p:grpSpPr>
+        <a:xfrm>
+          <a:off x="0" y="0"/>
+          <a:ext cx="0" cy="0"/>
+          <a:chOff x="0" y="0"/>
+          <a:chExt cx="0" cy="0"/>
+        </a:xfrm>
+      </p:grpSpPr>
+      <p:sp>
+        <p:nvSpPr>
+          <p:cNvPr id="2" name="Chỗ dành sẵn cho Đầu trang 1"/>
+          <p:cNvSpPr>
+            <a:spLocks noGrp="1"/>
+          </p:cNvSpPr>
+          <p:nvPr>
+            <p:ph type="hdr" sz="quarter"/>
+          </p:nvPr>
+        </p:nvSpPr>
+        <p:spPr>
+          <a:xfrm>
+            <a:off x="0" y="0"/>
+            <a:ext cx="2971800" cy="458788"/>
+          </a:xfrm>
+          <a:prstGeom prst="rect">
+            <a:avLst/>
+          </a:prstGeom>
+        </p:spPr>
+        <p:txBody>
+          <a:bodyPr vert="horz" lIns="91440" tIns="45720" rIns="91440" bIns="45720" rtlCol="0"/>
+          <a:lstStyle>
+            <a:lvl1pPr algn="l">
+              <a:defRPr sz="1200"/>
+            </a:lvl1pPr>
+          </a:lstStyle>
+          <a:p>
+            <a:endParaRPr lang="en-US"/>
+          </a:p>
+        </p:txBody>
+      </p:sp>
+      <p:sp>
+        <p:nvSpPr>
+          <p:cNvPr id="3" name="Chỗ dành sẵn cho Ngày tháng 2"/>
+          <p:cNvSpPr>
+            <a:spLocks noGrp="1"/>
+          </p:cNvSpPr>
+          <p:nvPr>
+            <p:ph type="dt" idx="1"/>
+          </p:nvPr>
+        </p:nvSpPr>
+        <p:spPr>
+          <a:xfrm>
+            <a:off x="3884613" y="0"/>
+            <a:ext cx="2971800" cy="458788"/>
+          </a:xfrm>
+          <a:prstGeom prst="rect">
+            <a:avLst/>
+          </a:prstGeom>
+        </p:spPr>
+        <p:txBody>
+          <a:bodyPr vert="horz" lIns="91440" tIns="45720" rIns="91440" bIns="45720" rtlCol="0"/>
+          <a:lstStyle>
+            <a:lvl1pPr algn="r">
+              <a:defRPr sz="1200"/>
+            </a:lvl1pPr>
+          </a:lstStyle>
+          <a:p>
+            <a:fld id="{48D2E154-BD76-4D78-9C24-4955A1575820}" type="datetimeFigureOut">
+              <a:rPr lang="en-US" smtClean="0"/>
+              <a:t>6/17/2019</a:t>
+            </a:fld>
+            <a:endParaRPr lang="en-US"/>
+          </a:p>
+        </p:txBody>
+      </p:sp>
+      <p:sp>
+        <p:nvSpPr>
+          <p:cNvPr id="4" name="Chỗ dành sẵn cho Hình ảnh của Bản chiếu 3"/>
+          <p:cNvSpPr>
+            <a:spLocks noGrp="1" noRot="1" noChangeAspect="1"/>
+          </p:cNvSpPr>
+          <p:nvPr>
+            <p:ph type="sldImg" idx="2"/>
+          </p:nvPr>
+        </p:nvSpPr>
+        <p:spPr>
+          <a:xfrm>
+            <a:off x="685800" y="1143000"/>
+            <a:ext cx="5486400" cy="3086100"/>
+          </a:xfrm>
+          <a:prstGeom prst="rect">
+            <a:avLst/>
+          </a:prstGeom>
+          <a:noFill/>
+          <a:ln w="12700">
+            <a:solidFill>
+              <a:prstClr val="black"/>
+            </a:solidFill>
+          </a:ln>
+        </p:spPr>
+        <p:txBody>
+          <a:bodyPr vert="horz" lIns="91440" tIns="45720" rIns="91440" bIns="45720" rtlCol="0" anchor="ctr"/>
+          <a:lstStyle/>
+          <a:p>
+            <a:endParaRPr lang="en-US"/>
+          </a:p>
+        </p:txBody>
+      </p:sp>
+      <p:sp>
+        <p:nvSpPr>
+          <p:cNvPr id="5" name="Chỗ dành sẵn cho Ghi chú 4"/>
+          <p:cNvSpPr>
+            <a:spLocks noGrp="1"/>
+          </p:cNvSpPr>
+          <p:nvPr>
+            <p:ph type="body" sz="quarter" idx="3"/>
+          </p:nvPr>
+        </p:nvSpPr>
+        <p:spPr>
+          <a:xfrm>
+            <a:off x="685800" y="4400550"/>
+            <a:ext cx="5486400" cy="3600450"/>
+          </a:xfrm>
+          <a:prstGeom prst="rect">
+            <a:avLst/>
+          </a:prstGeom>
+        </p:spPr>
+        <p:txBody>
+          <a:bodyPr vert="horz" lIns="91440" tIns="45720" rIns="91440" bIns="45720" rtlCol="0"/>
+          <a:lstStyle/>
+          <a:p>
+            <a:pPr lvl="0"/>
+            <a:r>
+              <a:rPr lang="vi-VN" smtClean="0"/>
+              <a:t>Bấm để sửa kiểu văn bản Bản cái</a:t>
+            </a:r>
+          </a:p>
+          <a:p>
+            <a:pPr lvl="1"/>
+            <a:r>
+              <a:rPr lang="vi-VN" smtClean="0"/>
+              <a:t>Mức hai</a:t>
+            </a:r>
+          </a:p>
+          <a:p>
+            <a:pPr lvl="2"/>
+            <a:r>
+              <a:rPr lang="vi-VN" smtClean="0"/>
+              <a:t>Mức ba</a:t>
+            </a:r>
+          </a:p>
+          <a:p>
+            <a:pPr lvl="3"/>
+            <a:r>
+              <a:rPr lang="vi-VN" smtClean="0"/>
+              <a:t>Mức bốn</a:t>
+            </a:r>
+          </a:p>
+          <a:p>
+            <a:pPr lvl="4"/>
+            <a:r>
+              <a:rPr lang="vi-VN" smtClean="0"/>
+              <a:t>Mức năm</a:t>
+            </a:r>
+            <a:endParaRPr lang="en-US"/>
+          </a:p>
+        </p:txBody>
+      </p:sp>
+      <p:sp>
+        <p:nvSpPr>
+          <p:cNvPr id="6" name="Chỗ dành sẵn cho Chân trang 5"/>
+          <p:cNvSpPr>
+            <a:spLocks noGrp="1"/>
+          </p:cNvSpPr>
+          <p:nvPr>
+            <p:ph type="ftr" sz="quarter" idx="4"/>
+          </p:nvPr>
+        </p:nvSpPr>
+        <p:spPr>
+          <a:xfrm>
+            <a:off x="0" y="8685213"/>
+            <a:ext cx="2971800" cy="458787"/>
+          </a:xfrm>
+          <a:prstGeom prst="rect">
+            <a:avLst/>
+          </a:prstGeom>
+        </p:spPr>
+        <p:txBody>
+          <a:bodyPr vert="horz" lIns="91440" tIns="45720" rIns="91440" bIns="45720" rtlCol="0" anchor="b"/>
+          <a:lstStyle>
+            <a:lvl1pPr algn="l">
+              <a:defRPr sz="1200"/>
+            </a:lvl1pPr>
+          </a:lstStyle>
+          <a:p>
+            <a:endParaRPr lang="en-US"/>
+          </a:p>
+        </p:txBody>
+      </p:sp>
+      <p:sp>
+        <p:nvSpPr>
+          <p:cNvPr id="7" name="Chỗ dành sẵn cho Số hiệu Bản chiếu 6"/>
+          <p:cNvSpPr>
+            <a:spLocks noGrp="1"/>
+          </p:cNvSpPr>
+          <p:nvPr>
+            <p:ph type="sldNum" sz="quarter" idx="5"/>
+          </p:nvPr>
+        </p:nvSpPr>
+        <p:spPr>
+          <a:xfrm>
+            <a:off x="3884613" y="8685213"/>
+            <a:ext cx="2971800" cy="458787"/>
+          </a:xfrm>
+          <a:prstGeom prst="rect">
+            <a:avLst/>
+          </a:prstGeom>
+        </p:spPr>
+        <p:txBody>
+          <a:bodyPr vert="horz" lIns="91440" tIns="45720" rIns="91440" bIns="45720" rtlCol="0" anchor="b"/>
+          <a:lstStyle>
+            <a:lvl1pPr algn="r">
+              <a:defRPr sz="1200"/>
+            </a:lvl1pPr>
+          </a:lstStyle>
+          <a:p>
+            <a:fld id="{5C677C3B-6F27-49A4-9FBA-1089523AC834}" type="slidenum">
+              <a:rPr lang="en-US" smtClean="0"/>
+              <a:t>‹#›</a:t>
+            </a:fld>
+            <a:endParaRPr lang="en-US"/>
+          </a:p>
+        </p:txBody>
+      </p:sp>
+    </p:spTree>
+    <p:extLst>
+      <p:ext uri="{BB962C8B-B14F-4D97-AF65-F5344CB8AC3E}">
+        <p14:creationId xmlns:p14="http://schemas.microsoft.com/office/powerpoint/2010/main" val="1418415601"/>
+      </p:ext>
+    </p:extLst>
+  </p:cSld>
+  <p:clrMap bg1="lt1" tx1="dk1" bg2="lt2" tx2="dk2" accent1="accent1" accent2="accent2" accent3="accent3" accent4="accent4" accent5="accent5" accent6="accent6" hlink="hlink" folHlink="folHlink"/>
+  <p:notesStyle>
+    <a:lvl1pPr marL="0" algn="l" defTabSz="914400" rtl="0" eaLnBrk="1" latinLnBrk="0" hangingPunct="1">
+      <a:defRPr sz="1200" kern="1200">
+        <a:solidFill>
+          <a:schemeClr val="tx1"/>
+        </a:solidFill>
+        <a:latin typeface="+mn-lt"/>
+        <a:ea typeface="+mn-ea"/>
+        <a:cs typeface="+mn-cs"/>
+      </a:defRPr>
+    </a:lvl1pPr>
+    <a:lvl2pPr marL="457200" algn="l" defTabSz="914400" rtl="0" eaLnBrk="1" latinLnBrk="0" hangingPunct="1">
+      <a:defRPr sz="1200" kern="1200">
+        <a:solidFill>
+          <a:schemeClr val="tx1"/>
+        </a:solidFill>
+        <a:latin typeface="+mn-lt"/>
+        <a:ea typeface="+mn-ea"/>
+        <a:cs typeface="+mn-cs"/>
+      </a:defRPr>
+    </a:lvl2pPr>
+    <a:lvl3pPr marL="914400" algn="l" defTabSz="914400" rtl="0" eaLnBrk="1" latinLnBrk="0" hangingPunct="1">
+      <a:defRPr sz="1200" kern="1200">
+        <a:solidFill>
+          <a:schemeClr val="tx1"/>
+        </a:solidFill>
+        <a:latin typeface="+mn-lt"/>
+        <a:ea typeface="+mn-ea"/>
+        <a:cs typeface="+mn-cs"/>
+      </a:defRPr>
+    </a:lvl3pPr>
+    <a:lvl4pPr marL="1371600" algn="l" defTabSz="914400" rtl="0" eaLnBrk="1" latinLnBrk="0" hangingPunct="1">
+      <a:defRPr sz="1200" kern="1200">
+        <a:solidFill>
+          <a:schemeClr val="tx1"/>
+        </a:solidFill>
+        <a:latin typeface="+mn-lt"/>
+        <a:ea typeface="+mn-ea"/>
+        <a:cs typeface="+mn-cs"/>
+      </a:defRPr>
+    </a:lvl4pPr>
+    <a:lvl5pPr marL="1828800" algn="l" defTabSz="914400" rtl="0" eaLnBrk="1" latinLnBrk="0" hangingPunct="1">
+      <a:defRPr sz="1200" kern="1200">
+        <a:solidFill>
+          <a:schemeClr val="tx1"/>
+        </a:solidFill>
+        <a:latin typeface="+mn-lt"/>
+        <a:ea typeface="+mn-ea"/>
+        <a:cs typeface="+mn-cs"/>
+      </a:defRPr>
+    </a:lvl5pPr>
+    <a:lvl6pPr marL="2286000" algn="l" defTabSz="914400" rtl="0" eaLnBrk="1" latinLnBrk="0" hangingPunct="1">
+      <a:defRPr sz="1200" kern="1200">
+        <a:solidFill>
+          <a:schemeClr val="tx1"/>
+        </a:solidFill>
+        <a:latin typeface="+mn-lt"/>
+        <a:ea typeface="+mn-ea"/>
+        <a:cs typeface="+mn-cs"/>
+      </a:defRPr>
+    </a:lvl6pPr>
+    <a:lvl7pPr marL="2743200" algn="l" defTabSz="914400" rtl="0" eaLnBrk="1" latinLnBrk="0" hangingPunct="1">
+      <a:defRPr sz="1200" kern="1200">
+        <a:solidFill>
+          <a:schemeClr val="tx1"/>
+        </a:solidFill>
+        <a:latin typeface="+mn-lt"/>
+        <a:ea typeface="+mn-ea"/>
+        <a:cs typeface="+mn-cs"/>
+      </a:defRPr>
+    </a:lvl7pPr>
+    <a:lvl8pPr marL="3200400" algn="l" defTabSz="914400" rtl="0" eaLnBrk="1" latinLnBrk="0" hangingPunct="1">
+      <a:defRPr sz="1200" kern="1200">
+        <a:solidFill>
+          <a:schemeClr val="tx1"/>
+        </a:solidFill>
+        <a:latin typeface="+mn-lt"/>
+        <a:ea typeface="+mn-ea"/>
+        <a:cs typeface="+mn-cs"/>
+      </a:defRPr>
+    </a:lvl8pPr>
+    <a:lvl9pPr marL="3657600" algn="l" defTabSz="914400" rtl="0" eaLnBrk="1" latinLnBrk="0" hangingPunct="1">
+      <a:defRPr sz="1200" kern="1200">
+        <a:solidFill>
+          <a:schemeClr val="tx1"/>
+        </a:solidFill>
+        <a:latin typeface="+mn-lt"/>
+        <a:ea typeface="+mn-ea"/>
+        <a:cs typeface="+mn-cs"/>
+      </a:defRPr>
+    </a:lvl9pPr>
+  </p:notesStyle>
+</p:notesMaster>
+</file>
+
+<file path=ppt/notesSlides/notesSlide1.xml><?xml version="1.0" encoding="utf-8"?>
+<p:notes xmlns:a="http://schemas.openxmlformats.org/drawingml/2006/main" xmlns:r="http://schemas.openxmlformats.org/officeDocument/2006/relationships" xmlns:p="http://schemas.openxmlformats.org/presentationml/2006/main">
+  <p:cSld>
+    <p:spTree>
+      <p:nvGrpSpPr>
+        <p:cNvPr id="1" name=""/>
+        <p:cNvGrpSpPr/>
+        <p:nvPr/>
+      </p:nvGrpSpPr>
+      <p:grpSpPr>
+        <a:xfrm>
+          <a:off x="0" y="0"/>
+          <a:ext cx="0" cy="0"/>
+          <a:chOff x="0" y="0"/>
+          <a:chExt cx="0" cy="0"/>
+        </a:xfrm>
+      </p:grpSpPr>
+      <p:sp>
+        <p:nvSpPr>
+          <p:cNvPr id="2" name="Chỗ dành sẵn cho Hình ảnh của Bản chiếu 1"/>
+          <p:cNvSpPr>
+            <a:spLocks noGrp="1" noRot="1" noChangeAspect="1"/>
+          </p:cNvSpPr>
+          <p:nvPr>
+            <p:ph type="sldImg"/>
+          </p:nvPr>
+        </p:nvSpPr>
+        <p:spPr/>
+      </p:sp>
+      <p:sp>
+        <p:nvSpPr>
+          <p:cNvPr id="3" name="Chỗ dành sẵn cho Ghi chú 2"/>
+          <p:cNvSpPr>
+            <a:spLocks noGrp="1"/>
+          </p:cNvSpPr>
+          <p:nvPr>
+            <p:ph type="body" idx="1"/>
+          </p:nvPr>
+        </p:nvSpPr>
+        <p:spPr/>
+        <p:txBody>
+          <a:bodyPr/>
+          <a:lstStyle/>
+          <a:p>
+            <a:r>
+              <a:rPr lang="en-US" smtClean="0"/>
+              <a:t>gaskjdhakshdk</a:t>
+            </a:r>
+            <a:endParaRPr lang="en-US"/>
+          </a:p>
+        </p:txBody>
+      </p:sp>
+      <p:sp>
+        <p:nvSpPr>
+          <p:cNvPr id="4" name="Chỗ dành sẵn cho Số hiệu Bản chiếu 3"/>
+          <p:cNvSpPr>
+            <a:spLocks noGrp="1"/>
+          </p:cNvSpPr>
+          <p:nvPr>
+            <p:ph type="sldNum" sz="quarter" idx="10"/>
+          </p:nvPr>
+        </p:nvSpPr>
+        <p:spPr/>
+        <p:txBody>
+          <a:bodyPr/>
+          <a:lstStyle/>
+          <a:p>
+            <a:fld id="{5C677C3B-6F27-49A4-9FBA-1089523AC834}" type="slidenum">
+              <a:rPr lang="en-US" smtClean="0"/>
+              <a:t>1</a:t>
+            </a:fld>
+            <a:endParaRPr lang="en-US"/>
+          </a:p>
+        </p:txBody>
+      </p:sp>
+    </p:spTree>
+    <p:extLst>
+      <p:ext uri="{BB962C8B-B14F-4D97-AF65-F5344CB8AC3E}">
+        <p14:creationId xmlns:p14="http://schemas.microsoft.com/office/powerpoint/2010/main" val="2045152064"/>
+      </p:ext>
+    </p:extLst>
+  </p:cSld>
+  <p:clrMapOvr>
+    <a:masterClrMapping/>
+  </p:clrMapOvr>
+</p:notes>
+</file>
+
+<file path=ppt/notesSlides/notesSlide2.xml><?xml version="1.0" encoding="utf-8"?>
+<p:notes xmlns:a="http://schemas.openxmlformats.org/drawingml/2006/main" xmlns:r="http://schemas.openxmlformats.org/officeDocument/2006/relationships" xmlns:p="http://schemas.openxmlformats.org/presentationml/2006/main">
+  <p:cSld>
+    <p:spTree>
+      <p:nvGrpSpPr>
+        <p:cNvPr id="1" name=""/>
+        <p:cNvGrpSpPr/>
+        <p:nvPr/>
+      </p:nvGrpSpPr>
+      <p:grpSpPr>
+        <a:xfrm>
+          <a:off x="0" y="0"/>
+          <a:ext cx="0" cy="0"/>
+          <a:chOff x="0" y="0"/>
+          <a:chExt cx="0" cy="0"/>
+        </a:xfrm>
+      </p:grpSpPr>
+      <p:sp>
+        <p:nvSpPr>
+          <p:cNvPr id="2" name="Chỗ dành sẵn cho Hình ảnh của Bản chiếu 1"/>
+          <p:cNvSpPr>
+            <a:spLocks noGrp="1" noRot="1" noChangeAspect="1"/>
+          </p:cNvSpPr>
+          <p:nvPr>
+            <p:ph type="sldImg"/>
+          </p:nvPr>
+        </p:nvSpPr>
+        <p:spPr/>
+      </p:sp>
+      <p:sp>
+        <p:nvSpPr>
+          <p:cNvPr id="3" name="Chỗ dành sẵn cho Ghi chú 2"/>
+          <p:cNvSpPr>
+            <a:spLocks noGrp="1"/>
+          </p:cNvSpPr>
+          <p:nvPr>
+            <p:ph type="body" idx="1"/>
+          </p:nvPr>
+        </p:nvSpPr>
+        <p:spPr/>
+        <p:txBody>
+          <a:bodyPr/>
+          <a:lstStyle/>
+          <a:p>
+            <a:pPr marL="0" marR="0" lvl="1" indent="0" algn="l" defTabSz="914400" rtl="0" eaLnBrk="1" fontAlgn="auto" latinLnBrk="0" hangingPunct="1">
+              <a:lnSpc>
+                <a:spcPct val="100000"/>
+              </a:lnSpc>
+              <a:spcBef>
+                <a:spcPts val="0"/>
+              </a:spcBef>
+              <a:spcAft>
+                <a:spcPts val="0"/>
+              </a:spcAft>
+              <a:buClrTx/>
+              <a:buSzTx/>
+              <a:buFontTx/>
+              <a:buNone/>
+              <a:tabLst/>
+              <a:defRPr/>
+            </a:pPr>
+            <a:r>
+              <a:rPr lang="en-US" smtClean="0"/>
+              <a:t>4. </a:t>
+            </a:r>
+            <a:r>
+              <a:rPr lang="en-US" sz="1200" kern="1200" smtClean="0">
+                <a:solidFill>
+                  <a:schemeClr val="tx1"/>
+                </a:solidFill>
+                <a:effectLst/>
+                <a:latin typeface="+mn-lt"/>
+                <a:ea typeface="+mn-ea"/>
+                <a:cs typeface="+mn-cs"/>
+              </a:rPr>
+              <a:t>Tìm kiếm thông</a:t>
+            </a:r>
+            <a:r>
+              <a:rPr lang="en-US" sz="1200" kern="1200" baseline="0" smtClean="0">
+                <a:solidFill>
+                  <a:schemeClr val="tx1"/>
+                </a:solidFill>
+                <a:effectLst/>
+                <a:latin typeface="+mn-lt"/>
+                <a:ea typeface="+mn-ea"/>
+                <a:cs typeface="+mn-cs"/>
+              </a:rPr>
+              <a:t> tin </a:t>
+            </a:r>
+            <a:r>
+              <a:rPr lang="en-US" sz="1200" kern="1200" smtClean="0">
+                <a:solidFill>
+                  <a:schemeClr val="tx1"/>
+                </a:solidFill>
+                <a:effectLst/>
+                <a:latin typeface="+mn-lt"/>
+                <a:ea typeface="+mn-ea"/>
+                <a:cs typeface="+mn-cs"/>
+              </a:rPr>
+              <a:t>theo nhiều tiêu chí như: thông tin khách hàng, thông tin thiết bị, thông tin phòng và thông tin hóa đơn một cách nhanh chóng và chính xác.</a:t>
+            </a:r>
+          </a:p>
+          <a:p>
+            <a:pPr marL="0" marR="0" lvl="1" indent="0" algn="l" defTabSz="914400" rtl="0" eaLnBrk="1" fontAlgn="auto" latinLnBrk="0" hangingPunct="1">
+              <a:lnSpc>
+                <a:spcPct val="100000"/>
+              </a:lnSpc>
+              <a:spcBef>
+                <a:spcPts val="0"/>
+              </a:spcBef>
+              <a:spcAft>
+                <a:spcPts val="0"/>
+              </a:spcAft>
+              <a:buClrTx/>
+              <a:buSzTx/>
+              <a:buFontTx/>
+              <a:buNone/>
+              <a:tabLst/>
+              <a:defRPr/>
+            </a:pPr>
+            <a:r>
+              <a:rPr lang="en-US" smtClean="0"/>
+              <a:t>5. </a:t>
+            </a:r>
+            <a:r>
+              <a:rPr lang="en-US" sz="1200" kern="1200" smtClean="0">
+                <a:solidFill>
+                  <a:schemeClr val="tx1"/>
+                </a:solidFill>
+                <a:effectLst/>
+                <a:latin typeface="+mn-lt"/>
+                <a:ea typeface="+mn-ea"/>
+                <a:cs typeface="+mn-cs"/>
+              </a:rPr>
+              <a:t>Thống kê được số lượng của</a:t>
+            </a:r>
+            <a:r>
+              <a:rPr lang="en-US" sz="1200" kern="1200" baseline="0" smtClean="0">
+                <a:solidFill>
+                  <a:schemeClr val="tx1"/>
+                </a:solidFill>
+                <a:effectLst/>
+                <a:latin typeface="+mn-lt"/>
+                <a:ea typeface="+mn-ea"/>
+                <a:cs typeface="+mn-cs"/>
+              </a:rPr>
+              <a:t> nhiều chức năng như: tổng số</a:t>
+            </a:r>
+            <a:r>
+              <a:rPr lang="en-US" sz="1200" kern="1200" smtClean="0">
+                <a:solidFill>
+                  <a:schemeClr val="tx1"/>
+                </a:solidFill>
+                <a:effectLst/>
+                <a:latin typeface="+mn-lt"/>
+                <a:ea typeface="+mn-ea"/>
+                <a:cs typeface="+mn-cs"/>
+              </a:rPr>
+              <a:t> phòng (tổng số phòng trống, tổng số phòng đã có khách ở, tổng số loại phòng), số lượng thiết bị, số lượng khách thuê phòng (theo thời</a:t>
+            </a:r>
+            <a:r>
+              <a:rPr lang="en-US" sz="1200" kern="1200" baseline="0" smtClean="0">
+                <a:solidFill>
+                  <a:schemeClr val="tx1"/>
+                </a:solidFill>
+                <a:effectLst/>
+                <a:latin typeface="+mn-lt"/>
+                <a:ea typeface="+mn-ea"/>
+                <a:cs typeface="+mn-cs"/>
+              </a:rPr>
+              <a:t> gian và theo số phòng</a:t>
+            </a:r>
+            <a:r>
+              <a:rPr lang="en-US" sz="1200" kern="1200" smtClean="0">
+                <a:solidFill>
+                  <a:schemeClr val="tx1"/>
+                </a:solidFill>
+                <a:effectLst/>
+                <a:latin typeface="+mn-lt"/>
+                <a:ea typeface="+mn-ea"/>
+                <a:cs typeface="+mn-cs"/>
+              </a:rPr>
+              <a:t>), thống kê được tổng doanh thu (theo thời</a:t>
+            </a:r>
+            <a:r>
+              <a:rPr lang="en-US" sz="1200" kern="1200" baseline="0" smtClean="0">
+                <a:solidFill>
+                  <a:schemeClr val="tx1"/>
+                </a:solidFill>
+                <a:effectLst/>
+                <a:latin typeface="+mn-lt"/>
+                <a:ea typeface="+mn-ea"/>
+                <a:cs typeface="+mn-cs"/>
+              </a:rPr>
+              <a:t> gian và theo số phòng</a:t>
+            </a:r>
+            <a:r>
+              <a:rPr lang="en-US" sz="1200" kern="1200" smtClean="0">
+                <a:solidFill>
+                  <a:schemeClr val="tx1"/>
+                </a:solidFill>
+                <a:effectLst/>
+                <a:latin typeface="+mn-lt"/>
+                <a:ea typeface="+mn-ea"/>
+                <a:cs typeface="+mn-cs"/>
+              </a:rPr>
+              <a:t>).</a:t>
+            </a:r>
+          </a:p>
+          <a:p>
+            <a:endParaRPr lang="en-US"/>
+          </a:p>
+        </p:txBody>
+      </p:sp>
+      <p:sp>
+        <p:nvSpPr>
+          <p:cNvPr id="4" name="Chỗ dành sẵn cho Số hiệu Bản chiếu 3"/>
+          <p:cNvSpPr>
+            <a:spLocks noGrp="1"/>
+          </p:cNvSpPr>
+          <p:nvPr>
+            <p:ph type="sldNum" sz="quarter" idx="10"/>
+          </p:nvPr>
+        </p:nvSpPr>
+        <p:spPr/>
+        <p:txBody>
+          <a:bodyPr/>
+          <a:lstStyle/>
+          <a:p>
+            <a:fld id="{5C677C3B-6F27-49A4-9FBA-1089523AC834}" type="slidenum">
+              <a:rPr lang="en-US" smtClean="0"/>
+              <a:t>7</a:t>
+            </a:fld>
+            <a:endParaRPr lang="en-US"/>
+          </a:p>
+        </p:txBody>
+      </p:sp>
+    </p:spTree>
+    <p:extLst>
+      <p:ext uri="{BB962C8B-B14F-4D97-AF65-F5344CB8AC3E}">
+        <p14:creationId xmlns:p14="http://schemas.microsoft.com/office/powerpoint/2010/main" val="1667634781"/>
+      </p:ext>
+    </p:extLst>
+  </p:cSld>
+  <p:clrMapOvr>
+    <a:masterClrMapping/>
+  </p:clrMapOvr>
+</p:notes>
+</file>
+
+<file path=ppt/notesSlides/notesSlide3.xml><?xml version="1.0" encoding="utf-8"?>
+<p:notes xmlns:a="http://schemas.openxmlformats.org/drawingml/2006/main" xmlns:r="http://schemas.openxmlformats.org/officeDocument/2006/relationships" xmlns:p="http://schemas.openxmlformats.org/presentationml/2006/main">
+  <p:cSld>
+    <p:spTree>
+      <p:nvGrpSpPr>
+        <p:cNvPr id="1" name=""/>
+        <p:cNvGrpSpPr/>
+        <p:nvPr/>
+      </p:nvGrpSpPr>
+      <p:grpSpPr>
+        <a:xfrm>
+          <a:off x="0" y="0"/>
+          <a:ext cx="0" cy="0"/>
+          <a:chOff x="0" y="0"/>
+          <a:chExt cx="0" cy="0"/>
+        </a:xfrm>
+      </p:grpSpPr>
+      <p:sp>
+        <p:nvSpPr>
+          <p:cNvPr id="2" name="Chỗ dành sẵn cho Hình ảnh của Bản chiếu 1"/>
+          <p:cNvSpPr>
+            <a:spLocks noGrp="1" noRot="1" noChangeAspect="1"/>
+          </p:cNvSpPr>
+          <p:nvPr>
+            <p:ph type="sldImg"/>
+          </p:nvPr>
+        </p:nvSpPr>
+        <p:spPr/>
+      </p:sp>
+      <p:sp>
+        <p:nvSpPr>
+          <p:cNvPr id="3" name="Chỗ dành sẵn cho Ghi chú 2"/>
+          <p:cNvSpPr>
+            <a:spLocks noGrp="1"/>
+          </p:cNvSpPr>
+          <p:nvPr>
+            <p:ph type="body" idx="1"/>
+          </p:nvPr>
+        </p:nvSpPr>
+        <p:spPr/>
+        <p:txBody>
+          <a:bodyPr/>
+          <a:lstStyle/>
+          <a:p>
+            <a:pPr marL="228600" marR="0" lvl="1" indent="-228600" algn="l" defTabSz="914400" rtl="0" eaLnBrk="1" fontAlgn="auto" latinLnBrk="0" hangingPunct="1">
+              <a:lnSpc>
+                <a:spcPct val="100000"/>
+              </a:lnSpc>
+              <a:spcBef>
+                <a:spcPts val="0"/>
+              </a:spcBef>
+              <a:spcAft>
+                <a:spcPts val="0"/>
+              </a:spcAft>
+              <a:buClrTx/>
+              <a:buSzTx/>
+              <a:buFontTx/>
+              <a:buAutoNum type="arabicPeriod"/>
+              <a:tabLst/>
+              <a:defRPr/>
+            </a:pPr>
+            <a:r>
+              <a:rPr lang="en-US" smtClean="0"/>
+              <a:t>Với</a:t>
+            </a:r>
+            <a:r>
+              <a:rPr lang="en-US" baseline="0" smtClean="0"/>
+              <a:t> thời gian ngắn, trình độ kinh nghiệm còn hạn chế </a:t>
+            </a:r>
+            <a:r>
+              <a:rPr lang="en-US" sz="1200" kern="1200" smtClean="0">
+                <a:solidFill>
+                  <a:schemeClr val="tx1"/>
+                </a:solidFill>
+                <a:effectLst/>
+                <a:latin typeface="+mn-lt"/>
+                <a:ea typeface="+mn-ea"/>
+                <a:cs typeface="+mn-cs"/>
+              </a:rPr>
+              <a:t>hệ thống vẫn chưa được hoàn thiện như</a:t>
+            </a:r>
+            <a:r>
+              <a:rPr lang="en-US" sz="1200" kern="1200" baseline="0" smtClean="0">
+                <a:solidFill>
+                  <a:schemeClr val="tx1"/>
+                </a:solidFill>
+                <a:effectLst/>
+                <a:latin typeface="+mn-lt"/>
+                <a:ea typeface="+mn-ea"/>
+                <a:cs typeface="+mn-cs"/>
+              </a:rPr>
+              <a:t> kế hoạch đã đề ra</a:t>
+            </a:r>
+            <a:r>
+              <a:rPr lang="en-US" sz="1200" kern="1200" smtClean="0">
+                <a:solidFill>
+                  <a:schemeClr val="tx1"/>
+                </a:solidFill>
+                <a:effectLst/>
+                <a:latin typeface="+mn-lt"/>
+                <a:ea typeface="+mn-ea"/>
+                <a:cs typeface="+mn-cs"/>
+              </a:rPr>
+              <a:t>. Một số chức năng quản lý trong phạm vi đề tài vẫn chưa được thiết kế (chức năng đặt phòng, hủy phòng, chuyển phòng và chức năng xuất hóa đơn). </a:t>
+            </a:r>
+          </a:p>
+          <a:p>
+            <a:pPr marL="228600" marR="0" lvl="1" indent="-228600" algn="l" defTabSz="914400" rtl="0" eaLnBrk="1" fontAlgn="auto" latinLnBrk="0" hangingPunct="1">
+              <a:lnSpc>
+                <a:spcPct val="100000"/>
+              </a:lnSpc>
+              <a:spcBef>
+                <a:spcPts val="0"/>
+              </a:spcBef>
+              <a:spcAft>
+                <a:spcPts val="0"/>
+              </a:spcAft>
+              <a:buClrTx/>
+              <a:buSzTx/>
+              <a:buFontTx/>
+              <a:buAutoNum type="arabicPeriod"/>
+              <a:tabLst/>
+              <a:defRPr/>
+            </a:pPr>
+            <a:r>
+              <a:rPr lang="en-US" sz="1200" kern="1200" smtClean="0">
+                <a:solidFill>
+                  <a:schemeClr val="tx1"/>
+                </a:solidFill>
+                <a:effectLst/>
+                <a:latin typeface="+mn-lt"/>
+                <a:ea typeface="+mn-ea"/>
+                <a:cs typeface="+mn-cs"/>
+              </a:rPr>
+              <a:t>Như</a:t>
+            </a:r>
+            <a:r>
+              <a:rPr lang="en-US" sz="1200" kern="1200" baseline="0" smtClean="0">
+                <a:solidFill>
+                  <a:schemeClr val="tx1"/>
+                </a:solidFill>
+                <a:effectLst/>
+                <a:latin typeface="+mn-lt"/>
+                <a:ea typeface="+mn-ea"/>
+                <a:cs typeface="+mn-cs"/>
+              </a:rPr>
+              <a:t> c</a:t>
+            </a:r>
+            <a:r>
+              <a:rPr lang="en-US" sz="1200" kern="1200" smtClean="0">
+                <a:solidFill>
+                  <a:schemeClr val="tx1"/>
+                </a:solidFill>
+                <a:effectLst/>
+                <a:latin typeface="+mn-lt"/>
+                <a:ea typeface="+mn-ea"/>
+                <a:cs typeface="+mn-cs"/>
+              </a:rPr>
+              <a:t>hức năng thuê phòng chỉ mới kiểm tra được thuê phòng bằng số CMND, còn các giấy tờ tùy thân khác trong trường</a:t>
+            </a:r>
+            <a:r>
+              <a:rPr lang="en-US" sz="1200" kern="1200" baseline="0" smtClean="0">
+                <a:solidFill>
+                  <a:schemeClr val="tx1"/>
+                </a:solidFill>
+                <a:effectLst/>
+                <a:latin typeface="+mn-lt"/>
+                <a:ea typeface="+mn-ea"/>
+                <a:cs typeface="+mn-cs"/>
+              </a:rPr>
+              <a:t> hợp quên mang CMND như </a:t>
+            </a:r>
+            <a:r>
+              <a:rPr lang="en-US" sz="1200" kern="1200" smtClean="0">
+                <a:solidFill>
+                  <a:schemeClr val="tx1"/>
+                </a:solidFill>
+                <a:effectLst/>
+                <a:latin typeface="+mn-lt"/>
+                <a:ea typeface="+mn-ea"/>
+                <a:cs typeface="+mn-cs"/>
+              </a:rPr>
+              <a:t>(hộ chiếu hoặc bằng láy xe) vẫn chưa xử lý được.</a:t>
+            </a:r>
+          </a:p>
+          <a:p>
+            <a:pPr marL="228600" marR="0" lvl="1" indent="-228600" algn="l" defTabSz="914400" rtl="0" eaLnBrk="1" fontAlgn="auto" latinLnBrk="0" hangingPunct="1">
+              <a:lnSpc>
+                <a:spcPct val="100000"/>
+              </a:lnSpc>
+              <a:spcBef>
+                <a:spcPts val="0"/>
+              </a:spcBef>
+              <a:spcAft>
+                <a:spcPts val="0"/>
+              </a:spcAft>
+              <a:buClrTx/>
+              <a:buSzTx/>
+              <a:buFontTx/>
+              <a:buAutoNum type="arabicPeriod"/>
+              <a:tabLst/>
+              <a:defRPr/>
+            </a:pPr>
+            <a:endParaRPr lang="en-US" sz="1200" kern="1200" smtClean="0">
+              <a:solidFill>
+                <a:schemeClr val="tx1"/>
+              </a:solidFill>
+              <a:effectLst/>
+              <a:latin typeface="+mn-lt"/>
+              <a:ea typeface="+mn-ea"/>
+              <a:cs typeface="+mn-cs"/>
+            </a:endParaRPr>
+          </a:p>
+          <a:p>
+            <a:endParaRPr lang="en-US"/>
+          </a:p>
+        </p:txBody>
+      </p:sp>
+      <p:sp>
+        <p:nvSpPr>
+          <p:cNvPr id="4" name="Chỗ dành sẵn cho Số hiệu Bản chiếu 3"/>
+          <p:cNvSpPr>
+            <a:spLocks noGrp="1"/>
+          </p:cNvSpPr>
+          <p:nvPr>
+            <p:ph type="sldNum" sz="quarter" idx="10"/>
+          </p:nvPr>
+        </p:nvSpPr>
+        <p:spPr/>
+        <p:txBody>
+          <a:bodyPr/>
+          <a:lstStyle/>
+          <a:p>
+            <a:fld id="{5C677C3B-6F27-49A4-9FBA-1089523AC834}" type="slidenum">
+              <a:rPr lang="en-US" smtClean="0"/>
+              <a:t>8</a:t>
+            </a:fld>
+            <a:endParaRPr lang="en-US"/>
+          </a:p>
+        </p:txBody>
+      </p:sp>
+    </p:spTree>
+    <p:extLst>
+      <p:ext uri="{BB962C8B-B14F-4D97-AF65-F5344CB8AC3E}">
+        <p14:creationId xmlns:p14="http://schemas.microsoft.com/office/powerpoint/2010/main" val="82228199"/>
+      </p:ext>
+    </p:extLst>
+  </p:cSld>
+  <p:clrMapOvr>
+    <a:masterClrMapping/>
+  </p:clrMapOvr>
+</p:notes>
+</file>
+
+<file path=ppt/notesSlides/notesSlide4.xml><?xml version="1.0" encoding="utf-8"?>
+<p:notes xmlns:a="http://schemas.openxmlformats.org/drawingml/2006/main" xmlns:r="http://schemas.openxmlformats.org/officeDocument/2006/relationships" xmlns:p="http://schemas.openxmlformats.org/presentationml/2006/main">
+  <p:cSld>
+    <p:spTree>
+      <p:nvGrpSpPr>
+        <p:cNvPr id="1" name=""/>
+        <p:cNvGrpSpPr/>
+        <p:nvPr/>
+      </p:nvGrpSpPr>
+      <p:grpSpPr>
+        <a:xfrm>
+          <a:off x="0" y="0"/>
+          <a:ext cx="0" cy="0"/>
+          <a:chOff x="0" y="0"/>
+          <a:chExt cx="0" cy="0"/>
+        </a:xfrm>
+      </p:grpSpPr>
+      <p:sp>
+        <p:nvSpPr>
+          <p:cNvPr id="2" name="Chỗ dành sẵn cho Hình ảnh của Bản chiếu 1"/>
+          <p:cNvSpPr>
+            <a:spLocks noGrp="1" noRot="1" noChangeAspect="1"/>
+          </p:cNvSpPr>
+          <p:nvPr>
+            <p:ph type="sldImg"/>
+          </p:nvPr>
+        </p:nvSpPr>
+        <p:spPr/>
+      </p:sp>
+      <p:sp>
+        <p:nvSpPr>
+          <p:cNvPr id="3" name="Chỗ dành sẵn cho Ghi chú 2"/>
+          <p:cNvSpPr>
+            <a:spLocks noGrp="1"/>
+          </p:cNvSpPr>
+          <p:nvPr>
+            <p:ph type="body" idx="1"/>
+          </p:nvPr>
+        </p:nvSpPr>
+        <p:spPr/>
+        <p:txBody>
+          <a:bodyPr/>
+          <a:lstStyle/>
+          <a:p>
+            <a:r>
+              <a:rPr lang="en-US" smtClean="0"/>
+              <a:t>1. Như</a:t>
+            </a:r>
+            <a:r>
+              <a:rPr lang="en-US" baseline="0" smtClean="0"/>
+              <a:t> vậy người quản lý có thể </a:t>
+            </a:r>
+            <a:r>
+              <a:rPr lang="en-US" sz="1200" kern="1200" smtClean="0">
+                <a:solidFill>
+                  <a:schemeClr val="tx1"/>
+                </a:solidFill>
+                <a:effectLst/>
+                <a:latin typeface="+mn-lt"/>
+                <a:ea typeface="+mn-ea"/>
+                <a:cs typeface="+mn-cs"/>
+              </a:rPr>
+              <a:t>quản lý dữ liệu thông qua website, đồng thời có thể cập nhật nhanh chóng thông tin của khách sạn đến với khách hàng.</a:t>
+            </a:r>
+          </a:p>
+          <a:p>
+            <a:r>
+              <a:rPr lang="en-US" sz="1200" kern="1200" smtClean="0">
+                <a:solidFill>
+                  <a:schemeClr val="tx1"/>
+                </a:solidFill>
+                <a:effectLst/>
+                <a:latin typeface="+mn-lt"/>
+                <a:ea typeface="+mn-ea"/>
+                <a:cs typeface="+mn-cs"/>
+              </a:rPr>
+              <a:t>2. Khách hàng có thể tự đăng ký đặt phòng thông qua website ở bắt kì nơi đâu chỉ cần có kết nối Internet mà</a:t>
+            </a:r>
+            <a:r>
+              <a:rPr lang="en-US" sz="1200" kern="1200" baseline="0" smtClean="0">
+                <a:solidFill>
+                  <a:schemeClr val="tx1"/>
+                </a:solidFill>
+                <a:effectLst/>
+                <a:latin typeface="+mn-lt"/>
+                <a:ea typeface="+mn-ea"/>
+                <a:cs typeface="+mn-cs"/>
+              </a:rPr>
+              <a:t> không cần phải trực tiếp đến khách sạn.</a:t>
+            </a:r>
+          </a:p>
+          <a:p>
+            <a:r>
+              <a:rPr lang="en-US" sz="1200" kern="1200" smtClean="0">
+                <a:solidFill>
+                  <a:schemeClr val="tx1"/>
+                </a:solidFill>
+                <a:effectLst/>
+                <a:latin typeface="+mn-lt"/>
+                <a:ea typeface="+mn-ea"/>
+                <a:cs typeface="+mn-cs"/>
+              </a:rPr>
+              <a:t>3. Quản lý</a:t>
+            </a:r>
+            <a:r>
+              <a:rPr lang="en-US" sz="1200" kern="1200" baseline="0" smtClean="0">
+                <a:solidFill>
+                  <a:schemeClr val="tx1"/>
+                </a:solidFill>
+                <a:effectLst/>
+                <a:latin typeface="+mn-lt"/>
+                <a:ea typeface="+mn-ea"/>
+                <a:cs typeface="+mn-cs"/>
+              </a:rPr>
+              <a:t> </a:t>
+            </a:r>
+            <a:r>
+              <a:rPr lang="en-US" sz="1200" kern="1200" smtClean="0">
+                <a:solidFill>
+                  <a:schemeClr val="tx1"/>
+                </a:solidFill>
+                <a:effectLst/>
+                <a:latin typeface="+mn-lt"/>
+                <a:ea typeface="+mn-ea"/>
+                <a:cs typeface="+mn-cs"/>
+              </a:rPr>
+              <a:t>có thể tiếp cận được ý kiến phản hồi từ khách hàng một cách nhanh chóng hơn để có thể đưa ra các chiến lược kinh doanh phù hợp hơn,</a:t>
+            </a:r>
+            <a:r>
+              <a:rPr lang="en-US" sz="1200" kern="1200" baseline="0" smtClean="0">
+                <a:solidFill>
+                  <a:schemeClr val="tx1"/>
+                </a:solidFill>
+                <a:effectLst/>
+                <a:latin typeface="+mn-lt"/>
+                <a:ea typeface="+mn-ea"/>
+                <a:cs typeface="+mn-cs"/>
+              </a:rPr>
+              <a:t> giúp khách sạn ngày càng tốt hơn.</a:t>
+            </a:r>
+            <a:r>
+              <a:rPr lang="en-US" sz="1200" kern="1200" smtClean="0">
+                <a:solidFill>
+                  <a:schemeClr val="tx1"/>
+                </a:solidFill>
+                <a:effectLst/>
+                <a:latin typeface="+mn-lt"/>
+                <a:ea typeface="+mn-ea"/>
+                <a:cs typeface="+mn-cs"/>
+              </a:rPr>
+              <a:t>.</a:t>
+            </a:r>
+            <a:endParaRPr lang="en-US"/>
+          </a:p>
+        </p:txBody>
+      </p:sp>
+      <p:sp>
+        <p:nvSpPr>
+          <p:cNvPr id="4" name="Chỗ dành sẵn cho Số hiệu Bản chiếu 3"/>
+          <p:cNvSpPr>
+            <a:spLocks noGrp="1"/>
+          </p:cNvSpPr>
+          <p:nvPr>
+            <p:ph type="sldNum" sz="quarter" idx="10"/>
+          </p:nvPr>
+        </p:nvSpPr>
+        <p:spPr/>
+        <p:txBody>
+          <a:bodyPr/>
+          <a:lstStyle/>
+          <a:p>
+            <a:fld id="{5C677C3B-6F27-49A4-9FBA-1089523AC834}" type="slidenum">
+              <a:rPr lang="en-US" smtClean="0"/>
+              <a:t>9</a:t>
+            </a:fld>
+            <a:endParaRPr lang="en-US"/>
+          </a:p>
+        </p:txBody>
+      </p:sp>
+    </p:spTree>
+    <p:extLst>
+      <p:ext uri="{BB962C8B-B14F-4D97-AF65-F5344CB8AC3E}">
+        <p14:creationId xmlns:p14="http://schemas.microsoft.com/office/powerpoint/2010/main" val="1601255443"/>
+      </p:ext>
+    </p:extLst>
+  </p:cSld>
+  <p:clrMapOvr>
+    <a:masterClrMapping/>
+  </p:clrMapOvr>
+</p:notes>
+</file>
+
 <file path=ppt/slideLayouts/slideLayout1.xml><?xml version="1.0" encoding="utf-8"?>
 <p:sldLayout xmlns:a="http://schemas.openxmlformats.org/drawingml/2006/main" xmlns:r="http://schemas.openxmlformats.org/officeDocument/2006/relationships" xmlns:p="http://schemas.openxmlformats.org/presentationml/2006/main" type="title" preserve="1">
   <p:cSld name="Tiêu đề Bản chiếu">
@@ -7718,7 +8857,7 @@
           <a:p>
             <a:fld id="{542F984F-BED9-44F0-A6B0-1980CC13C099}" type="datetimeFigureOut">
               <a:rPr lang="en-US" smtClean="0"/>
-              <a:t>6/6/2019</a:t>
+              <a:t>6/17/2019</a:t>
             </a:fld>
             <a:endParaRPr lang="en-US"/>
           </a:p>
@@ -8056,7 +9195,7 @@
           <a:p>
             <a:fld id="{542F984F-BED9-44F0-A6B0-1980CC13C099}" type="datetimeFigureOut">
               <a:rPr lang="en-US" smtClean="0"/>
-              <a:t>6/6/2019</a:t>
+              <a:t>6/17/2019</a:t>
             </a:fld>
             <a:endParaRPr lang="en-US"/>
           </a:p>
@@ -8457,7 +9596,7 @@
           <a:p>
             <a:fld id="{542F984F-BED9-44F0-A6B0-1980CC13C099}" type="datetimeFigureOut">
               <a:rPr lang="en-US" smtClean="0"/>
-              <a:t>6/6/2019</a:t>
+              <a:t>6/17/2019</a:t>
             </a:fld>
             <a:endParaRPr lang="en-US"/>
           </a:p>
@@ -8793,7 +9932,7 @@
           <a:p>
             <a:fld id="{542F984F-BED9-44F0-A6B0-1980CC13C099}" type="datetimeFigureOut">
               <a:rPr lang="en-US" smtClean="0"/>
-              <a:t>6/6/2019</a:t>
+              <a:t>6/17/2019</a:t>
             </a:fld>
             <a:endParaRPr lang="en-US"/>
           </a:p>
@@ -9113,7 +10252,7 @@
           <a:p>
             <a:fld id="{542F984F-BED9-44F0-A6B0-1980CC13C099}" type="datetimeFigureOut">
               <a:rPr lang="en-US" smtClean="0"/>
-              <a:t>6/6/2019</a:t>
+              <a:t>6/17/2019</a:t>
             </a:fld>
             <a:endParaRPr lang="en-US"/>
           </a:p>
@@ -9509,7 +10648,7 @@
           <a:p>
             <a:fld id="{542F984F-BED9-44F0-A6B0-1980CC13C099}" type="datetimeFigureOut">
               <a:rPr lang="en-US" smtClean="0"/>
-              <a:t>6/6/2019</a:t>
+              <a:t>6/17/2019</a:t>
             </a:fld>
             <a:endParaRPr lang="en-US"/>
           </a:p>
@@ -9766,7 +10905,7 @@
           <a:p>
             <a:fld id="{542F984F-BED9-44F0-A6B0-1980CC13C099}" type="datetimeFigureOut">
               <a:rPr lang="en-US" smtClean="0"/>
-              <a:t>6/6/2019</a:t>
+              <a:t>6/17/2019</a:t>
             </a:fld>
             <a:endParaRPr lang="en-US"/>
           </a:p>
@@ -10028,7 +11167,7 @@
           <a:p>
             <a:fld id="{542F984F-BED9-44F0-A6B0-1980CC13C099}" type="datetimeFigureOut">
               <a:rPr lang="en-US" smtClean="0"/>
-              <a:t>6/6/2019</a:t>
+              <a:t>6/17/2019</a:t>
             </a:fld>
             <a:endParaRPr lang="en-US"/>
           </a:p>
@@ -10290,7 +11429,7 @@
           <a:p>
             <a:fld id="{542F984F-BED9-44F0-A6B0-1980CC13C099}" type="datetimeFigureOut">
               <a:rPr lang="en-US" smtClean="0"/>
-              <a:t>6/6/2019</a:t>
+              <a:t>6/17/2019</a:t>
             </a:fld>
             <a:endParaRPr lang="en-US"/>
           </a:p>
@@ -10619,7 +11758,7 @@
           <a:p>
             <a:fld id="{542F984F-BED9-44F0-A6B0-1980CC13C099}" type="datetimeFigureOut">
               <a:rPr lang="en-US" smtClean="0"/>
-              <a:t>6/6/2019</a:t>
+              <a:t>6/17/2019</a:t>
             </a:fld>
             <a:endParaRPr lang="en-US"/>
           </a:p>
@@ -10942,7 +12081,7 @@
           <a:p>
             <a:fld id="{542F984F-BED9-44F0-A6B0-1980CC13C099}" type="datetimeFigureOut">
               <a:rPr lang="en-US" smtClean="0"/>
-              <a:t>6/6/2019</a:t>
+              <a:t>6/17/2019</a:t>
             </a:fld>
             <a:endParaRPr lang="en-US"/>
           </a:p>
@@ -11399,7 +12538,7 @@
           <a:p>
             <a:fld id="{542F984F-BED9-44F0-A6B0-1980CC13C099}" type="datetimeFigureOut">
               <a:rPr lang="en-US" smtClean="0"/>
-              <a:t>6/6/2019</a:t>
+              <a:t>6/17/2019</a:t>
             </a:fld>
             <a:endParaRPr lang="en-US"/>
           </a:p>
@@ -11604,7 +12743,7 @@
           <a:p>
             <a:fld id="{542F984F-BED9-44F0-A6B0-1980CC13C099}" type="datetimeFigureOut">
               <a:rPr lang="en-US" smtClean="0"/>
-              <a:t>6/6/2019</a:t>
+              <a:t>6/17/2019</a:t>
             </a:fld>
             <a:endParaRPr lang="en-US"/>
           </a:p>
@@ -11781,7 +12920,7 @@
           <a:p>
             <a:fld id="{542F984F-BED9-44F0-A6B0-1980CC13C099}" type="datetimeFigureOut">
               <a:rPr lang="en-US" smtClean="0"/>
-              <a:t>6/6/2019</a:t>
+              <a:t>6/17/2019</a:t>
             </a:fld>
             <a:endParaRPr lang="en-US"/>
           </a:p>
@@ -12114,7 +13253,7 @@
           <a:p>
             <a:fld id="{542F984F-BED9-44F0-A6B0-1980CC13C099}" type="datetimeFigureOut">
               <a:rPr lang="en-US" smtClean="0"/>
-              <a:t>6/6/2019</a:t>
+              <a:t>6/17/2019</a:t>
             </a:fld>
             <a:endParaRPr lang="en-US"/>
           </a:p>
@@ -12459,7 +13598,7 @@
           <a:p>
             <a:fld id="{542F984F-BED9-44F0-A6B0-1980CC13C099}" type="datetimeFigureOut">
               <a:rPr lang="en-US" smtClean="0"/>
-              <a:t>6/6/2019</a:t>
+              <a:t>6/17/2019</a:t>
             </a:fld>
             <a:endParaRPr lang="en-US"/>
           </a:p>
@@ -14576,7 +15715,7 @@
           <a:p>
             <a:fld id="{542F984F-BED9-44F0-A6B0-1980CC13C099}" type="datetimeFigureOut">
               <a:rPr lang="en-US" smtClean="0"/>
-              <a:t>6/6/2019</a:t>
+              <a:t>6/17/2019</a:t>
             </a:fld>
             <a:endParaRPr lang="en-US"/>
           </a:p>
@@ -15106,8 +16245,8 @@
         </p:nvSpPr>
         <p:spPr>
           <a:xfrm>
-            <a:off x="1633622" y="395417"/>
-            <a:ext cx="8915399" cy="3006812"/>
+            <a:off x="2346195" y="1214456"/>
+            <a:ext cx="9216610" cy="3351197"/>
           </a:xfrm>
         </p:spPr>
         <p:txBody>
@@ -15118,7 +16257,7 @@
           <a:p>
             <a:pPr algn="ctr"/>
             <a:r>
-              <a:rPr lang="en-US" sz="6000" b="1" smtClean="0">
+              <a:rPr lang="en-US" sz="4100" b="1" smtClean="0">
                 <a:ln w="12700">
                   <a:solidFill>
                     <a:schemeClr val="accent1"/>
@@ -15160,19 +16299,6 @@
               </a:rPr>
             </a:br>
             <a:r>
-              <a:rPr lang="en-US" sz="2000" b="1" smtClean="0">
-                <a:latin typeface="Times New Roman" panose="02020603050405020304" pitchFamily="18" charset="0"/>
-                <a:cs typeface="Times New Roman" panose="02020603050405020304" pitchFamily="18" charset="0"/>
-              </a:rPr>
-              <a:t/>
-            </a:r>
-            <a:br>
-              <a:rPr lang="en-US" sz="2000" b="1" smtClean="0">
-                <a:latin typeface="Times New Roman" panose="02020603050405020304" pitchFamily="18" charset="0"/>
-                <a:cs typeface="Times New Roman" panose="02020603050405020304" pitchFamily="18" charset="0"/>
-              </a:rPr>
-            </a:br>
-            <a:r>
               <a:rPr lang="en-US" sz="2400" b="1" smtClean="0">
                 <a:latin typeface="Times New Roman" panose="02020603050405020304" pitchFamily="18" charset="0"/>
                 <a:cs typeface="Times New Roman" panose="02020603050405020304" pitchFamily="18" charset="0"/>
@@ -15185,6 +16311,24 @@
                 <a:cs typeface="Times New Roman" panose="02020603050405020304" pitchFamily="18" charset="0"/>
               </a:rPr>
             </a:br>
+            <a:r>
+              <a:rPr lang="en-US" sz="3500" smtClean="0">
+                <a:ln w="0"/>
+                <a:solidFill>
+                  <a:schemeClr val="tx1"/>
+                </a:solidFill>
+                <a:effectLst>
+                  <a:outerShdw blurRad="38100" dist="19050" dir="2700000" algn="tl" rotWithShape="0">
+                    <a:schemeClr val="dk1">
+                      <a:alpha val="40000"/>
+                    </a:schemeClr>
+                  </a:outerShdw>
+                </a:effectLst>
+                <a:latin typeface="Times New Roman" panose="02020603050405020304" pitchFamily="18" charset="0"/>
+                <a:cs typeface="Times New Roman" panose="02020603050405020304" pitchFamily="18" charset="0"/>
+              </a:rPr>
+              <a:t>Đề tài: </a:t>
+            </a:r>
             <a:r>
               <a:rPr lang="en-US" sz="3000" smtClean="0">
                 <a:ln w="0"/>
@@ -15201,9 +16345,188 @@
                 <a:latin typeface="Times New Roman" panose="02020603050405020304" pitchFamily="18" charset="0"/>
                 <a:cs typeface="Times New Roman" panose="02020603050405020304" pitchFamily="18" charset="0"/>
               </a:rPr>
-              <a:t>Đề tài: Hệ Thống Quản Lý Khách Sạn</a:t>
+              <a:t/>
             </a:r>
-            <a:endParaRPr lang="en-US" sz="3000">
+            <a:br>
+              <a:rPr lang="en-US" sz="3000" smtClean="0">
+                <a:ln w="0"/>
+                <a:solidFill>
+                  <a:schemeClr val="tx1"/>
+                </a:solidFill>
+                <a:effectLst>
+                  <a:outerShdw blurRad="38100" dist="19050" dir="2700000" algn="tl" rotWithShape="0">
+                    <a:schemeClr val="dk1">
+                      <a:alpha val="40000"/>
+                    </a:schemeClr>
+                  </a:outerShdw>
+                </a:effectLst>
+                <a:latin typeface="Times New Roman" panose="02020603050405020304" pitchFamily="18" charset="0"/>
+                <a:cs typeface="Times New Roman" panose="02020603050405020304" pitchFamily="18" charset="0"/>
+              </a:rPr>
+            </a:br>
+            <a:r>
+              <a:rPr lang="en-US" sz="6200" smtClean="0">
+                <a:ln w="0"/>
+                <a:solidFill>
+                  <a:schemeClr val="tx1"/>
+                </a:solidFill>
+                <a:effectLst>
+                  <a:outerShdw blurRad="38100" dist="19050" dir="2700000" algn="tl" rotWithShape="0">
+                    <a:schemeClr val="dk1">
+                      <a:alpha val="40000"/>
+                    </a:schemeClr>
+                  </a:outerShdw>
+                </a:effectLst>
+                <a:latin typeface="Times New Roman" panose="02020603050405020304" pitchFamily="18" charset="0"/>
+                <a:cs typeface="Times New Roman" panose="02020603050405020304" pitchFamily="18" charset="0"/>
+              </a:rPr>
+              <a:t>Hệ thống </a:t>
+            </a:r>
+            <a:r>
+              <a:rPr lang="en-US" sz="6200">
+                <a:ln w="0"/>
+                <a:solidFill>
+                  <a:schemeClr val="tx1"/>
+                </a:solidFill>
+                <a:effectLst>
+                  <a:outerShdw blurRad="38100" dist="19050" dir="2700000" algn="tl" rotWithShape="0">
+                    <a:schemeClr val="dk1">
+                      <a:alpha val="40000"/>
+                    </a:schemeClr>
+                  </a:outerShdw>
+                </a:effectLst>
+                <a:latin typeface="Times New Roman" panose="02020603050405020304" pitchFamily="18" charset="0"/>
+                <a:cs typeface="Times New Roman" panose="02020603050405020304" pitchFamily="18" charset="0"/>
+              </a:rPr>
+              <a:t>q</a:t>
+            </a:r>
+            <a:r>
+              <a:rPr lang="en-US" sz="6200" smtClean="0">
+                <a:ln w="0"/>
+                <a:solidFill>
+                  <a:schemeClr val="tx1"/>
+                </a:solidFill>
+                <a:effectLst>
+                  <a:outerShdw blurRad="38100" dist="19050" dir="2700000" algn="tl" rotWithShape="0">
+                    <a:schemeClr val="dk1">
+                      <a:alpha val="40000"/>
+                    </a:schemeClr>
+                  </a:outerShdw>
+                </a:effectLst>
+                <a:latin typeface="Times New Roman" panose="02020603050405020304" pitchFamily="18" charset="0"/>
+                <a:cs typeface="Times New Roman" panose="02020603050405020304" pitchFamily="18" charset="0"/>
+              </a:rPr>
+              <a:t>uản </a:t>
+            </a:r>
+            <a:r>
+              <a:rPr lang="en-US" sz="6200">
+                <a:ln w="0"/>
+                <a:solidFill>
+                  <a:schemeClr val="tx1"/>
+                </a:solidFill>
+                <a:effectLst>
+                  <a:outerShdw blurRad="38100" dist="19050" dir="2700000" algn="tl" rotWithShape="0">
+                    <a:schemeClr val="dk1">
+                      <a:alpha val="40000"/>
+                    </a:schemeClr>
+                  </a:outerShdw>
+                </a:effectLst>
+                <a:latin typeface="Times New Roman" panose="02020603050405020304" pitchFamily="18" charset="0"/>
+                <a:cs typeface="Times New Roman" panose="02020603050405020304" pitchFamily="18" charset="0"/>
+              </a:rPr>
+              <a:t>l</a:t>
+            </a:r>
+            <a:r>
+              <a:rPr lang="en-US" sz="6200" smtClean="0">
+                <a:ln w="0"/>
+                <a:solidFill>
+                  <a:schemeClr val="tx1"/>
+                </a:solidFill>
+                <a:effectLst>
+                  <a:outerShdw blurRad="38100" dist="19050" dir="2700000" algn="tl" rotWithShape="0">
+                    <a:schemeClr val="dk1">
+                      <a:alpha val="40000"/>
+                    </a:schemeClr>
+                  </a:outerShdw>
+                </a:effectLst>
+                <a:latin typeface="Times New Roman" panose="02020603050405020304" pitchFamily="18" charset="0"/>
+                <a:cs typeface="Times New Roman" panose="02020603050405020304" pitchFamily="18" charset="0"/>
+              </a:rPr>
+              <a:t>ý </a:t>
+            </a:r>
+            <a:r>
+              <a:rPr lang="en-US" sz="6200">
+                <a:ln w="0"/>
+                <a:solidFill>
+                  <a:schemeClr val="tx1"/>
+                </a:solidFill>
+                <a:effectLst>
+                  <a:outerShdw blurRad="38100" dist="19050" dir="2700000" algn="tl" rotWithShape="0">
+                    <a:schemeClr val="dk1">
+                      <a:alpha val="40000"/>
+                    </a:schemeClr>
+                  </a:outerShdw>
+                </a:effectLst>
+                <a:latin typeface="Times New Roman" panose="02020603050405020304" pitchFamily="18" charset="0"/>
+                <a:cs typeface="Times New Roman" panose="02020603050405020304" pitchFamily="18" charset="0"/>
+              </a:rPr>
+              <a:t>k</a:t>
+            </a:r>
+            <a:r>
+              <a:rPr lang="en-US" sz="6200" smtClean="0">
+                <a:ln w="0"/>
+                <a:solidFill>
+                  <a:schemeClr val="tx1"/>
+                </a:solidFill>
+                <a:effectLst>
+                  <a:outerShdw blurRad="38100" dist="19050" dir="2700000" algn="tl" rotWithShape="0">
+                    <a:schemeClr val="dk1">
+                      <a:alpha val="40000"/>
+                    </a:schemeClr>
+                  </a:outerShdw>
+                </a:effectLst>
+                <a:latin typeface="Times New Roman" panose="02020603050405020304" pitchFamily="18" charset="0"/>
+                <a:cs typeface="Times New Roman" panose="02020603050405020304" pitchFamily="18" charset="0"/>
+              </a:rPr>
+              <a:t>hách </a:t>
+            </a:r>
+            <a:r>
+              <a:rPr lang="en-US" sz="6200">
+                <a:ln w="0"/>
+                <a:solidFill>
+                  <a:schemeClr val="tx1"/>
+                </a:solidFill>
+                <a:effectLst>
+                  <a:outerShdw blurRad="38100" dist="19050" dir="2700000" algn="tl" rotWithShape="0">
+                    <a:schemeClr val="dk1">
+                      <a:alpha val="40000"/>
+                    </a:schemeClr>
+                  </a:outerShdw>
+                </a:effectLst>
+                <a:latin typeface="Times New Roman" panose="02020603050405020304" pitchFamily="18" charset="0"/>
+                <a:cs typeface="Times New Roman" panose="02020603050405020304" pitchFamily="18" charset="0"/>
+              </a:rPr>
+              <a:t>s</a:t>
+            </a:r>
+            <a:r>
+              <a:rPr lang="en-US" sz="6200" smtClean="0">
+                <a:ln w="0"/>
+                <a:solidFill>
+                  <a:schemeClr val="tx1"/>
+                </a:solidFill>
+                <a:effectLst>
+                  <a:outerShdw blurRad="38100" dist="19050" dir="2700000" algn="tl" rotWithShape="0">
+                    <a:schemeClr val="dk1">
+                      <a:alpha val="40000"/>
+                    </a:schemeClr>
+                  </a:outerShdw>
+                </a:effectLst>
+                <a:latin typeface="Times New Roman" panose="02020603050405020304" pitchFamily="18" charset="0"/>
+                <a:cs typeface="Times New Roman" panose="02020603050405020304" pitchFamily="18" charset="0"/>
+              </a:rPr>
+              <a:t>ạn</a:t>
+            </a:r>
+            <a:endParaRPr lang="en-US" sz="6200">
               <a:ln w="0"/>
               <a:solidFill>
                 <a:schemeClr val="tx1"/>
@@ -15233,7 +16556,7 @@
         </p:nvSpPr>
         <p:spPr>
           <a:xfrm>
-            <a:off x="6011205" y="3891129"/>
+            <a:off x="5149057" y="4820002"/>
             <a:ext cx="5571196" cy="1924786"/>
           </a:xfrm>
         </p:spPr>
@@ -15299,6 +16622,165 @@
           </a:p>
         </p:txBody>
       </p:sp>
+      <p:pic>
+        <p:nvPicPr>
+          <p:cNvPr id="4" name="Picture 1" descr="Kết quả hình ảnh cho logo đại học kiên giang"/>
+          <p:cNvPicPr/>
+          <p:nvPr/>
+        </p:nvPicPr>
+        <p:blipFill>
+          <a:blip r:embed="rId3">
+            <a:extLst>
+              <a:ext uri="{28A0092B-C50C-407E-A947-70E740481C1C}">
+                <a14:useLocalDpi xmlns:a14="http://schemas.microsoft.com/office/drawing/2010/main" val="0"/>
+              </a:ext>
+            </a:extLst>
+          </a:blip>
+          <a:srcRect/>
+          <a:stretch>
+            <a:fillRect/>
+          </a:stretch>
+        </p:blipFill>
+        <p:spPr bwMode="auto">
+          <a:xfrm>
+            <a:off x="187233" y="1"/>
+            <a:ext cx="2843349" cy="2368730"/>
+          </a:xfrm>
+          <a:prstGeom prst="rect">
+            <a:avLst/>
+          </a:prstGeom>
+          <a:noFill/>
+          <a:ln>
+            <a:noFill/>
+          </a:ln>
+        </p:spPr>
+      </p:pic>
+      <p:sp>
+        <p:nvSpPr>
+          <p:cNvPr id="5" name="Tiêu đề 1"/>
+          <p:cNvSpPr txBox="1">
+            <a:spLocks/>
+          </p:cNvSpPr>
+          <p:nvPr/>
+        </p:nvSpPr>
+        <p:spPr>
+          <a:xfrm>
+            <a:off x="2647406" y="38438"/>
+            <a:ext cx="8915399" cy="1026171"/>
+          </a:xfrm>
+          <a:prstGeom prst="rect">
+            <a:avLst/>
+          </a:prstGeom>
+        </p:spPr>
+        <p:txBody>
+          <a:bodyPr vert="horz" lIns="91440" tIns="45720" rIns="91440" bIns="45720" rtlCol="0" anchor="b">
+            <a:noAutofit/>
+          </a:bodyPr>
+          <a:lstStyle>
+            <a:lvl1pPr algn="l" defTabSz="457200" rtl="0" eaLnBrk="1" latinLnBrk="0" hangingPunct="1">
+              <a:spcBef>
+                <a:spcPct val="0"/>
+              </a:spcBef>
+              <a:buNone/>
+              <a:defRPr sz="5400" kern="1200">
+                <a:solidFill>
+                  <a:schemeClr val="tx1">
+                    <a:lumMod val="85000"/>
+                    <a:lumOff val="15000"/>
+                  </a:schemeClr>
+                </a:solidFill>
+                <a:latin typeface="+mj-lt"/>
+                <a:ea typeface="+mj-ea"/>
+                <a:cs typeface="+mj-cs"/>
+              </a:defRPr>
+            </a:lvl1pPr>
+            <a:lvl2pPr eaLnBrk="1" hangingPunct="1">
+              <a:defRPr>
+                <a:solidFill>
+                  <a:schemeClr val="tx2"/>
+                </a:solidFill>
+              </a:defRPr>
+            </a:lvl2pPr>
+            <a:lvl3pPr eaLnBrk="1" hangingPunct="1">
+              <a:defRPr>
+                <a:solidFill>
+                  <a:schemeClr val="tx2"/>
+                </a:solidFill>
+              </a:defRPr>
+            </a:lvl3pPr>
+            <a:lvl4pPr eaLnBrk="1" hangingPunct="1">
+              <a:defRPr>
+                <a:solidFill>
+                  <a:schemeClr val="tx2"/>
+                </a:solidFill>
+              </a:defRPr>
+            </a:lvl4pPr>
+            <a:lvl5pPr eaLnBrk="1" hangingPunct="1">
+              <a:defRPr>
+                <a:solidFill>
+                  <a:schemeClr val="tx2"/>
+                </a:solidFill>
+              </a:defRPr>
+            </a:lvl5pPr>
+            <a:lvl6pPr eaLnBrk="1" hangingPunct="1">
+              <a:defRPr>
+                <a:solidFill>
+                  <a:schemeClr val="tx2"/>
+                </a:solidFill>
+              </a:defRPr>
+            </a:lvl6pPr>
+            <a:lvl7pPr eaLnBrk="1" hangingPunct="1">
+              <a:defRPr>
+                <a:solidFill>
+                  <a:schemeClr val="tx2"/>
+                </a:solidFill>
+              </a:defRPr>
+            </a:lvl7pPr>
+            <a:lvl8pPr eaLnBrk="1" hangingPunct="1">
+              <a:defRPr>
+                <a:solidFill>
+                  <a:schemeClr val="tx2"/>
+                </a:solidFill>
+              </a:defRPr>
+            </a:lvl8pPr>
+            <a:lvl9pPr eaLnBrk="1" hangingPunct="1">
+              <a:defRPr>
+                <a:solidFill>
+                  <a:schemeClr val="tx2"/>
+                </a:solidFill>
+              </a:defRPr>
+            </a:lvl9pPr>
+          </a:lstStyle>
+          <a:p>
+            <a:pPr algn="ctr"/>
+            <a:r>
+              <a:rPr lang="en-US" sz="2700" b="1">
+                <a:latin typeface="Times New Roman" panose="02020603050405020304" pitchFamily="18" charset="0"/>
+                <a:cs typeface="Times New Roman" panose="02020603050405020304" pitchFamily="18" charset="0"/>
+              </a:rPr>
+              <a:t>TRƯỜNG ĐẠI HỌC KIÊN GIANG</a:t>
+            </a:r>
+            <a:endParaRPr lang="en-US" sz="2700">
+              <a:latin typeface="Times New Roman" panose="02020603050405020304" pitchFamily="18" charset="0"/>
+              <a:cs typeface="Times New Roman" panose="02020603050405020304" pitchFamily="18" charset="0"/>
+            </a:endParaRPr>
+          </a:p>
+          <a:p>
+            <a:pPr algn="ctr"/>
+            <a:r>
+              <a:rPr lang="en-US" sz="2700" b="1">
+                <a:latin typeface="Times New Roman" panose="02020603050405020304" pitchFamily="18" charset="0"/>
+                <a:cs typeface="Times New Roman" panose="02020603050405020304" pitchFamily="18" charset="0"/>
+              </a:rPr>
+              <a:t>KHOA THÔNG TIN VÀ TRUYỀN THÔNG</a:t>
+            </a:r>
+            <a:endParaRPr lang="en-US" sz="2700">
+              <a:latin typeface="Times New Roman" panose="02020603050405020304" pitchFamily="18" charset="0"/>
+              <a:cs typeface="Times New Roman" panose="02020603050405020304" pitchFamily="18" charset="0"/>
+            </a:endParaRPr>
+          </a:p>
+        </p:txBody>
+      </p:sp>
     </p:spTree>
     <p:extLst>
       <p:ext uri="{BB962C8B-B14F-4D97-AF65-F5344CB8AC3E}">
@@ -15315,6 +16797,299 @@
     </mc:Choice>
     <mc:Fallback xmlns="">
       <p:transition/>
+    </mc:Fallback>
+  </mc:AlternateContent>
+  <p:timing>
+    <p:tnLst>
+      <p:par>
+        <p:cTn id="1" dur="indefinite" restart="never" nodeType="tmRoot"/>
+      </p:par>
+    </p:tnLst>
+  </p:timing>
+</p:sld>
+</file>
+
+<file path=ppt/slides/slide10.xml><?xml version="1.0" encoding="utf-8"?>
+<p:sld xmlns:a="http://schemas.openxmlformats.org/drawingml/2006/main" xmlns:r="http://schemas.openxmlformats.org/officeDocument/2006/relationships" xmlns:p="http://schemas.openxmlformats.org/presentationml/2006/main">
+  <p:cSld>
+    <p:spTree>
+      <p:nvGrpSpPr>
+        <p:cNvPr id="1" name=""/>
+        <p:cNvGrpSpPr/>
+        <p:nvPr/>
+      </p:nvGrpSpPr>
+      <p:grpSpPr>
+        <a:xfrm>
+          <a:off x="0" y="0"/>
+          <a:ext cx="0" cy="0"/>
+          <a:chOff x="0" y="0"/>
+          <a:chExt cx="0" cy="0"/>
+        </a:xfrm>
+      </p:grpSpPr>
+      <p:pic>
+        <p:nvPicPr>
+          <p:cNvPr id="5" name="Ảnh 4"/>
+          <p:cNvPicPr>
+            <a:picLocks noChangeAspect="1"/>
+          </p:cNvPicPr>
+          <p:nvPr/>
+        </p:nvPicPr>
+        <p:blipFill>
+          <a:blip r:embed="rId2"/>
+          <a:stretch>
+            <a:fillRect/>
+          </a:stretch>
+        </p:blipFill>
+        <p:spPr>
+          <a:xfrm>
+            <a:off x="0" y="0"/>
+            <a:ext cx="12181465" cy="6858000"/>
+          </a:xfrm>
+          <a:prstGeom prst="rect">
+            <a:avLst/>
+          </a:prstGeom>
+        </p:spPr>
+      </p:pic>
+    </p:spTree>
+    <p:extLst>
+      <p:ext uri="{BB962C8B-B14F-4D97-AF65-F5344CB8AC3E}">
+        <p14:creationId xmlns:p14="http://schemas.microsoft.com/office/powerpoint/2010/main" val="359828846"/>
+      </p:ext>
+    </p:extLst>
+  </p:cSld>
+  <p:clrMapOvr>
+    <a:masterClrMapping/>
+  </p:clrMapOvr>
+  <mc:AlternateContent xmlns:mc="http://schemas.openxmlformats.org/markup-compatibility/2006" xmlns:p14="http://schemas.microsoft.com/office/powerpoint/2010/main">
+    <mc:Choice Requires="p14">
+      <p:transition spd="slow" p14:dur="800">
+        <p14:flythrough/>
+      </p:transition>
+    </mc:Choice>
+    <mc:Fallback xmlns="">
+      <p:transition spd="slow">
+        <p:fade/>
+      </p:transition>
+    </mc:Fallback>
+  </mc:AlternateContent>
+  <p:timing>
+    <p:tnLst>
+      <p:par>
+        <p:cTn id="1" dur="indefinite" restart="never" nodeType="tmRoot"/>
+      </p:par>
+    </p:tnLst>
+  </p:timing>
+</p:sld>
+</file>
+
+<file path=ppt/slides/slide11.xml><?xml version="1.0" encoding="utf-8"?>
+<p:sld xmlns:a="http://schemas.openxmlformats.org/drawingml/2006/main" xmlns:r="http://schemas.openxmlformats.org/officeDocument/2006/relationships" xmlns:p="http://schemas.openxmlformats.org/presentationml/2006/main">
+  <p:cSld>
+    <p:spTree>
+      <p:nvGrpSpPr>
+        <p:cNvPr id="1" name=""/>
+        <p:cNvGrpSpPr/>
+        <p:nvPr/>
+      </p:nvGrpSpPr>
+      <p:grpSpPr>
+        <a:xfrm>
+          <a:off x="0" y="0"/>
+          <a:ext cx="0" cy="0"/>
+          <a:chOff x="0" y="0"/>
+          <a:chExt cx="0" cy="0"/>
+        </a:xfrm>
+      </p:grpSpPr>
+      <p:sp>
+        <p:nvSpPr>
+          <p:cNvPr id="2" name="Tiêu đề 1"/>
+          <p:cNvSpPr>
+            <a:spLocks noGrp="1"/>
+          </p:cNvSpPr>
+          <p:nvPr>
+            <p:ph type="title"/>
+          </p:nvPr>
+        </p:nvSpPr>
+        <p:spPr>
+          <a:xfrm>
+            <a:off x="1855166" y="354226"/>
+            <a:ext cx="9315342" cy="2364861"/>
+          </a:xfrm>
+        </p:spPr>
+        <p:txBody>
+          <a:bodyPr>
+            <a:noAutofit/>
+            <a:scene3d>
+              <a:camera prst="obliqueTopRight"/>
+              <a:lightRig rig="threePt" dir="t"/>
+            </a:scene3d>
+          </a:bodyPr>
+          <a:lstStyle/>
+          <a:p>
+            <a:pPr algn="ctr"/>
+            <a:r>
+              <a:rPr lang="en-US" sz="5400" b="1">
+                <a:ln w="9525">
+                  <a:solidFill>
+                    <a:schemeClr val="bg1"/>
+                  </a:solidFill>
+                  <a:prstDash val="solid"/>
+                </a:ln>
+                <a:solidFill>
+                  <a:schemeClr val="tx1">
+                    <a:lumMod val="95000"/>
+                    <a:lumOff val="5000"/>
+                  </a:schemeClr>
+                </a:solidFill>
+                <a:effectLst>
+                  <a:outerShdw blurRad="50800" dist="38100" dir="16200000" rotWithShape="0">
+                    <a:prstClr val="black">
+                      <a:alpha val="40000"/>
+                    </a:prstClr>
+                  </a:outerShdw>
+                </a:effectLst>
+                <a:latin typeface="Times New Roman" panose="02020603050405020304" pitchFamily="18" charset="0"/>
+                <a:cs typeface="Times New Roman" panose="02020603050405020304" pitchFamily="18" charset="0"/>
+              </a:rPr>
+              <a:t>Cảm ơn thầy, cô và các bạn </a:t>
+            </a:r>
+            <a:br>
+              <a:rPr lang="en-US" sz="5400" b="1">
+                <a:ln w="9525">
+                  <a:solidFill>
+                    <a:schemeClr val="bg1"/>
+                  </a:solidFill>
+                  <a:prstDash val="solid"/>
+                </a:ln>
+                <a:solidFill>
+                  <a:schemeClr val="tx1">
+                    <a:lumMod val="95000"/>
+                    <a:lumOff val="5000"/>
+                  </a:schemeClr>
+                </a:solidFill>
+                <a:effectLst>
+                  <a:outerShdw blurRad="50800" dist="38100" dir="16200000" rotWithShape="0">
+                    <a:prstClr val="black">
+                      <a:alpha val="40000"/>
+                    </a:prstClr>
+                  </a:outerShdw>
+                </a:effectLst>
+                <a:latin typeface="Times New Roman" panose="02020603050405020304" pitchFamily="18" charset="0"/>
+                <a:cs typeface="Times New Roman" panose="02020603050405020304" pitchFamily="18" charset="0"/>
+              </a:rPr>
+            </a:br>
+            <a:r>
+              <a:rPr lang="en-US" sz="5400" b="1">
+                <a:ln w="9525">
+                  <a:solidFill>
+                    <a:schemeClr val="bg1"/>
+                  </a:solidFill>
+                  <a:prstDash val="solid"/>
+                </a:ln>
+                <a:solidFill>
+                  <a:schemeClr val="tx1">
+                    <a:lumMod val="95000"/>
+                    <a:lumOff val="5000"/>
+                  </a:schemeClr>
+                </a:solidFill>
+                <a:effectLst>
+                  <a:outerShdw blurRad="50800" dist="38100" dir="16200000" rotWithShape="0">
+                    <a:prstClr val="black">
+                      <a:alpha val="40000"/>
+                    </a:prstClr>
+                  </a:outerShdw>
+                </a:effectLst>
+                <a:latin typeface="Times New Roman" panose="02020603050405020304" pitchFamily="18" charset="0"/>
+                <a:cs typeface="Times New Roman" panose="02020603050405020304" pitchFamily="18" charset="0"/>
+              </a:rPr>
+              <a:t>đã lắng nghe!!!</a:t>
+            </a:r>
+            <a:endParaRPr lang="en-US" sz="5400" b="1">
+              <a:ln w="9525">
+                <a:solidFill>
+                  <a:schemeClr val="bg1"/>
+                </a:solidFill>
+                <a:prstDash val="solid"/>
+              </a:ln>
+              <a:solidFill>
+                <a:schemeClr val="tx1">
+                  <a:lumMod val="95000"/>
+                  <a:lumOff val="5000"/>
+                </a:schemeClr>
+              </a:solidFill>
+              <a:effectLst>
+                <a:outerShdw blurRad="50800" dist="38100" dir="16200000" rotWithShape="0">
+                  <a:prstClr val="black">
+                    <a:alpha val="40000"/>
+                  </a:prstClr>
+                </a:outerShdw>
+              </a:effectLst>
+            </a:endParaRPr>
+          </a:p>
+        </p:txBody>
+      </p:sp>
+      <p:pic>
+        <p:nvPicPr>
+          <p:cNvPr id="1026" name="Picture 2" descr="HÃ¬nh áº£nh cÃ³ liÃªn quan"/>
+          <p:cNvPicPr>
+            <a:picLocks noGrp="1" noChangeAspect="1" noChangeArrowheads="1" noCrop="1"/>
+          </p:cNvPicPr>
+          <p:nvPr>
+            <p:ph idx="1"/>
+          </p:nvPr>
+        </p:nvPicPr>
+        <p:blipFill>
+          <a:blip r:embed="rId2">
+            <a:extLst>
+              <a:ext uri="{28A0092B-C50C-407E-A947-70E740481C1C}">
+                <a14:useLocalDpi xmlns:a14="http://schemas.microsoft.com/office/drawing/2010/main" val="0"/>
+              </a:ext>
+            </a:extLst>
+          </a:blip>
+          <a:srcRect/>
+          <a:stretch>
+            <a:fillRect/>
+          </a:stretch>
+        </p:blipFill>
+        <p:spPr bwMode="auto">
+          <a:xfrm>
+            <a:off x="2174789" y="2719087"/>
+            <a:ext cx="8995719" cy="3722241"/>
+          </a:xfrm>
+          <a:prstGeom prst="rect">
+            <a:avLst/>
+          </a:prstGeom>
+          <a:noFill/>
+          <a:extLst>
+            <a:ext uri="{909E8E84-426E-40DD-AFC4-6F175D3DCCD1}">
+              <a14:hiddenFill xmlns:a14="http://schemas.microsoft.com/office/drawing/2010/main">
+                <a:solidFill>
+                  <a:srgbClr val="FFFFFF"/>
+                </a:solidFill>
+              </a14:hiddenFill>
+            </a:ext>
+          </a:extLst>
+        </p:spPr>
+      </p:pic>
+    </p:spTree>
+    <p:extLst>
+      <p:ext uri="{BB962C8B-B14F-4D97-AF65-F5344CB8AC3E}">
+        <p14:creationId xmlns:p14="http://schemas.microsoft.com/office/powerpoint/2010/main" val="913734607"/>
+      </p:ext>
+    </p:extLst>
+  </p:cSld>
+  <p:clrMapOvr>
+    <a:masterClrMapping/>
+  </p:clrMapOvr>
+  <mc:AlternateContent xmlns:mc="http://schemas.openxmlformats.org/markup-compatibility/2006" xmlns:p15="http://schemas.microsoft.com/office/powerpoint/2012/main">
+    <mc:Choice Requires="p15">
+      <p:transition xmlns:p14="http://schemas.microsoft.com/office/powerpoint/2010/main" spd="slow" p14:dur="6000">
+        <p15:prstTrans prst="curtains"/>
+      </p:transition>
+    </mc:Choice>
+    <mc:Fallback xmlns="">
+      <p:transition spd="slow">
+        <p:fade/>
+      </p:transition>
     </mc:Fallback>
   </mc:AlternateContent>
   <p:timing>
@@ -15907,7 +17682,7 @@
         </p:nvSpPr>
         <p:spPr>
           <a:xfrm>
-            <a:off x="2589212" y="442877"/>
+            <a:off x="2510978" y="342497"/>
             <a:ext cx="8911687" cy="801036"/>
           </a:xfrm>
         </p:spPr>
@@ -15953,227 +17728,2555 @@
           </a:p>
         </p:txBody>
       </p:sp>
+      <p:grpSp>
+        <p:nvGrpSpPr>
+          <p:cNvPr id="5" name="Nhóm 4"/>
+          <p:cNvGrpSpPr/>
+          <p:nvPr/>
+        </p:nvGrpSpPr>
+        <p:grpSpPr>
+          <a:xfrm>
+            <a:off x="4900487" y="3181713"/>
+            <a:ext cx="2142282" cy="1695374"/>
+            <a:chOff x="3771041" y="2049740"/>
+            <a:chExt cx="2043387" cy="1731191"/>
+          </a:xfrm>
+        </p:grpSpPr>
+        <p:sp>
+          <p:nvSpPr>
+            <p:cNvPr id="6" name="Hình Bầu dục 5"/>
+            <p:cNvSpPr/>
+            <p:nvPr/>
+          </p:nvSpPr>
+          <p:spPr>
+            <a:xfrm>
+              <a:off x="3771041" y="2049740"/>
+              <a:ext cx="2043387" cy="1731191"/>
+            </a:xfrm>
+            <a:prstGeom prst="ellipse">
+              <a:avLst/>
+            </a:prstGeom>
+            <a:ln>
+              <a:solidFill>
+                <a:schemeClr val="tx1"/>
+              </a:solidFill>
+            </a:ln>
+          </p:spPr>
+          <p:style>
+            <a:lnRef idx="2">
+              <a:scrgbClr r="0" g="0" b="0"/>
+            </a:lnRef>
+            <a:fillRef idx="1">
+              <a:schemeClr val="accent1">
+                <a:hueOff val="0"/>
+                <a:satOff val="0"/>
+                <a:lumOff val="0"/>
+                <a:alphaOff val="0"/>
+              </a:schemeClr>
+            </a:fillRef>
+            <a:effectRef idx="0">
+              <a:schemeClr val="accent1">
+                <a:hueOff val="0"/>
+                <a:satOff val="0"/>
+                <a:lumOff val="0"/>
+                <a:alphaOff val="0"/>
+              </a:schemeClr>
+            </a:effectRef>
+            <a:fontRef idx="minor">
+              <a:schemeClr val="lt1"/>
+            </a:fontRef>
+          </p:style>
+        </p:sp>
+        <p:sp>
+          <p:nvSpPr>
+            <p:cNvPr id="7" name="Hình Bầu dục 4"/>
+            <p:cNvSpPr/>
+            <p:nvPr/>
+          </p:nvSpPr>
+          <p:spPr>
+            <a:xfrm>
+              <a:off x="4090292" y="2303267"/>
+              <a:ext cx="1424889" cy="1223831"/>
+            </a:xfrm>
+            <a:prstGeom prst="rect">
+              <a:avLst/>
+            </a:prstGeom>
+          </p:spPr>
+          <p:style>
+            <a:lnRef idx="0">
+              <a:scrgbClr r="0" g="0" b="0"/>
+            </a:lnRef>
+            <a:fillRef idx="0">
+              <a:scrgbClr r="0" g="0" b="0"/>
+            </a:fillRef>
+            <a:effectRef idx="0">
+              <a:scrgbClr r="0" g="0" b="0"/>
+            </a:effectRef>
+            <a:fontRef idx="minor">
+              <a:schemeClr val="lt1"/>
+            </a:fontRef>
+          </p:style>
+          <p:txBody>
+            <a:bodyPr spcFirstLastPara="0" vert="horz" wrap="square" lIns="31750" tIns="31750" rIns="31750" bIns="31750" numCol="1" spcCol="1270" anchor="ctr" anchorCtr="0">
+              <a:noAutofit/>
+            </a:bodyPr>
+            <a:lstStyle/>
+            <a:p>
+              <a:pPr lvl="0" algn="ctr" defTabSz="1111250">
+                <a:lnSpc>
+                  <a:spcPct val="90000"/>
+                </a:lnSpc>
+                <a:spcBef>
+                  <a:spcPct val="0"/>
+                </a:spcBef>
+                <a:spcAft>
+                  <a:spcPct val="35000"/>
+                </a:spcAft>
+              </a:pPr>
+              <a:r>
+                <a:rPr lang="en-US" sz="2500" kern="1200" smtClean="0">
+                  <a:latin typeface="Times New Roman" panose="02020603050405020304" pitchFamily="18" charset="0"/>
+                  <a:ea typeface="Tahoma" panose="020B0604030504040204" pitchFamily="34" charset="0"/>
+                  <a:cs typeface="Times New Roman" panose="02020603050405020304" pitchFamily="18" charset="0"/>
+                </a:rPr>
+                <a:t>Lý do chọn đề tài</a:t>
+              </a:r>
+              <a:endParaRPr lang="en-US" sz="2500" kern="1200">
+                <a:latin typeface="Times New Roman" panose="02020603050405020304" pitchFamily="18" charset="0"/>
+                <a:ea typeface="Tahoma" panose="020B0604030504040204" pitchFamily="34" charset="0"/>
+                <a:cs typeface="Times New Roman" panose="02020603050405020304" pitchFamily="18" charset="0"/>
+              </a:endParaRPr>
+            </a:p>
+          </p:txBody>
+        </p:sp>
+      </p:grpSp>
+      <p:grpSp>
+        <p:nvGrpSpPr>
+          <p:cNvPr id="8" name="Nhóm 7"/>
+          <p:cNvGrpSpPr/>
+          <p:nvPr/>
+        </p:nvGrpSpPr>
+        <p:grpSpPr>
+          <a:xfrm>
+            <a:off x="4507089" y="1204741"/>
+            <a:ext cx="3126336" cy="1348290"/>
+            <a:chOff x="3220869" y="78275"/>
+            <a:chExt cx="3126336" cy="1348290"/>
+          </a:xfrm>
+        </p:grpSpPr>
+        <p:sp>
+          <p:nvSpPr>
+            <p:cNvPr id="9" name="Hình Bầu dục 8"/>
+            <p:cNvSpPr/>
+            <p:nvPr/>
+          </p:nvSpPr>
+          <p:spPr>
+            <a:xfrm>
+              <a:off x="3220869" y="78275"/>
+              <a:ext cx="3126336" cy="1348290"/>
+            </a:xfrm>
+            <a:prstGeom prst="ellipse">
+              <a:avLst/>
+            </a:prstGeom>
+            <a:solidFill>
+              <a:schemeClr val="accent6"/>
+            </a:solidFill>
+            <a:ln>
+              <a:solidFill>
+                <a:schemeClr val="tx1"/>
+              </a:solidFill>
+            </a:ln>
+          </p:spPr>
+          <p:style>
+            <a:lnRef idx="2">
+              <a:scrgbClr r="0" g="0" b="0"/>
+            </a:lnRef>
+            <a:fillRef idx="1">
+              <a:scrgbClr r="0" g="0" b="0"/>
+            </a:fillRef>
+            <a:effectRef idx="0">
+              <a:schemeClr val="accent1">
+                <a:hueOff val="0"/>
+                <a:satOff val="0"/>
+                <a:lumOff val="0"/>
+                <a:alphaOff val="0"/>
+              </a:schemeClr>
+            </a:effectRef>
+            <a:fontRef idx="minor">
+              <a:schemeClr val="lt1"/>
+            </a:fontRef>
+          </p:style>
+        </p:sp>
+        <p:sp>
+          <p:nvSpPr>
+            <p:cNvPr id="10" name="Hình Bầu dục 4"/>
+            <p:cNvSpPr/>
+            <p:nvPr/>
+          </p:nvSpPr>
+          <p:spPr>
+            <a:xfrm>
+              <a:off x="3678710" y="275727"/>
+              <a:ext cx="2210654" cy="953386"/>
+            </a:xfrm>
+            <a:prstGeom prst="rect">
+              <a:avLst/>
+            </a:prstGeom>
+          </p:spPr>
+          <p:style>
+            <a:lnRef idx="0">
+              <a:scrgbClr r="0" g="0" b="0"/>
+            </a:lnRef>
+            <a:fillRef idx="0">
+              <a:scrgbClr r="0" g="0" b="0"/>
+            </a:fillRef>
+            <a:effectRef idx="0">
+              <a:scrgbClr r="0" g="0" b="0"/>
+            </a:effectRef>
+            <a:fontRef idx="minor">
+              <a:schemeClr val="lt1"/>
+            </a:fontRef>
+          </p:style>
+          <p:txBody>
+            <a:bodyPr spcFirstLastPara="0" vert="horz" wrap="square" lIns="27940" tIns="27940" rIns="27940" bIns="27940" numCol="1" spcCol="1270" anchor="ctr" anchorCtr="0">
+              <a:noAutofit/>
+            </a:bodyPr>
+            <a:lstStyle/>
+            <a:p>
+              <a:pPr lvl="0" algn="ctr" defTabSz="977900">
+                <a:lnSpc>
+                  <a:spcPct val="90000"/>
+                </a:lnSpc>
+                <a:spcBef>
+                  <a:spcPct val="0"/>
+                </a:spcBef>
+                <a:spcAft>
+                  <a:spcPct val="35000"/>
+                </a:spcAft>
+              </a:pPr>
+              <a:r>
+                <a:rPr lang="en-US" sz="2200" kern="1200" smtClean="0">
+                  <a:latin typeface="Times New Roman" panose="02020603050405020304" pitchFamily="18" charset="0"/>
+                  <a:cs typeface="Times New Roman" panose="02020603050405020304" pitchFamily="18" charset="0"/>
+                </a:rPr>
+                <a:t>Khách du lịch ngày càng đông.</a:t>
+              </a:r>
+              <a:endParaRPr lang="en-US" sz="2200" kern="1200"/>
+            </a:p>
+          </p:txBody>
+        </p:sp>
+      </p:grpSp>
+      <p:grpSp>
+        <p:nvGrpSpPr>
+          <p:cNvPr id="11" name="Nhóm 10"/>
+          <p:cNvGrpSpPr/>
+          <p:nvPr/>
+        </p:nvGrpSpPr>
+        <p:grpSpPr>
+          <a:xfrm>
+            <a:off x="1133242" y="3086211"/>
+            <a:ext cx="2998018" cy="1323353"/>
+            <a:chOff x="264544" y="1508356"/>
+            <a:chExt cx="2998018" cy="1323353"/>
+          </a:xfrm>
+        </p:grpSpPr>
+        <p:sp>
+          <p:nvSpPr>
+            <p:cNvPr id="12" name="Hình Bầu dục 11"/>
+            <p:cNvSpPr/>
+            <p:nvPr/>
+          </p:nvSpPr>
+          <p:spPr>
+            <a:xfrm>
+              <a:off x="264544" y="1508356"/>
+              <a:ext cx="2998018" cy="1323353"/>
+            </a:xfrm>
+            <a:prstGeom prst="ellipse">
+              <a:avLst/>
+            </a:prstGeom>
+            <a:solidFill>
+              <a:srgbClr val="0070C0"/>
+            </a:solidFill>
+            <a:ln>
+              <a:solidFill>
+                <a:schemeClr val="tx1"/>
+              </a:solidFill>
+            </a:ln>
+          </p:spPr>
+          <p:style>
+            <a:lnRef idx="2">
+              <a:scrgbClr r="0" g="0" b="0"/>
+            </a:lnRef>
+            <a:fillRef idx="1">
+              <a:scrgbClr r="0" g="0" b="0"/>
+            </a:fillRef>
+            <a:effectRef idx="0">
+              <a:schemeClr val="accent1">
+                <a:hueOff val="0"/>
+                <a:satOff val="0"/>
+                <a:lumOff val="0"/>
+                <a:alphaOff val="0"/>
+              </a:schemeClr>
+            </a:effectRef>
+            <a:fontRef idx="minor">
+              <a:schemeClr val="lt1"/>
+            </a:fontRef>
+          </p:style>
+        </p:sp>
+        <p:sp>
+          <p:nvSpPr>
+            <p:cNvPr id="13" name="Hình Bầu dục 4"/>
+            <p:cNvSpPr/>
+            <p:nvPr/>
+          </p:nvSpPr>
+          <p:spPr>
+            <a:xfrm>
+              <a:off x="703594" y="1702157"/>
+              <a:ext cx="2119918" cy="935751"/>
+            </a:xfrm>
+            <a:prstGeom prst="rect">
+              <a:avLst/>
+            </a:prstGeom>
+          </p:spPr>
+          <p:style>
+            <a:lnRef idx="0">
+              <a:scrgbClr r="0" g="0" b="0"/>
+            </a:lnRef>
+            <a:fillRef idx="0">
+              <a:scrgbClr r="0" g="0" b="0"/>
+            </a:fillRef>
+            <a:effectRef idx="0">
+              <a:scrgbClr r="0" g="0" b="0"/>
+            </a:effectRef>
+            <a:fontRef idx="minor">
+              <a:schemeClr val="lt1"/>
+            </a:fontRef>
+          </p:style>
+          <p:txBody>
+            <a:bodyPr spcFirstLastPara="0" vert="horz" wrap="square" lIns="27940" tIns="27940" rIns="27940" bIns="27940" numCol="1" spcCol="1270" anchor="ctr" anchorCtr="0">
+              <a:noAutofit/>
+            </a:bodyPr>
+            <a:lstStyle/>
+            <a:p>
+              <a:pPr lvl="0" algn="ctr" defTabSz="977900">
+                <a:lnSpc>
+                  <a:spcPct val="90000"/>
+                </a:lnSpc>
+                <a:spcBef>
+                  <a:spcPct val="0"/>
+                </a:spcBef>
+                <a:spcAft>
+                  <a:spcPct val="35000"/>
+                </a:spcAft>
+              </a:pPr>
+              <a:r>
+                <a:rPr lang="en-US" sz="2200" kern="1200" smtClean="0">
+                  <a:latin typeface="Times New Roman" panose="02020603050405020304" pitchFamily="18" charset="0"/>
+                  <a:cs typeface="Times New Roman" panose="02020603050405020304" pitchFamily="18" charset="0"/>
+                </a:rPr>
+                <a:t>Công việc quản lý ngày càng nhiều.</a:t>
+              </a:r>
+              <a:endParaRPr lang="en-US" sz="2200" kern="1200"/>
+            </a:p>
+          </p:txBody>
+        </p:sp>
+      </p:grpSp>
+      <p:grpSp>
+        <p:nvGrpSpPr>
+          <p:cNvPr id="14" name="Nhóm 13"/>
+          <p:cNvGrpSpPr/>
+          <p:nvPr/>
+        </p:nvGrpSpPr>
+        <p:grpSpPr>
+          <a:xfrm>
+            <a:off x="2717633" y="5347883"/>
+            <a:ext cx="3107729" cy="1335844"/>
+            <a:chOff x="1165275" y="3977794"/>
+            <a:chExt cx="3107729" cy="1335844"/>
+          </a:xfrm>
+        </p:grpSpPr>
+        <p:sp>
+          <p:nvSpPr>
+            <p:cNvPr id="15" name="Hình Bầu dục 14"/>
+            <p:cNvSpPr/>
+            <p:nvPr/>
+          </p:nvSpPr>
+          <p:spPr>
+            <a:xfrm>
+              <a:off x="1165275" y="3977794"/>
+              <a:ext cx="3107729" cy="1335844"/>
+            </a:xfrm>
+            <a:prstGeom prst="ellipse">
+              <a:avLst/>
+            </a:prstGeom>
+            <a:solidFill>
+              <a:schemeClr val="tx1">
+                <a:lumMod val="75000"/>
+                <a:lumOff val="25000"/>
+              </a:schemeClr>
+            </a:solidFill>
+            <a:ln>
+              <a:solidFill>
+                <a:schemeClr val="tx1"/>
+              </a:solidFill>
+            </a:ln>
+          </p:spPr>
+          <p:style>
+            <a:lnRef idx="2">
+              <a:scrgbClr r="0" g="0" b="0"/>
+            </a:lnRef>
+            <a:fillRef idx="1">
+              <a:scrgbClr r="0" g="0" b="0"/>
+            </a:fillRef>
+            <a:effectRef idx="0">
+              <a:schemeClr val="accent1">
+                <a:hueOff val="0"/>
+                <a:satOff val="0"/>
+                <a:lumOff val="0"/>
+                <a:alphaOff val="0"/>
+              </a:schemeClr>
+            </a:effectRef>
+            <a:fontRef idx="minor">
+              <a:schemeClr val="lt1"/>
+            </a:fontRef>
+          </p:style>
+        </p:sp>
+        <p:sp>
+          <p:nvSpPr>
+            <p:cNvPr id="16" name="Hình Bầu dục 4"/>
+            <p:cNvSpPr/>
+            <p:nvPr/>
+          </p:nvSpPr>
+          <p:spPr>
+            <a:xfrm>
+              <a:off x="1620391" y="4173424"/>
+              <a:ext cx="2197497" cy="944584"/>
+            </a:xfrm>
+            <a:prstGeom prst="rect">
+              <a:avLst/>
+            </a:prstGeom>
+          </p:spPr>
+          <p:style>
+            <a:lnRef idx="0">
+              <a:scrgbClr r="0" g="0" b="0"/>
+            </a:lnRef>
+            <a:fillRef idx="0">
+              <a:scrgbClr r="0" g="0" b="0"/>
+            </a:fillRef>
+            <a:effectRef idx="0">
+              <a:scrgbClr r="0" g="0" b="0"/>
+            </a:effectRef>
+            <a:fontRef idx="minor">
+              <a:schemeClr val="lt1"/>
+            </a:fontRef>
+          </p:style>
+          <p:txBody>
+            <a:bodyPr spcFirstLastPara="0" vert="horz" wrap="square" lIns="27940" tIns="27940" rIns="27940" bIns="27940" numCol="1" spcCol="1270" anchor="ctr" anchorCtr="0">
+              <a:noAutofit/>
+            </a:bodyPr>
+            <a:lstStyle/>
+            <a:p>
+              <a:pPr lvl="0" algn="ctr" defTabSz="977900">
+                <a:lnSpc>
+                  <a:spcPct val="90000"/>
+                </a:lnSpc>
+                <a:spcBef>
+                  <a:spcPct val="0"/>
+                </a:spcBef>
+                <a:spcAft>
+                  <a:spcPct val="35000"/>
+                </a:spcAft>
+              </a:pPr>
+              <a:r>
+                <a:rPr lang="en-US" sz="2200" kern="1200" smtClean="0">
+                  <a:latin typeface="Times New Roman" panose="02020603050405020304" pitchFamily="18" charset="0"/>
+                  <a:cs typeface="Times New Roman" panose="02020603050405020304" pitchFamily="18" charset="0"/>
+                </a:rPr>
+                <a:t>Xử lý theo phương pháp thủ công.</a:t>
+              </a:r>
+              <a:endParaRPr lang="en-US" sz="2200" kern="1200"/>
+            </a:p>
+          </p:txBody>
+        </p:sp>
+      </p:grpSp>
+      <p:grpSp>
+        <p:nvGrpSpPr>
+          <p:cNvPr id="17" name="Nhóm 16"/>
+          <p:cNvGrpSpPr/>
+          <p:nvPr/>
+        </p:nvGrpSpPr>
+        <p:grpSpPr>
+          <a:xfrm>
+            <a:off x="6729039" y="5204347"/>
+            <a:ext cx="3160898" cy="1308335"/>
+            <a:chOff x="5416488" y="3928139"/>
+            <a:chExt cx="3160898" cy="1343784"/>
+          </a:xfrm>
+        </p:grpSpPr>
+        <p:sp>
+          <p:nvSpPr>
+            <p:cNvPr id="18" name="Hình Bầu dục 17"/>
+            <p:cNvSpPr/>
+            <p:nvPr/>
+          </p:nvSpPr>
+          <p:spPr>
+            <a:xfrm>
+              <a:off x="5416488" y="3928139"/>
+              <a:ext cx="3160898" cy="1343784"/>
+            </a:xfrm>
+            <a:prstGeom prst="ellipse">
+              <a:avLst/>
+            </a:prstGeom>
+            <a:solidFill>
+              <a:schemeClr val="bg2">
+                <a:lumMod val="50000"/>
+              </a:schemeClr>
+            </a:solidFill>
+            <a:ln>
+              <a:solidFill>
+                <a:schemeClr val="tx1"/>
+              </a:solidFill>
+            </a:ln>
+          </p:spPr>
+          <p:style>
+            <a:lnRef idx="2">
+              <a:scrgbClr r="0" g="0" b="0"/>
+            </a:lnRef>
+            <a:fillRef idx="1">
+              <a:scrgbClr r="0" g="0" b="0"/>
+            </a:fillRef>
+            <a:effectRef idx="0">
+              <a:schemeClr val="accent1">
+                <a:hueOff val="0"/>
+                <a:satOff val="0"/>
+                <a:lumOff val="0"/>
+                <a:alphaOff val="0"/>
+              </a:schemeClr>
+            </a:effectRef>
+            <a:fontRef idx="minor">
+              <a:schemeClr val="lt1"/>
+            </a:fontRef>
+          </p:style>
+        </p:sp>
+        <p:sp>
+          <p:nvSpPr>
+            <p:cNvPr id="19" name="Hình Bầu dục 4"/>
+            <p:cNvSpPr/>
+            <p:nvPr/>
+          </p:nvSpPr>
+          <p:spPr>
+            <a:xfrm>
+              <a:off x="5885505" y="4072064"/>
+              <a:ext cx="2235092" cy="950198"/>
+            </a:xfrm>
+            <a:prstGeom prst="rect">
+              <a:avLst/>
+            </a:prstGeom>
+          </p:spPr>
+          <p:style>
+            <a:lnRef idx="0">
+              <a:scrgbClr r="0" g="0" b="0"/>
+            </a:lnRef>
+            <a:fillRef idx="0">
+              <a:scrgbClr r="0" g="0" b="0"/>
+            </a:fillRef>
+            <a:effectRef idx="0">
+              <a:scrgbClr r="0" g="0" b="0"/>
+            </a:effectRef>
+            <a:fontRef idx="minor">
+              <a:schemeClr val="lt1"/>
+            </a:fontRef>
+          </p:style>
+          <p:txBody>
+            <a:bodyPr spcFirstLastPara="0" vert="horz" wrap="square" lIns="27940" tIns="27940" rIns="27940" bIns="27940" numCol="1" spcCol="1270" anchor="ctr" anchorCtr="0">
+              <a:noAutofit/>
+            </a:bodyPr>
+            <a:lstStyle/>
+            <a:p>
+              <a:pPr lvl="0" algn="ctr" defTabSz="977900">
+                <a:lnSpc>
+                  <a:spcPct val="90000"/>
+                </a:lnSpc>
+                <a:spcBef>
+                  <a:spcPct val="0"/>
+                </a:spcBef>
+                <a:spcAft>
+                  <a:spcPct val="35000"/>
+                </a:spcAft>
+              </a:pPr>
+              <a:r>
+                <a:rPr lang="en-US" sz="2200" kern="1200" smtClean="0">
+                  <a:latin typeface="Times New Roman" panose="02020603050405020304" pitchFamily="18" charset="0"/>
+                  <a:cs typeface="Times New Roman" panose="02020603050405020304" pitchFamily="18" charset="0"/>
+                </a:rPr>
+                <a:t>Khó khăn trong việc tìm kiếm, thống kê.</a:t>
+              </a:r>
+              <a:endParaRPr lang="en-US" sz="2200" kern="1200"/>
+            </a:p>
+          </p:txBody>
+        </p:sp>
+      </p:grpSp>
+      <p:grpSp>
+        <p:nvGrpSpPr>
+          <p:cNvPr id="20" name="Nhóm 19"/>
+          <p:cNvGrpSpPr/>
+          <p:nvPr/>
+        </p:nvGrpSpPr>
+        <p:grpSpPr>
+          <a:xfrm>
+            <a:off x="7849486" y="2822420"/>
+            <a:ext cx="3084631" cy="1376001"/>
+            <a:chOff x="6263798" y="1215842"/>
+            <a:chExt cx="3084631" cy="1376001"/>
+          </a:xfrm>
+        </p:grpSpPr>
+        <p:sp>
+          <p:nvSpPr>
+            <p:cNvPr id="21" name="Hình Bầu dục 20"/>
+            <p:cNvSpPr/>
+            <p:nvPr/>
+          </p:nvSpPr>
+          <p:spPr>
+            <a:xfrm>
+              <a:off x="6263798" y="1215842"/>
+              <a:ext cx="3084631" cy="1376001"/>
+            </a:xfrm>
+            <a:prstGeom prst="ellipse">
+              <a:avLst/>
+            </a:prstGeom>
+            <a:solidFill>
+              <a:schemeClr val="accent2"/>
+            </a:solidFill>
+            <a:ln>
+              <a:solidFill>
+                <a:schemeClr val="tx1"/>
+              </a:solidFill>
+            </a:ln>
+          </p:spPr>
+          <p:style>
+            <a:lnRef idx="2">
+              <a:scrgbClr r="0" g="0" b="0"/>
+            </a:lnRef>
+            <a:fillRef idx="1">
+              <a:scrgbClr r="0" g="0" b="0"/>
+            </a:fillRef>
+            <a:effectRef idx="0">
+              <a:schemeClr val="accent1">
+                <a:hueOff val="0"/>
+                <a:satOff val="0"/>
+                <a:lumOff val="0"/>
+                <a:alphaOff val="0"/>
+              </a:schemeClr>
+            </a:effectRef>
+            <a:fontRef idx="minor">
+              <a:schemeClr val="lt1"/>
+            </a:fontRef>
+          </p:style>
+        </p:sp>
+        <p:sp>
+          <p:nvSpPr>
+            <p:cNvPr id="22" name="Hình Bầu dục 4"/>
+            <p:cNvSpPr/>
+            <p:nvPr/>
+          </p:nvSpPr>
+          <p:spPr>
+            <a:xfrm>
+              <a:off x="6712020" y="1479633"/>
+              <a:ext cx="2181163" cy="972979"/>
+            </a:xfrm>
+            <a:prstGeom prst="rect">
+              <a:avLst/>
+            </a:prstGeom>
+          </p:spPr>
+          <p:style>
+            <a:lnRef idx="0">
+              <a:scrgbClr r="0" g="0" b="0"/>
+            </a:lnRef>
+            <a:fillRef idx="0">
+              <a:scrgbClr r="0" g="0" b="0"/>
+            </a:fillRef>
+            <a:effectRef idx="0">
+              <a:scrgbClr r="0" g="0" b="0"/>
+            </a:effectRef>
+            <a:fontRef idx="minor">
+              <a:schemeClr val="lt1"/>
+            </a:fontRef>
+          </p:style>
+          <p:txBody>
+            <a:bodyPr spcFirstLastPara="0" vert="horz" wrap="square" lIns="27940" tIns="27940" rIns="27940" bIns="27940" numCol="1" spcCol="1270" anchor="ctr" anchorCtr="0">
+              <a:noAutofit/>
+            </a:bodyPr>
+            <a:lstStyle/>
+            <a:p>
+              <a:pPr lvl="0" algn="ctr" defTabSz="977900">
+                <a:lnSpc>
+                  <a:spcPct val="90000"/>
+                </a:lnSpc>
+                <a:spcBef>
+                  <a:spcPct val="0"/>
+                </a:spcBef>
+                <a:spcAft>
+                  <a:spcPct val="35000"/>
+                </a:spcAft>
+              </a:pPr>
+              <a:r>
+                <a:rPr lang="en-US" sz="2200" kern="1200" smtClean="0">
+                  <a:latin typeface="Times New Roman" panose="02020603050405020304" pitchFamily="18" charset="0"/>
+                  <a:cs typeface="Times New Roman" panose="02020603050405020304" pitchFamily="18" charset="0"/>
+                </a:rPr>
+                <a:t>Hệ thống quản lý khách sạn.</a:t>
+              </a:r>
+              <a:endParaRPr lang="en-US" sz="2200" kern="1200">
+                <a:latin typeface="Times New Roman" panose="02020603050405020304" pitchFamily="18" charset="0"/>
+                <a:cs typeface="Times New Roman" panose="02020603050405020304" pitchFamily="18" charset="0"/>
+              </a:endParaRPr>
+            </a:p>
+          </p:txBody>
+        </p:sp>
+      </p:grpSp>
+      <p:grpSp>
+        <p:nvGrpSpPr>
+          <p:cNvPr id="23" name="Nhóm 22"/>
+          <p:cNvGrpSpPr/>
+          <p:nvPr/>
+        </p:nvGrpSpPr>
+        <p:grpSpPr>
+          <a:xfrm>
+            <a:off x="5729813" y="2648267"/>
+            <a:ext cx="521119" cy="438209"/>
+            <a:chOff x="4527478" y="1582358"/>
+            <a:chExt cx="521119" cy="330288"/>
+          </a:xfrm>
+        </p:grpSpPr>
+        <p:sp>
+          <p:nvSpPr>
+            <p:cNvPr id="24" name="Mũi tên Phải 23"/>
+            <p:cNvSpPr/>
+            <p:nvPr/>
+          </p:nvSpPr>
+          <p:spPr>
+            <a:xfrm rot="16186176">
+              <a:off x="4622894" y="1486942"/>
+              <a:ext cx="330288" cy="521119"/>
+            </a:xfrm>
+            <a:prstGeom prst="rightArrow">
+              <a:avLst>
+                <a:gd name="adj1" fmla="val 60000"/>
+                <a:gd name="adj2" fmla="val 50000"/>
+              </a:avLst>
+            </a:prstGeom>
+          </p:spPr>
+          <p:style>
+            <a:lnRef idx="0">
+              <a:schemeClr val="accent1">
+                <a:tint val="60000"/>
+                <a:hueOff val="0"/>
+                <a:satOff val="0"/>
+                <a:lumOff val="0"/>
+                <a:alphaOff val="0"/>
+              </a:schemeClr>
+            </a:lnRef>
+            <a:fillRef idx="1">
+              <a:schemeClr val="accent1">
+                <a:tint val="60000"/>
+                <a:hueOff val="0"/>
+                <a:satOff val="0"/>
+                <a:lumOff val="0"/>
+                <a:alphaOff val="0"/>
+              </a:schemeClr>
+            </a:fillRef>
+            <a:effectRef idx="0">
+              <a:schemeClr val="accent1">
+                <a:tint val="60000"/>
+                <a:hueOff val="0"/>
+                <a:satOff val="0"/>
+                <a:lumOff val="0"/>
+                <a:alphaOff val="0"/>
+              </a:schemeClr>
+            </a:effectRef>
+            <a:fontRef idx="minor">
+              <a:schemeClr val="lt1"/>
+            </a:fontRef>
+          </p:style>
+        </p:sp>
+        <p:sp>
+          <p:nvSpPr>
+            <p:cNvPr id="25" name="Mũi tên Phải 4"/>
+            <p:cNvSpPr/>
+            <p:nvPr/>
+          </p:nvSpPr>
+          <p:spPr>
+            <a:xfrm rot="26986176">
+              <a:off x="4672636" y="1640709"/>
+              <a:ext cx="231202" cy="312671"/>
+            </a:xfrm>
+            <a:prstGeom prst="rect">
+              <a:avLst/>
+            </a:prstGeom>
+          </p:spPr>
+          <p:style>
+            <a:lnRef idx="0">
+              <a:scrgbClr r="0" g="0" b="0"/>
+            </a:lnRef>
+            <a:fillRef idx="0">
+              <a:scrgbClr r="0" g="0" b="0"/>
+            </a:fillRef>
+            <a:effectRef idx="0">
+              <a:scrgbClr r="0" g="0" b="0"/>
+            </a:effectRef>
+            <a:fontRef idx="minor">
+              <a:schemeClr val="lt1"/>
+            </a:fontRef>
+          </p:style>
+          <p:txBody>
+            <a:bodyPr spcFirstLastPara="0" vert="horz" wrap="square" lIns="0" tIns="0" rIns="0" bIns="0" numCol="1" spcCol="1270" anchor="ctr" anchorCtr="0">
+              <a:noAutofit/>
+            </a:bodyPr>
+            <a:lstStyle/>
+            <a:p>
+              <a:pPr lvl="0" algn="ctr" defTabSz="977900">
+                <a:lnSpc>
+                  <a:spcPct val="90000"/>
+                </a:lnSpc>
+                <a:spcBef>
+                  <a:spcPct val="0"/>
+                </a:spcBef>
+                <a:spcAft>
+                  <a:spcPct val="35000"/>
+                </a:spcAft>
+              </a:pPr>
+              <a:endParaRPr lang="en-US" sz="2200" kern="1200"/>
+            </a:p>
+          </p:txBody>
+        </p:sp>
+      </p:grpSp>
+      <p:grpSp>
+        <p:nvGrpSpPr>
+          <p:cNvPr id="26" name="Nhóm 25"/>
+          <p:cNvGrpSpPr/>
+          <p:nvPr/>
+        </p:nvGrpSpPr>
+        <p:grpSpPr>
+          <a:xfrm rot="16614337">
+            <a:off x="4267567" y="3623480"/>
+            <a:ext cx="521119" cy="558446"/>
+            <a:chOff x="4527478" y="1582358"/>
+            <a:chExt cx="521119" cy="330288"/>
+          </a:xfrm>
+        </p:grpSpPr>
+        <p:sp>
+          <p:nvSpPr>
+            <p:cNvPr id="27" name="Mũi tên Phải 26"/>
+            <p:cNvSpPr/>
+            <p:nvPr/>
+          </p:nvSpPr>
+          <p:spPr>
+            <a:xfrm rot="16186176">
+              <a:off x="4622894" y="1486942"/>
+              <a:ext cx="330288" cy="521119"/>
+            </a:xfrm>
+            <a:prstGeom prst="rightArrow">
+              <a:avLst>
+                <a:gd name="adj1" fmla="val 60000"/>
+                <a:gd name="adj2" fmla="val 50000"/>
+              </a:avLst>
+            </a:prstGeom>
+          </p:spPr>
+          <p:style>
+            <a:lnRef idx="0">
+              <a:schemeClr val="accent1">
+                <a:tint val="60000"/>
+                <a:hueOff val="0"/>
+                <a:satOff val="0"/>
+                <a:lumOff val="0"/>
+                <a:alphaOff val="0"/>
+              </a:schemeClr>
+            </a:lnRef>
+            <a:fillRef idx="1">
+              <a:schemeClr val="accent1">
+                <a:tint val="60000"/>
+                <a:hueOff val="0"/>
+                <a:satOff val="0"/>
+                <a:lumOff val="0"/>
+                <a:alphaOff val="0"/>
+              </a:schemeClr>
+            </a:fillRef>
+            <a:effectRef idx="0">
+              <a:schemeClr val="accent1">
+                <a:tint val="60000"/>
+                <a:hueOff val="0"/>
+                <a:satOff val="0"/>
+                <a:lumOff val="0"/>
+                <a:alphaOff val="0"/>
+              </a:schemeClr>
+            </a:effectRef>
+            <a:fontRef idx="minor">
+              <a:schemeClr val="lt1"/>
+            </a:fontRef>
+          </p:style>
+        </p:sp>
+        <p:sp>
+          <p:nvSpPr>
+            <p:cNvPr id="28" name="Mũi tên Phải 4"/>
+            <p:cNvSpPr/>
+            <p:nvPr/>
+          </p:nvSpPr>
+          <p:spPr>
+            <a:xfrm rot="26986176">
+              <a:off x="4672636" y="1640709"/>
+              <a:ext cx="231202" cy="312671"/>
+            </a:xfrm>
+            <a:prstGeom prst="rect">
+              <a:avLst/>
+            </a:prstGeom>
+          </p:spPr>
+          <p:style>
+            <a:lnRef idx="0">
+              <a:scrgbClr r="0" g="0" b="0"/>
+            </a:lnRef>
+            <a:fillRef idx="0">
+              <a:scrgbClr r="0" g="0" b="0"/>
+            </a:fillRef>
+            <a:effectRef idx="0">
+              <a:scrgbClr r="0" g="0" b="0"/>
+            </a:effectRef>
+            <a:fontRef idx="minor">
+              <a:schemeClr val="lt1"/>
+            </a:fontRef>
+          </p:style>
+          <p:txBody>
+            <a:bodyPr spcFirstLastPara="0" vert="horz" wrap="square" lIns="0" tIns="0" rIns="0" bIns="0" numCol="1" spcCol="1270" anchor="ctr" anchorCtr="0">
+              <a:noAutofit/>
+            </a:bodyPr>
+            <a:lstStyle/>
+            <a:p>
+              <a:pPr lvl="0" algn="ctr" defTabSz="977900">
+                <a:lnSpc>
+                  <a:spcPct val="90000"/>
+                </a:lnSpc>
+                <a:spcBef>
+                  <a:spcPct val="0"/>
+                </a:spcBef>
+                <a:spcAft>
+                  <a:spcPct val="35000"/>
+                </a:spcAft>
+              </a:pPr>
+              <a:endParaRPr lang="en-US" sz="2200" kern="1200"/>
+            </a:p>
+          </p:txBody>
+        </p:sp>
+      </p:grpSp>
+      <p:grpSp>
+        <p:nvGrpSpPr>
+          <p:cNvPr id="29" name="Nhóm 28"/>
+          <p:cNvGrpSpPr/>
+          <p:nvPr/>
+        </p:nvGrpSpPr>
+        <p:grpSpPr>
+          <a:xfrm rot="4788429">
+            <a:off x="7192845" y="3521793"/>
+            <a:ext cx="521119" cy="552448"/>
+            <a:chOff x="4527478" y="1582358"/>
+            <a:chExt cx="521119" cy="330288"/>
+          </a:xfrm>
+        </p:grpSpPr>
+        <p:sp>
+          <p:nvSpPr>
+            <p:cNvPr id="30" name="Mũi tên Phải 29"/>
+            <p:cNvSpPr/>
+            <p:nvPr/>
+          </p:nvSpPr>
+          <p:spPr>
+            <a:xfrm rot="16186176">
+              <a:off x="4622894" y="1486942"/>
+              <a:ext cx="330288" cy="521119"/>
+            </a:xfrm>
+            <a:prstGeom prst="rightArrow">
+              <a:avLst>
+                <a:gd name="adj1" fmla="val 60000"/>
+                <a:gd name="adj2" fmla="val 50000"/>
+              </a:avLst>
+            </a:prstGeom>
+          </p:spPr>
+          <p:style>
+            <a:lnRef idx="0">
+              <a:schemeClr val="accent1">
+                <a:tint val="60000"/>
+                <a:hueOff val="0"/>
+                <a:satOff val="0"/>
+                <a:lumOff val="0"/>
+                <a:alphaOff val="0"/>
+              </a:schemeClr>
+            </a:lnRef>
+            <a:fillRef idx="1">
+              <a:schemeClr val="accent1">
+                <a:tint val="60000"/>
+                <a:hueOff val="0"/>
+                <a:satOff val="0"/>
+                <a:lumOff val="0"/>
+                <a:alphaOff val="0"/>
+              </a:schemeClr>
+            </a:fillRef>
+            <a:effectRef idx="0">
+              <a:schemeClr val="accent1">
+                <a:tint val="60000"/>
+                <a:hueOff val="0"/>
+                <a:satOff val="0"/>
+                <a:lumOff val="0"/>
+                <a:alphaOff val="0"/>
+              </a:schemeClr>
+            </a:effectRef>
+            <a:fontRef idx="minor">
+              <a:schemeClr val="lt1"/>
+            </a:fontRef>
+          </p:style>
+        </p:sp>
+        <p:sp>
+          <p:nvSpPr>
+            <p:cNvPr id="31" name="Mũi tên Phải 4"/>
+            <p:cNvSpPr/>
+            <p:nvPr/>
+          </p:nvSpPr>
+          <p:spPr>
+            <a:xfrm rot="26986176">
+              <a:off x="4672636" y="1640709"/>
+              <a:ext cx="231202" cy="312671"/>
+            </a:xfrm>
+            <a:prstGeom prst="rect">
+              <a:avLst/>
+            </a:prstGeom>
+          </p:spPr>
+          <p:style>
+            <a:lnRef idx="0">
+              <a:scrgbClr r="0" g="0" b="0"/>
+            </a:lnRef>
+            <a:fillRef idx="0">
+              <a:scrgbClr r="0" g="0" b="0"/>
+            </a:fillRef>
+            <a:effectRef idx="0">
+              <a:scrgbClr r="0" g="0" b="0"/>
+            </a:effectRef>
+            <a:fontRef idx="minor">
+              <a:schemeClr val="lt1"/>
+            </a:fontRef>
+          </p:style>
+          <p:txBody>
+            <a:bodyPr spcFirstLastPara="0" vert="horz" wrap="square" lIns="0" tIns="0" rIns="0" bIns="0" numCol="1" spcCol="1270" anchor="ctr" anchorCtr="0">
+              <a:noAutofit/>
+            </a:bodyPr>
+            <a:lstStyle/>
+            <a:p>
+              <a:pPr lvl="0" algn="ctr" defTabSz="977900">
+                <a:lnSpc>
+                  <a:spcPct val="90000"/>
+                </a:lnSpc>
+                <a:spcBef>
+                  <a:spcPct val="0"/>
+                </a:spcBef>
+                <a:spcAft>
+                  <a:spcPct val="35000"/>
+                </a:spcAft>
+              </a:pPr>
+              <a:endParaRPr lang="en-US" sz="2200" kern="1200"/>
+            </a:p>
+          </p:txBody>
+        </p:sp>
+      </p:grpSp>
+      <p:grpSp>
+        <p:nvGrpSpPr>
+          <p:cNvPr id="32" name="Nhóm 31"/>
+          <p:cNvGrpSpPr/>
+          <p:nvPr/>
+        </p:nvGrpSpPr>
+        <p:grpSpPr>
+          <a:xfrm rot="8277127">
+            <a:off x="6645304" y="4746529"/>
+            <a:ext cx="521119" cy="541373"/>
+            <a:chOff x="4527478" y="1582358"/>
+            <a:chExt cx="521119" cy="330288"/>
+          </a:xfrm>
+        </p:grpSpPr>
+        <p:sp>
+          <p:nvSpPr>
+            <p:cNvPr id="33" name="Mũi tên Phải 32"/>
+            <p:cNvSpPr/>
+            <p:nvPr/>
+          </p:nvSpPr>
+          <p:spPr>
+            <a:xfrm rot="16186176">
+              <a:off x="4622894" y="1486942"/>
+              <a:ext cx="330288" cy="521119"/>
+            </a:xfrm>
+            <a:prstGeom prst="rightArrow">
+              <a:avLst>
+                <a:gd name="adj1" fmla="val 60000"/>
+                <a:gd name="adj2" fmla="val 50000"/>
+              </a:avLst>
+            </a:prstGeom>
+          </p:spPr>
+          <p:style>
+            <a:lnRef idx="0">
+              <a:schemeClr val="accent1">
+                <a:tint val="60000"/>
+                <a:hueOff val="0"/>
+                <a:satOff val="0"/>
+                <a:lumOff val="0"/>
+                <a:alphaOff val="0"/>
+              </a:schemeClr>
+            </a:lnRef>
+            <a:fillRef idx="1">
+              <a:schemeClr val="accent1">
+                <a:tint val="60000"/>
+                <a:hueOff val="0"/>
+                <a:satOff val="0"/>
+                <a:lumOff val="0"/>
+                <a:alphaOff val="0"/>
+              </a:schemeClr>
+            </a:fillRef>
+            <a:effectRef idx="0">
+              <a:schemeClr val="accent1">
+                <a:tint val="60000"/>
+                <a:hueOff val="0"/>
+                <a:satOff val="0"/>
+                <a:lumOff val="0"/>
+                <a:alphaOff val="0"/>
+              </a:schemeClr>
+            </a:effectRef>
+            <a:fontRef idx="minor">
+              <a:schemeClr val="lt1"/>
+            </a:fontRef>
+          </p:style>
+        </p:sp>
+        <p:sp>
+          <p:nvSpPr>
+            <p:cNvPr id="34" name="Mũi tên Phải 4"/>
+            <p:cNvSpPr/>
+            <p:nvPr/>
+          </p:nvSpPr>
+          <p:spPr>
+            <a:xfrm rot="26986176">
+              <a:off x="4672636" y="1640709"/>
+              <a:ext cx="231202" cy="312671"/>
+            </a:xfrm>
+            <a:prstGeom prst="rect">
+              <a:avLst/>
+            </a:prstGeom>
+          </p:spPr>
+          <p:style>
+            <a:lnRef idx="0">
+              <a:scrgbClr r="0" g="0" b="0"/>
+            </a:lnRef>
+            <a:fillRef idx="0">
+              <a:scrgbClr r="0" g="0" b="0"/>
+            </a:fillRef>
+            <a:effectRef idx="0">
+              <a:scrgbClr r="0" g="0" b="0"/>
+            </a:effectRef>
+            <a:fontRef idx="minor">
+              <a:schemeClr val="lt1"/>
+            </a:fontRef>
+          </p:style>
+          <p:txBody>
+            <a:bodyPr spcFirstLastPara="0" vert="horz" wrap="square" lIns="0" tIns="0" rIns="0" bIns="0" numCol="1" spcCol="1270" anchor="ctr" anchorCtr="0">
+              <a:noAutofit/>
+            </a:bodyPr>
+            <a:lstStyle/>
+            <a:p>
+              <a:pPr lvl="0" algn="ctr" defTabSz="977900">
+                <a:lnSpc>
+                  <a:spcPct val="90000"/>
+                </a:lnSpc>
+                <a:spcBef>
+                  <a:spcPct val="0"/>
+                </a:spcBef>
+                <a:spcAft>
+                  <a:spcPct val="35000"/>
+                </a:spcAft>
+              </a:pPr>
+              <a:endParaRPr lang="en-US" sz="2200" kern="1200"/>
+            </a:p>
+          </p:txBody>
+        </p:sp>
+      </p:grpSp>
+      <p:grpSp>
+        <p:nvGrpSpPr>
+          <p:cNvPr id="35" name="Nhóm 34"/>
+          <p:cNvGrpSpPr/>
+          <p:nvPr/>
+        </p:nvGrpSpPr>
+        <p:grpSpPr>
+          <a:xfrm rot="12294486">
+            <a:off x="5101303" y="4867328"/>
+            <a:ext cx="521119" cy="516083"/>
+            <a:chOff x="4527478" y="1582358"/>
+            <a:chExt cx="521119" cy="330288"/>
+          </a:xfrm>
+        </p:grpSpPr>
+        <p:sp>
+          <p:nvSpPr>
+            <p:cNvPr id="36" name="Mũi tên Phải 35"/>
+            <p:cNvSpPr/>
+            <p:nvPr/>
+          </p:nvSpPr>
+          <p:spPr>
+            <a:xfrm rot="16186176">
+              <a:off x="4622894" y="1486942"/>
+              <a:ext cx="330288" cy="521119"/>
+            </a:xfrm>
+            <a:prstGeom prst="rightArrow">
+              <a:avLst>
+                <a:gd name="adj1" fmla="val 60000"/>
+                <a:gd name="adj2" fmla="val 50000"/>
+              </a:avLst>
+            </a:prstGeom>
+          </p:spPr>
+          <p:style>
+            <a:lnRef idx="0">
+              <a:schemeClr val="accent1">
+                <a:tint val="60000"/>
+                <a:hueOff val="0"/>
+                <a:satOff val="0"/>
+                <a:lumOff val="0"/>
+                <a:alphaOff val="0"/>
+              </a:schemeClr>
+            </a:lnRef>
+            <a:fillRef idx="1">
+              <a:schemeClr val="accent1">
+                <a:tint val="60000"/>
+                <a:hueOff val="0"/>
+                <a:satOff val="0"/>
+                <a:lumOff val="0"/>
+                <a:alphaOff val="0"/>
+              </a:schemeClr>
+            </a:fillRef>
+            <a:effectRef idx="0">
+              <a:schemeClr val="accent1">
+                <a:tint val="60000"/>
+                <a:hueOff val="0"/>
+                <a:satOff val="0"/>
+                <a:lumOff val="0"/>
+                <a:alphaOff val="0"/>
+              </a:schemeClr>
+            </a:effectRef>
+            <a:fontRef idx="minor">
+              <a:schemeClr val="lt1"/>
+            </a:fontRef>
+          </p:style>
+        </p:sp>
+        <p:sp>
+          <p:nvSpPr>
+            <p:cNvPr id="37" name="Mũi tên Phải 4"/>
+            <p:cNvSpPr/>
+            <p:nvPr/>
+          </p:nvSpPr>
+          <p:spPr>
+            <a:xfrm rot="26986176">
+              <a:off x="4672636" y="1640709"/>
+              <a:ext cx="231202" cy="312671"/>
+            </a:xfrm>
+            <a:prstGeom prst="rect">
+              <a:avLst/>
+            </a:prstGeom>
+          </p:spPr>
+          <p:style>
+            <a:lnRef idx="0">
+              <a:scrgbClr r="0" g="0" b="0"/>
+            </a:lnRef>
+            <a:fillRef idx="0">
+              <a:scrgbClr r="0" g="0" b="0"/>
+            </a:fillRef>
+            <a:effectRef idx="0">
+              <a:scrgbClr r="0" g="0" b="0"/>
+            </a:effectRef>
+            <a:fontRef idx="minor">
+              <a:schemeClr val="lt1"/>
+            </a:fontRef>
+          </p:style>
+          <p:txBody>
+            <a:bodyPr spcFirstLastPara="0" vert="horz" wrap="square" lIns="0" tIns="0" rIns="0" bIns="0" numCol="1" spcCol="1270" anchor="ctr" anchorCtr="0">
+              <a:noAutofit/>
+            </a:bodyPr>
+            <a:lstStyle/>
+            <a:p>
+              <a:pPr lvl="0" algn="ctr" defTabSz="977900">
+                <a:lnSpc>
+                  <a:spcPct val="90000"/>
+                </a:lnSpc>
+                <a:spcBef>
+                  <a:spcPct val="0"/>
+                </a:spcBef>
+                <a:spcAft>
+                  <a:spcPct val="35000"/>
+                </a:spcAft>
+              </a:pPr>
+              <a:endParaRPr lang="en-US" sz="2200" kern="1200"/>
+            </a:p>
+          </p:txBody>
+        </p:sp>
+      </p:grpSp>
+    </p:spTree>
+    <p:extLst>
+      <p:ext uri="{BB962C8B-B14F-4D97-AF65-F5344CB8AC3E}">
+        <p14:creationId xmlns:p14="http://schemas.microsoft.com/office/powerpoint/2010/main" val="1538529674"/>
+      </p:ext>
+    </p:extLst>
+  </p:cSld>
+  <p:clrMapOvr>
+    <a:masterClrMapping/>
+  </p:clrMapOvr>
+  <mc:AlternateContent xmlns:mc="http://schemas.openxmlformats.org/markup-compatibility/2006">
+    <mc:Choice xmlns:p15="http://schemas.microsoft.com/office/powerpoint/2012/main" Requires="p15">
+      <p:transition xmlns:p14="http://schemas.microsoft.com/office/powerpoint/2010/main" spd="slow" p14:dur="1250">
+        <p15:prstTrans prst="peelOff"/>
+      </p:transition>
+    </mc:Choice>
+    <mc:Fallback>
+      <p:transition spd="slow">
+        <p:fade/>
+      </p:transition>
+    </mc:Fallback>
+  </mc:AlternateContent>
+  <p:timing>
+    <p:tnLst>
+      <p:par>
+        <p:cTn id="1" dur="indefinite" restart="never" nodeType="tmRoot">
+          <p:childTnLst>
+            <p:seq concurrent="1" nextAc="seek">
+              <p:cTn id="2" dur="indefinite" nodeType="mainSeq">
+                <p:childTnLst>
+                  <p:par>
+                    <p:cTn id="3" fill="hold">
+                      <p:stCondLst>
+                        <p:cond delay="indefinite"/>
+                      </p:stCondLst>
+                      <p:childTnLst>
+                        <p:par>
+                          <p:cTn id="4" fill="hold">
+                            <p:stCondLst>
+                              <p:cond delay="0"/>
+                            </p:stCondLst>
+                            <p:childTnLst>
+                              <p:par>
+                                <p:cTn id="5" presetID="14" presetClass="entr" presetSubtype="10" fill="hold" nodeType="clickEffect">
+                                  <p:stCondLst>
+                                    <p:cond delay="0"/>
+                                  </p:stCondLst>
+                                  <p:childTnLst>
+                                    <p:set>
+                                      <p:cBhvr>
+                                        <p:cTn id="6" dur="1" fill="hold">
+                                          <p:stCondLst>
+                                            <p:cond delay="0"/>
+                                          </p:stCondLst>
+                                        </p:cTn>
+                                        <p:tgtEl>
+                                          <p:spTgt spid="5"/>
+                                        </p:tgtEl>
+                                        <p:attrNameLst>
+                                          <p:attrName>style.visibility</p:attrName>
+                                        </p:attrNameLst>
+                                      </p:cBhvr>
+                                      <p:to>
+                                        <p:strVal val="visible"/>
+                                      </p:to>
+                                    </p:set>
+                                    <p:animEffect transition="in" filter="randombar(horizontal)">
+                                      <p:cBhvr>
+                                        <p:cTn id="7" dur="500"/>
+                                        <p:tgtEl>
+                                          <p:spTgt spid="5"/>
+                                        </p:tgtEl>
+                                      </p:cBhvr>
+                                    </p:animEffect>
+                                  </p:childTnLst>
+                                </p:cTn>
+                              </p:par>
+                            </p:childTnLst>
+                          </p:cTn>
+                        </p:par>
+                      </p:childTnLst>
+                    </p:cTn>
+                  </p:par>
+                  <p:par>
+                    <p:cTn id="8" fill="hold">
+                      <p:stCondLst>
+                        <p:cond delay="indefinite"/>
+                      </p:stCondLst>
+                      <p:childTnLst>
+                        <p:par>
+                          <p:cTn id="9" fill="hold">
+                            <p:stCondLst>
+                              <p:cond delay="0"/>
+                            </p:stCondLst>
+                            <p:childTnLst>
+                              <p:par>
+                                <p:cTn id="10" presetID="42" presetClass="entr" presetSubtype="0" fill="hold" nodeType="clickEffect">
+                                  <p:stCondLst>
+                                    <p:cond delay="0"/>
+                                  </p:stCondLst>
+                                  <p:childTnLst>
+                                    <p:set>
+                                      <p:cBhvr>
+                                        <p:cTn id="11" dur="1" fill="hold">
+                                          <p:stCondLst>
+                                            <p:cond delay="0"/>
+                                          </p:stCondLst>
+                                        </p:cTn>
+                                        <p:tgtEl>
+                                          <p:spTgt spid="23"/>
+                                        </p:tgtEl>
+                                        <p:attrNameLst>
+                                          <p:attrName>style.visibility</p:attrName>
+                                        </p:attrNameLst>
+                                      </p:cBhvr>
+                                      <p:to>
+                                        <p:strVal val="visible"/>
+                                      </p:to>
+                                    </p:set>
+                                    <p:animEffect transition="in" filter="fade">
+                                      <p:cBhvr>
+                                        <p:cTn id="12" dur="1000"/>
+                                        <p:tgtEl>
+                                          <p:spTgt spid="23"/>
+                                        </p:tgtEl>
+                                      </p:cBhvr>
+                                    </p:animEffect>
+                                    <p:anim calcmode="lin" valueType="num">
+                                      <p:cBhvr>
+                                        <p:cTn id="13" dur="1000" fill="hold"/>
+                                        <p:tgtEl>
+                                          <p:spTgt spid="23"/>
+                                        </p:tgtEl>
+                                        <p:attrNameLst>
+                                          <p:attrName>ppt_x</p:attrName>
+                                        </p:attrNameLst>
+                                      </p:cBhvr>
+                                      <p:tavLst>
+                                        <p:tav tm="0">
+                                          <p:val>
+                                            <p:strVal val="#ppt_x"/>
+                                          </p:val>
+                                        </p:tav>
+                                        <p:tav tm="100000">
+                                          <p:val>
+                                            <p:strVal val="#ppt_x"/>
+                                          </p:val>
+                                        </p:tav>
+                                      </p:tavLst>
+                                    </p:anim>
+                                    <p:anim calcmode="lin" valueType="num">
+                                      <p:cBhvr>
+                                        <p:cTn id="14" dur="1000" fill="hold"/>
+                                        <p:tgtEl>
+                                          <p:spTgt spid="23"/>
+                                        </p:tgtEl>
+                                        <p:attrNameLst>
+                                          <p:attrName>ppt_y</p:attrName>
+                                        </p:attrNameLst>
+                                      </p:cBhvr>
+                                      <p:tavLst>
+                                        <p:tav tm="0">
+                                          <p:val>
+                                            <p:strVal val="#ppt_y+.1"/>
+                                          </p:val>
+                                        </p:tav>
+                                        <p:tav tm="100000">
+                                          <p:val>
+                                            <p:strVal val="#ppt_y"/>
+                                          </p:val>
+                                        </p:tav>
+                                      </p:tavLst>
+                                    </p:anim>
+                                  </p:childTnLst>
+                                </p:cTn>
+                              </p:par>
+                            </p:childTnLst>
+                          </p:cTn>
+                        </p:par>
+                      </p:childTnLst>
+                    </p:cTn>
+                  </p:par>
+                  <p:par>
+                    <p:cTn id="15" fill="hold">
+                      <p:stCondLst>
+                        <p:cond delay="indefinite"/>
+                      </p:stCondLst>
+                      <p:childTnLst>
+                        <p:par>
+                          <p:cTn id="16" fill="hold">
+                            <p:stCondLst>
+                              <p:cond delay="0"/>
+                            </p:stCondLst>
+                            <p:childTnLst>
+                              <p:par>
+                                <p:cTn id="17" presetID="31" presetClass="entr" presetSubtype="0" fill="hold" nodeType="clickEffect">
+                                  <p:stCondLst>
+                                    <p:cond delay="0"/>
+                                  </p:stCondLst>
+                                  <p:childTnLst>
+                                    <p:set>
+                                      <p:cBhvr>
+                                        <p:cTn id="18" dur="1" fill="hold">
+                                          <p:stCondLst>
+                                            <p:cond delay="0"/>
+                                          </p:stCondLst>
+                                        </p:cTn>
+                                        <p:tgtEl>
+                                          <p:spTgt spid="8"/>
+                                        </p:tgtEl>
+                                        <p:attrNameLst>
+                                          <p:attrName>style.visibility</p:attrName>
+                                        </p:attrNameLst>
+                                      </p:cBhvr>
+                                      <p:to>
+                                        <p:strVal val="visible"/>
+                                      </p:to>
+                                    </p:set>
+                                    <p:anim calcmode="lin" valueType="num">
+                                      <p:cBhvr>
+                                        <p:cTn id="19" dur="1000" fill="hold"/>
+                                        <p:tgtEl>
+                                          <p:spTgt spid="8"/>
+                                        </p:tgtEl>
+                                        <p:attrNameLst>
+                                          <p:attrName>ppt_w</p:attrName>
+                                        </p:attrNameLst>
+                                      </p:cBhvr>
+                                      <p:tavLst>
+                                        <p:tav tm="0">
+                                          <p:val>
+                                            <p:fltVal val="0"/>
+                                          </p:val>
+                                        </p:tav>
+                                        <p:tav tm="100000">
+                                          <p:val>
+                                            <p:strVal val="#ppt_w"/>
+                                          </p:val>
+                                        </p:tav>
+                                      </p:tavLst>
+                                    </p:anim>
+                                    <p:anim calcmode="lin" valueType="num">
+                                      <p:cBhvr>
+                                        <p:cTn id="20" dur="1000" fill="hold"/>
+                                        <p:tgtEl>
+                                          <p:spTgt spid="8"/>
+                                        </p:tgtEl>
+                                        <p:attrNameLst>
+                                          <p:attrName>ppt_h</p:attrName>
+                                        </p:attrNameLst>
+                                      </p:cBhvr>
+                                      <p:tavLst>
+                                        <p:tav tm="0">
+                                          <p:val>
+                                            <p:fltVal val="0"/>
+                                          </p:val>
+                                        </p:tav>
+                                        <p:tav tm="100000">
+                                          <p:val>
+                                            <p:strVal val="#ppt_h"/>
+                                          </p:val>
+                                        </p:tav>
+                                      </p:tavLst>
+                                    </p:anim>
+                                    <p:anim calcmode="lin" valueType="num">
+                                      <p:cBhvr>
+                                        <p:cTn id="21" dur="1000" fill="hold"/>
+                                        <p:tgtEl>
+                                          <p:spTgt spid="8"/>
+                                        </p:tgtEl>
+                                        <p:attrNameLst>
+                                          <p:attrName>style.rotation</p:attrName>
+                                        </p:attrNameLst>
+                                      </p:cBhvr>
+                                      <p:tavLst>
+                                        <p:tav tm="0">
+                                          <p:val>
+                                            <p:fltVal val="90"/>
+                                          </p:val>
+                                        </p:tav>
+                                        <p:tav tm="100000">
+                                          <p:val>
+                                            <p:fltVal val="0"/>
+                                          </p:val>
+                                        </p:tav>
+                                      </p:tavLst>
+                                    </p:anim>
+                                    <p:animEffect transition="in" filter="fade">
+                                      <p:cBhvr>
+                                        <p:cTn id="22" dur="1000"/>
+                                        <p:tgtEl>
+                                          <p:spTgt spid="8"/>
+                                        </p:tgtEl>
+                                      </p:cBhvr>
+                                    </p:animEffect>
+                                  </p:childTnLst>
+                                </p:cTn>
+                              </p:par>
+                            </p:childTnLst>
+                          </p:cTn>
+                        </p:par>
+                      </p:childTnLst>
+                    </p:cTn>
+                  </p:par>
+                  <p:par>
+                    <p:cTn id="23" fill="hold">
+                      <p:stCondLst>
+                        <p:cond delay="indefinite"/>
+                      </p:stCondLst>
+                      <p:childTnLst>
+                        <p:par>
+                          <p:cTn id="24" fill="hold">
+                            <p:stCondLst>
+                              <p:cond delay="0"/>
+                            </p:stCondLst>
+                            <p:childTnLst>
+                              <p:par>
+                                <p:cTn id="25" presetID="42" presetClass="entr" presetSubtype="0" fill="hold" nodeType="clickEffect">
+                                  <p:stCondLst>
+                                    <p:cond delay="0"/>
+                                  </p:stCondLst>
+                                  <p:childTnLst>
+                                    <p:set>
+                                      <p:cBhvr>
+                                        <p:cTn id="26" dur="1" fill="hold">
+                                          <p:stCondLst>
+                                            <p:cond delay="0"/>
+                                          </p:stCondLst>
+                                        </p:cTn>
+                                        <p:tgtEl>
+                                          <p:spTgt spid="26"/>
+                                        </p:tgtEl>
+                                        <p:attrNameLst>
+                                          <p:attrName>style.visibility</p:attrName>
+                                        </p:attrNameLst>
+                                      </p:cBhvr>
+                                      <p:to>
+                                        <p:strVal val="visible"/>
+                                      </p:to>
+                                    </p:set>
+                                    <p:animEffect transition="in" filter="fade">
+                                      <p:cBhvr>
+                                        <p:cTn id="27" dur="1000"/>
+                                        <p:tgtEl>
+                                          <p:spTgt spid="26"/>
+                                        </p:tgtEl>
+                                      </p:cBhvr>
+                                    </p:animEffect>
+                                    <p:anim calcmode="lin" valueType="num">
+                                      <p:cBhvr>
+                                        <p:cTn id="28" dur="1000" fill="hold"/>
+                                        <p:tgtEl>
+                                          <p:spTgt spid="26"/>
+                                        </p:tgtEl>
+                                        <p:attrNameLst>
+                                          <p:attrName>ppt_x</p:attrName>
+                                        </p:attrNameLst>
+                                      </p:cBhvr>
+                                      <p:tavLst>
+                                        <p:tav tm="0">
+                                          <p:val>
+                                            <p:strVal val="#ppt_x"/>
+                                          </p:val>
+                                        </p:tav>
+                                        <p:tav tm="100000">
+                                          <p:val>
+                                            <p:strVal val="#ppt_x"/>
+                                          </p:val>
+                                        </p:tav>
+                                      </p:tavLst>
+                                    </p:anim>
+                                    <p:anim calcmode="lin" valueType="num">
+                                      <p:cBhvr>
+                                        <p:cTn id="29" dur="1000" fill="hold"/>
+                                        <p:tgtEl>
+                                          <p:spTgt spid="26"/>
+                                        </p:tgtEl>
+                                        <p:attrNameLst>
+                                          <p:attrName>ppt_y</p:attrName>
+                                        </p:attrNameLst>
+                                      </p:cBhvr>
+                                      <p:tavLst>
+                                        <p:tav tm="0">
+                                          <p:val>
+                                            <p:strVal val="#ppt_y+.1"/>
+                                          </p:val>
+                                        </p:tav>
+                                        <p:tav tm="100000">
+                                          <p:val>
+                                            <p:strVal val="#ppt_y"/>
+                                          </p:val>
+                                        </p:tav>
+                                      </p:tavLst>
+                                    </p:anim>
+                                  </p:childTnLst>
+                                </p:cTn>
+                              </p:par>
+                            </p:childTnLst>
+                          </p:cTn>
+                        </p:par>
+                      </p:childTnLst>
+                    </p:cTn>
+                  </p:par>
+                  <p:par>
+                    <p:cTn id="30" fill="hold">
+                      <p:stCondLst>
+                        <p:cond delay="indefinite"/>
+                      </p:stCondLst>
+                      <p:childTnLst>
+                        <p:par>
+                          <p:cTn id="31" fill="hold">
+                            <p:stCondLst>
+                              <p:cond delay="0"/>
+                            </p:stCondLst>
+                            <p:childTnLst>
+                              <p:par>
+                                <p:cTn id="32" presetID="31" presetClass="entr" presetSubtype="0" fill="hold" nodeType="clickEffect">
+                                  <p:stCondLst>
+                                    <p:cond delay="0"/>
+                                  </p:stCondLst>
+                                  <p:childTnLst>
+                                    <p:set>
+                                      <p:cBhvr>
+                                        <p:cTn id="33" dur="1" fill="hold">
+                                          <p:stCondLst>
+                                            <p:cond delay="0"/>
+                                          </p:stCondLst>
+                                        </p:cTn>
+                                        <p:tgtEl>
+                                          <p:spTgt spid="11"/>
+                                        </p:tgtEl>
+                                        <p:attrNameLst>
+                                          <p:attrName>style.visibility</p:attrName>
+                                        </p:attrNameLst>
+                                      </p:cBhvr>
+                                      <p:to>
+                                        <p:strVal val="visible"/>
+                                      </p:to>
+                                    </p:set>
+                                    <p:anim calcmode="lin" valueType="num">
+                                      <p:cBhvr>
+                                        <p:cTn id="34" dur="1000" fill="hold"/>
+                                        <p:tgtEl>
+                                          <p:spTgt spid="11"/>
+                                        </p:tgtEl>
+                                        <p:attrNameLst>
+                                          <p:attrName>ppt_w</p:attrName>
+                                        </p:attrNameLst>
+                                      </p:cBhvr>
+                                      <p:tavLst>
+                                        <p:tav tm="0">
+                                          <p:val>
+                                            <p:fltVal val="0"/>
+                                          </p:val>
+                                        </p:tav>
+                                        <p:tav tm="100000">
+                                          <p:val>
+                                            <p:strVal val="#ppt_w"/>
+                                          </p:val>
+                                        </p:tav>
+                                      </p:tavLst>
+                                    </p:anim>
+                                    <p:anim calcmode="lin" valueType="num">
+                                      <p:cBhvr>
+                                        <p:cTn id="35" dur="1000" fill="hold"/>
+                                        <p:tgtEl>
+                                          <p:spTgt spid="11"/>
+                                        </p:tgtEl>
+                                        <p:attrNameLst>
+                                          <p:attrName>ppt_h</p:attrName>
+                                        </p:attrNameLst>
+                                      </p:cBhvr>
+                                      <p:tavLst>
+                                        <p:tav tm="0">
+                                          <p:val>
+                                            <p:fltVal val="0"/>
+                                          </p:val>
+                                        </p:tav>
+                                        <p:tav tm="100000">
+                                          <p:val>
+                                            <p:strVal val="#ppt_h"/>
+                                          </p:val>
+                                        </p:tav>
+                                      </p:tavLst>
+                                    </p:anim>
+                                    <p:anim calcmode="lin" valueType="num">
+                                      <p:cBhvr>
+                                        <p:cTn id="36" dur="1000" fill="hold"/>
+                                        <p:tgtEl>
+                                          <p:spTgt spid="11"/>
+                                        </p:tgtEl>
+                                        <p:attrNameLst>
+                                          <p:attrName>style.rotation</p:attrName>
+                                        </p:attrNameLst>
+                                      </p:cBhvr>
+                                      <p:tavLst>
+                                        <p:tav tm="0">
+                                          <p:val>
+                                            <p:fltVal val="90"/>
+                                          </p:val>
+                                        </p:tav>
+                                        <p:tav tm="100000">
+                                          <p:val>
+                                            <p:fltVal val="0"/>
+                                          </p:val>
+                                        </p:tav>
+                                      </p:tavLst>
+                                    </p:anim>
+                                    <p:animEffect transition="in" filter="fade">
+                                      <p:cBhvr>
+                                        <p:cTn id="37" dur="1000"/>
+                                        <p:tgtEl>
+                                          <p:spTgt spid="11"/>
+                                        </p:tgtEl>
+                                      </p:cBhvr>
+                                    </p:animEffect>
+                                  </p:childTnLst>
+                                </p:cTn>
+                              </p:par>
+                            </p:childTnLst>
+                          </p:cTn>
+                        </p:par>
+                      </p:childTnLst>
+                    </p:cTn>
+                  </p:par>
+                  <p:par>
+                    <p:cTn id="38" fill="hold">
+                      <p:stCondLst>
+                        <p:cond delay="indefinite"/>
+                      </p:stCondLst>
+                      <p:childTnLst>
+                        <p:par>
+                          <p:cTn id="39" fill="hold">
+                            <p:stCondLst>
+                              <p:cond delay="0"/>
+                            </p:stCondLst>
+                            <p:childTnLst>
+                              <p:par>
+                                <p:cTn id="40" presetID="42" presetClass="entr" presetSubtype="0" fill="hold" nodeType="clickEffect">
+                                  <p:stCondLst>
+                                    <p:cond delay="0"/>
+                                  </p:stCondLst>
+                                  <p:childTnLst>
+                                    <p:set>
+                                      <p:cBhvr>
+                                        <p:cTn id="41" dur="1" fill="hold">
+                                          <p:stCondLst>
+                                            <p:cond delay="0"/>
+                                          </p:stCondLst>
+                                        </p:cTn>
+                                        <p:tgtEl>
+                                          <p:spTgt spid="35"/>
+                                        </p:tgtEl>
+                                        <p:attrNameLst>
+                                          <p:attrName>style.visibility</p:attrName>
+                                        </p:attrNameLst>
+                                      </p:cBhvr>
+                                      <p:to>
+                                        <p:strVal val="visible"/>
+                                      </p:to>
+                                    </p:set>
+                                    <p:animEffect transition="in" filter="fade">
+                                      <p:cBhvr>
+                                        <p:cTn id="42" dur="1000"/>
+                                        <p:tgtEl>
+                                          <p:spTgt spid="35"/>
+                                        </p:tgtEl>
+                                      </p:cBhvr>
+                                    </p:animEffect>
+                                    <p:anim calcmode="lin" valueType="num">
+                                      <p:cBhvr>
+                                        <p:cTn id="43" dur="1000" fill="hold"/>
+                                        <p:tgtEl>
+                                          <p:spTgt spid="35"/>
+                                        </p:tgtEl>
+                                        <p:attrNameLst>
+                                          <p:attrName>ppt_x</p:attrName>
+                                        </p:attrNameLst>
+                                      </p:cBhvr>
+                                      <p:tavLst>
+                                        <p:tav tm="0">
+                                          <p:val>
+                                            <p:strVal val="#ppt_x"/>
+                                          </p:val>
+                                        </p:tav>
+                                        <p:tav tm="100000">
+                                          <p:val>
+                                            <p:strVal val="#ppt_x"/>
+                                          </p:val>
+                                        </p:tav>
+                                      </p:tavLst>
+                                    </p:anim>
+                                    <p:anim calcmode="lin" valueType="num">
+                                      <p:cBhvr>
+                                        <p:cTn id="44" dur="1000" fill="hold"/>
+                                        <p:tgtEl>
+                                          <p:spTgt spid="35"/>
+                                        </p:tgtEl>
+                                        <p:attrNameLst>
+                                          <p:attrName>ppt_y</p:attrName>
+                                        </p:attrNameLst>
+                                      </p:cBhvr>
+                                      <p:tavLst>
+                                        <p:tav tm="0">
+                                          <p:val>
+                                            <p:strVal val="#ppt_y+.1"/>
+                                          </p:val>
+                                        </p:tav>
+                                        <p:tav tm="100000">
+                                          <p:val>
+                                            <p:strVal val="#ppt_y"/>
+                                          </p:val>
+                                        </p:tav>
+                                      </p:tavLst>
+                                    </p:anim>
+                                  </p:childTnLst>
+                                </p:cTn>
+                              </p:par>
+                            </p:childTnLst>
+                          </p:cTn>
+                        </p:par>
+                      </p:childTnLst>
+                    </p:cTn>
+                  </p:par>
+                  <p:par>
+                    <p:cTn id="45" fill="hold">
+                      <p:stCondLst>
+                        <p:cond delay="indefinite"/>
+                      </p:stCondLst>
+                      <p:childTnLst>
+                        <p:par>
+                          <p:cTn id="46" fill="hold">
+                            <p:stCondLst>
+                              <p:cond delay="0"/>
+                            </p:stCondLst>
+                            <p:childTnLst>
+                              <p:par>
+                                <p:cTn id="47" presetID="31" presetClass="entr" presetSubtype="0" fill="hold" nodeType="clickEffect">
+                                  <p:stCondLst>
+                                    <p:cond delay="0"/>
+                                  </p:stCondLst>
+                                  <p:childTnLst>
+                                    <p:set>
+                                      <p:cBhvr>
+                                        <p:cTn id="48" dur="1" fill="hold">
+                                          <p:stCondLst>
+                                            <p:cond delay="0"/>
+                                          </p:stCondLst>
+                                        </p:cTn>
+                                        <p:tgtEl>
+                                          <p:spTgt spid="14"/>
+                                        </p:tgtEl>
+                                        <p:attrNameLst>
+                                          <p:attrName>style.visibility</p:attrName>
+                                        </p:attrNameLst>
+                                      </p:cBhvr>
+                                      <p:to>
+                                        <p:strVal val="visible"/>
+                                      </p:to>
+                                    </p:set>
+                                    <p:anim calcmode="lin" valueType="num">
+                                      <p:cBhvr>
+                                        <p:cTn id="49" dur="1000" fill="hold"/>
+                                        <p:tgtEl>
+                                          <p:spTgt spid="14"/>
+                                        </p:tgtEl>
+                                        <p:attrNameLst>
+                                          <p:attrName>ppt_w</p:attrName>
+                                        </p:attrNameLst>
+                                      </p:cBhvr>
+                                      <p:tavLst>
+                                        <p:tav tm="0">
+                                          <p:val>
+                                            <p:fltVal val="0"/>
+                                          </p:val>
+                                        </p:tav>
+                                        <p:tav tm="100000">
+                                          <p:val>
+                                            <p:strVal val="#ppt_w"/>
+                                          </p:val>
+                                        </p:tav>
+                                      </p:tavLst>
+                                    </p:anim>
+                                    <p:anim calcmode="lin" valueType="num">
+                                      <p:cBhvr>
+                                        <p:cTn id="50" dur="1000" fill="hold"/>
+                                        <p:tgtEl>
+                                          <p:spTgt spid="14"/>
+                                        </p:tgtEl>
+                                        <p:attrNameLst>
+                                          <p:attrName>ppt_h</p:attrName>
+                                        </p:attrNameLst>
+                                      </p:cBhvr>
+                                      <p:tavLst>
+                                        <p:tav tm="0">
+                                          <p:val>
+                                            <p:fltVal val="0"/>
+                                          </p:val>
+                                        </p:tav>
+                                        <p:tav tm="100000">
+                                          <p:val>
+                                            <p:strVal val="#ppt_h"/>
+                                          </p:val>
+                                        </p:tav>
+                                      </p:tavLst>
+                                    </p:anim>
+                                    <p:anim calcmode="lin" valueType="num">
+                                      <p:cBhvr>
+                                        <p:cTn id="51" dur="1000" fill="hold"/>
+                                        <p:tgtEl>
+                                          <p:spTgt spid="14"/>
+                                        </p:tgtEl>
+                                        <p:attrNameLst>
+                                          <p:attrName>style.rotation</p:attrName>
+                                        </p:attrNameLst>
+                                      </p:cBhvr>
+                                      <p:tavLst>
+                                        <p:tav tm="0">
+                                          <p:val>
+                                            <p:fltVal val="90"/>
+                                          </p:val>
+                                        </p:tav>
+                                        <p:tav tm="100000">
+                                          <p:val>
+                                            <p:fltVal val="0"/>
+                                          </p:val>
+                                        </p:tav>
+                                      </p:tavLst>
+                                    </p:anim>
+                                    <p:animEffect transition="in" filter="fade">
+                                      <p:cBhvr>
+                                        <p:cTn id="52" dur="1000"/>
+                                        <p:tgtEl>
+                                          <p:spTgt spid="14"/>
+                                        </p:tgtEl>
+                                      </p:cBhvr>
+                                    </p:animEffect>
+                                  </p:childTnLst>
+                                </p:cTn>
+                              </p:par>
+                            </p:childTnLst>
+                          </p:cTn>
+                        </p:par>
+                      </p:childTnLst>
+                    </p:cTn>
+                  </p:par>
+                  <p:par>
+                    <p:cTn id="53" fill="hold">
+                      <p:stCondLst>
+                        <p:cond delay="indefinite"/>
+                      </p:stCondLst>
+                      <p:childTnLst>
+                        <p:par>
+                          <p:cTn id="54" fill="hold">
+                            <p:stCondLst>
+                              <p:cond delay="0"/>
+                            </p:stCondLst>
+                            <p:childTnLst>
+                              <p:par>
+                                <p:cTn id="55" presetID="42" presetClass="entr" presetSubtype="0" fill="hold" nodeType="clickEffect">
+                                  <p:stCondLst>
+                                    <p:cond delay="0"/>
+                                  </p:stCondLst>
+                                  <p:childTnLst>
+                                    <p:set>
+                                      <p:cBhvr>
+                                        <p:cTn id="56" dur="1" fill="hold">
+                                          <p:stCondLst>
+                                            <p:cond delay="0"/>
+                                          </p:stCondLst>
+                                        </p:cTn>
+                                        <p:tgtEl>
+                                          <p:spTgt spid="32"/>
+                                        </p:tgtEl>
+                                        <p:attrNameLst>
+                                          <p:attrName>style.visibility</p:attrName>
+                                        </p:attrNameLst>
+                                      </p:cBhvr>
+                                      <p:to>
+                                        <p:strVal val="visible"/>
+                                      </p:to>
+                                    </p:set>
+                                    <p:animEffect transition="in" filter="fade">
+                                      <p:cBhvr>
+                                        <p:cTn id="57" dur="1000"/>
+                                        <p:tgtEl>
+                                          <p:spTgt spid="32"/>
+                                        </p:tgtEl>
+                                      </p:cBhvr>
+                                    </p:animEffect>
+                                    <p:anim calcmode="lin" valueType="num">
+                                      <p:cBhvr>
+                                        <p:cTn id="58" dur="1000" fill="hold"/>
+                                        <p:tgtEl>
+                                          <p:spTgt spid="32"/>
+                                        </p:tgtEl>
+                                        <p:attrNameLst>
+                                          <p:attrName>ppt_x</p:attrName>
+                                        </p:attrNameLst>
+                                      </p:cBhvr>
+                                      <p:tavLst>
+                                        <p:tav tm="0">
+                                          <p:val>
+                                            <p:strVal val="#ppt_x"/>
+                                          </p:val>
+                                        </p:tav>
+                                        <p:tav tm="100000">
+                                          <p:val>
+                                            <p:strVal val="#ppt_x"/>
+                                          </p:val>
+                                        </p:tav>
+                                      </p:tavLst>
+                                    </p:anim>
+                                    <p:anim calcmode="lin" valueType="num">
+                                      <p:cBhvr>
+                                        <p:cTn id="59" dur="1000" fill="hold"/>
+                                        <p:tgtEl>
+                                          <p:spTgt spid="32"/>
+                                        </p:tgtEl>
+                                        <p:attrNameLst>
+                                          <p:attrName>ppt_y</p:attrName>
+                                        </p:attrNameLst>
+                                      </p:cBhvr>
+                                      <p:tavLst>
+                                        <p:tav tm="0">
+                                          <p:val>
+                                            <p:strVal val="#ppt_y+.1"/>
+                                          </p:val>
+                                        </p:tav>
+                                        <p:tav tm="100000">
+                                          <p:val>
+                                            <p:strVal val="#ppt_y"/>
+                                          </p:val>
+                                        </p:tav>
+                                      </p:tavLst>
+                                    </p:anim>
+                                  </p:childTnLst>
+                                </p:cTn>
+                              </p:par>
+                            </p:childTnLst>
+                          </p:cTn>
+                        </p:par>
+                      </p:childTnLst>
+                    </p:cTn>
+                  </p:par>
+                  <p:par>
+                    <p:cTn id="60" fill="hold">
+                      <p:stCondLst>
+                        <p:cond delay="indefinite"/>
+                      </p:stCondLst>
+                      <p:childTnLst>
+                        <p:par>
+                          <p:cTn id="61" fill="hold">
+                            <p:stCondLst>
+                              <p:cond delay="0"/>
+                            </p:stCondLst>
+                            <p:childTnLst>
+                              <p:par>
+                                <p:cTn id="62" presetID="31" presetClass="entr" presetSubtype="0" fill="hold" nodeType="clickEffect">
+                                  <p:stCondLst>
+                                    <p:cond delay="0"/>
+                                  </p:stCondLst>
+                                  <p:childTnLst>
+                                    <p:set>
+                                      <p:cBhvr>
+                                        <p:cTn id="63" dur="1" fill="hold">
+                                          <p:stCondLst>
+                                            <p:cond delay="0"/>
+                                          </p:stCondLst>
+                                        </p:cTn>
+                                        <p:tgtEl>
+                                          <p:spTgt spid="17"/>
+                                        </p:tgtEl>
+                                        <p:attrNameLst>
+                                          <p:attrName>style.visibility</p:attrName>
+                                        </p:attrNameLst>
+                                      </p:cBhvr>
+                                      <p:to>
+                                        <p:strVal val="visible"/>
+                                      </p:to>
+                                    </p:set>
+                                    <p:anim calcmode="lin" valueType="num">
+                                      <p:cBhvr>
+                                        <p:cTn id="64" dur="1000" fill="hold"/>
+                                        <p:tgtEl>
+                                          <p:spTgt spid="17"/>
+                                        </p:tgtEl>
+                                        <p:attrNameLst>
+                                          <p:attrName>ppt_w</p:attrName>
+                                        </p:attrNameLst>
+                                      </p:cBhvr>
+                                      <p:tavLst>
+                                        <p:tav tm="0">
+                                          <p:val>
+                                            <p:fltVal val="0"/>
+                                          </p:val>
+                                        </p:tav>
+                                        <p:tav tm="100000">
+                                          <p:val>
+                                            <p:strVal val="#ppt_w"/>
+                                          </p:val>
+                                        </p:tav>
+                                      </p:tavLst>
+                                    </p:anim>
+                                    <p:anim calcmode="lin" valueType="num">
+                                      <p:cBhvr>
+                                        <p:cTn id="65" dur="1000" fill="hold"/>
+                                        <p:tgtEl>
+                                          <p:spTgt spid="17"/>
+                                        </p:tgtEl>
+                                        <p:attrNameLst>
+                                          <p:attrName>ppt_h</p:attrName>
+                                        </p:attrNameLst>
+                                      </p:cBhvr>
+                                      <p:tavLst>
+                                        <p:tav tm="0">
+                                          <p:val>
+                                            <p:fltVal val="0"/>
+                                          </p:val>
+                                        </p:tav>
+                                        <p:tav tm="100000">
+                                          <p:val>
+                                            <p:strVal val="#ppt_h"/>
+                                          </p:val>
+                                        </p:tav>
+                                      </p:tavLst>
+                                    </p:anim>
+                                    <p:anim calcmode="lin" valueType="num">
+                                      <p:cBhvr>
+                                        <p:cTn id="66" dur="1000" fill="hold"/>
+                                        <p:tgtEl>
+                                          <p:spTgt spid="17"/>
+                                        </p:tgtEl>
+                                        <p:attrNameLst>
+                                          <p:attrName>style.rotation</p:attrName>
+                                        </p:attrNameLst>
+                                      </p:cBhvr>
+                                      <p:tavLst>
+                                        <p:tav tm="0">
+                                          <p:val>
+                                            <p:fltVal val="90"/>
+                                          </p:val>
+                                        </p:tav>
+                                        <p:tav tm="100000">
+                                          <p:val>
+                                            <p:fltVal val="0"/>
+                                          </p:val>
+                                        </p:tav>
+                                      </p:tavLst>
+                                    </p:anim>
+                                    <p:animEffect transition="in" filter="fade">
+                                      <p:cBhvr>
+                                        <p:cTn id="67" dur="1000"/>
+                                        <p:tgtEl>
+                                          <p:spTgt spid="17"/>
+                                        </p:tgtEl>
+                                      </p:cBhvr>
+                                    </p:animEffect>
+                                  </p:childTnLst>
+                                </p:cTn>
+                              </p:par>
+                            </p:childTnLst>
+                          </p:cTn>
+                        </p:par>
+                      </p:childTnLst>
+                    </p:cTn>
+                  </p:par>
+                  <p:par>
+                    <p:cTn id="68" fill="hold">
+                      <p:stCondLst>
+                        <p:cond delay="indefinite"/>
+                      </p:stCondLst>
+                      <p:childTnLst>
+                        <p:par>
+                          <p:cTn id="69" fill="hold">
+                            <p:stCondLst>
+                              <p:cond delay="0"/>
+                            </p:stCondLst>
+                            <p:childTnLst>
+                              <p:par>
+                                <p:cTn id="70" presetID="42" presetClass="entr" presetSubtype="0" fill="hold" nodeType="clickEffect">
+                                  <p:stCondLst>
+                                    <p:cond delay="0"/>
+                                  </p:stCondLst>
+                                  <p:childTnLst>
+                                    <p:set>
+                                      <p:cBhvr>
+                                        <p:cTn id="71" dur="1" fill="hold">
+                                          <p:stCondLst>
+                                            <p:cond delay="0"/>
+                                          </p:stCondLst>
+                                        </p:cTn>
+                                        <p:tgtEl>
+                                          <p:spTgt spid="29"/>
+                                        </p:tgtEl>
+                                        <p:attrNameLst>
+                                          <p:attrName>style.visibility</p:attrName>
+                                        </p:attrNameLst>
+                                      </p:cBhvr>
+                                      <p:to>
+                                        <p:strVal val="visible"/>
+                                      </p:to>
+                                    </p:set>
+                                    <p:animEffect transition="in" filter="fade">
+                                      <p:cBhvr>
+                                        <p:cTn id="72" dur="1000"/>
+                                        <p:tgtEl>
+                                          <p:spTgt spid="29"/>
+                                        </p:tgtEl>
+                                      </p:cBhvr>
+                                    </p:animEffect>
+                                    <p:anim calcmode="lin" valueType="num">
+                                      <p:cBhvr>
+                                        <p:cTn id="73" dur="1000" fill="hold"/>
+                                        <p:tgtEl>
+                                          <p:spTgt spid="29"/>
+                                        </p:tgtEl>
+                                        <p:attrNameLst>
+                                          <p:attrName>ppt_x</p:attrName>
+                                        </p:attrNameLst>
+                                      </p:cBhvr>
+                                      <p:tavLst>
+                                        <p:tav tm="0">
+                                          <p:val>
+                                            <p:strVal val="#ppt_x"/>
+                                          </p:val>
+                                        </p:tav>
+                                        <p:tav tm="100000">
+                                          <p:val>
+                                            <p:strVal val="#ppt_x"/>
+                                          </p:val>
+                                        </p:tav>
+                                      </p:tavLst>
+                                    </p:anim>
+                                    <p:anim calcmode="lin" valueType="num">
+                                      <p:cBhvr>
+                                        <p:cTn id="74" dur="1000" fill="hold"/>
+                                        <p:tgtEl>
+                                          <p:spTgt spid="29"/>
+                                        </p:tgtEl>
+                                        <p:attrNameLst>
+                                          <p:attrName>ppt_y</p:attrName>
+                                        </p:attrNameLst>
+                                      </p:cBhvr>
+                                      <p:tavLst>
+                                        <p:tav tm="0">
+                                          <p:val>
+                                            <p:strVal val="#ppt_y+.1"/>
+                                          </p:val>
+                                        </p:tav>
+                                        <p:tav tm="100000">
+                                          <p:val>
+                                            <p:strVal val="#ppt_y"/>
+                                          </p:val>
+                                        </p:tav>
+                                      </p:tavLst>
+                                    </p:anim>
+                                  </p:childTnLst>
+                                </p:cTn>
+                              </p:par>
+                            </p:childTnLst>
+                          </p:cTn>
+                        </p:par>
+                      </p:childTnLst>
+                    </p:cTn>
+                  </p:par>
+                  <p:par>
+                    <p:cTn id="75" fill="hold">
+                      <p:stCondLst>
+                        <p:cond delay="indefinite"/>
+                      </p:stCondLst>
+                      <p:childTnLst>
+                        <p:par>
+                          <p:cTn id="76" fill="hold">
+                            <p:stCondLst>
+                              <p:cond delay="0"/>
+                            </p:stCondLst>
+                            <p:childTnLst>
+                              <p:par>
+                                <p:cTn id="77" presetID="31" presetClass="entr" presetSubtype="0" fill="hold" nodeType="clickEffect">
+                                  <p:stCondLst>
+                                    <p:cond delay="0"/>
+                                  </p:stCondLst>
+                                  <p:childTnLst>
+                                    <p:set>
+                                      <p:cBhvr>
+                                        <p:cTn id="78" dur="1" fill="hold">
+                                          <p:stCondLst>
+                                            <p:cond delay="0"/>
+                                          </p:stCondLst>
+                                        </p:cTn>
+                                        <p:tgtEl>
+                                          <p:spTgt spid="20"/>
+                                        </p:tgtEl>
+                                        <p:attrNameLst>
+                                          <p:attrName>style.visibility</p:attrName>
+                                        </p:attrNameLst>
+                                      </p:cBhvr>
+                                      <p:to>
+                                        <p:strVal val="visible"/>
+                                      </p:to>
+                                    </p:set>
+                                    <p:anim calcmode="lin" valueType="num">
+                                      <p:cBhvr>
+                                        <p:cTn id="79" dur="1000" fill="hold"/>
+                                        <p:tgtEl>
+                                          <p:spTgt spid="20"/>
+                                        </p:tgtEl>
+                                        <p:attrNameLst>
+                                          <p:attrName>ppt_w</p:attrName>
+                                        </p:attrNameLst>
+                                      </p:cBhvr>
+                                      <p:tavLst>
+                                        <p:tav tm="0">
+                                          <p:val>
+                                            <p:fltVal val="0"/>
+                                          </p:val>
+                                        </p:tav>
+                                        <p:tav tm="100000">
+                                          <p:val>
+                                            <p:strVal val="#ppt_w"/>
+                                          </p:val>
+                                        </p:tav>
+                                      </p:tavLst>
+                                    </p:anim>
+                                    <p:anim calcmode="lin" valueType="num">
+                                      <p:cBhvr>
+                                        <p:cTn id="80" dur="1000" fill="hold"/>
+                                        <p:tgtEl>
+                                          <p:spTgt spid="20"/>
+                                        </p:tgtEl>
+                                        <p:attrNameLst>
+                                          <p:attrName>ppt_h</p:attrName>
+                                        </p:attrNameLst>
+                                      </p:cBhvr>
+                                      <p:tavLst>
+                                        <p:tav tm="0">
+                                          <p:val>
+                                            <p:fltVal val="0"/>
+                                          </p:val>
+                                        </p:tav>
+                                        <p:tav tm="100000">
+                                          <p:val>
+                                            <p:strVal val="#ppt_h"/>
+                                          </p:val>
+                                        </p:tav>
+                                      </p:tavLst>
+                                    </p:anim>
+                                    <p:anim calcmode="lin" valueType="num">
+                                      <p:cBhvr>
+                                        <p:cTn id="81" dur="1000" fill="hold"/>
+                                        <p:tgtEl>
+                                          <p:spTgt spid="20"/>
+                                        </p:tgtEl>
+                                        <p:attrNameLst>
+                                          <p:attrName>style.rotation</p:attrName>
+                                        </p:attrNameLst>
+                                      </p:cBhvr>
+                                      <p:tavLst>
+                                        <p:tav tm="0">
+                                          <p:val>
+                                            <p:fltVal val="90"/>
+                                          </p:val>
+                                        </p:tav>
+                                        <p:tav tm="100000">
+                                          <p:val>
+                                            <p:fltVal val="0"/>
+                                          </p:val>
+                                        </p:tav>
+                                      </p:tavLst>
+                                    </p:anim>
+                                    <p:animEffect transition="in" filter="fade">
+                                      <p:cBhvr>
+                                        <p:cTn id="82" dur="1000"/>
+                                        <p:tgtEl>
+                                          <p:spTgt spid="20"/>
+                                        </p:tgtEl>
+                                      </p:cBhvr>
+                                    </p:animEffect>
+                                  </p:childTnLst>
+                                </p:cTn>
+                              </p:par>
+                            </p:childTnLst>
+                          </p:cTn>
+                        </p:par>
+                      </p:childTnLst>
+                    </p:cTn>
+                  </p:par>
+                </p:childTnLst>
+              </p:cTn>
+              <p:prevCondLst>
+                <p:cond evt="onPrev" delay="0">
+                  <p:tgtEl>
+                    <p:sldTgt/>
+                  </p:tgtEl>
+                </p:cond>
+              </p:prevCondLst>
+              <p:nextCondLst>
+                <p:cond evt="onNext" delay="0">
+                  <p:tgtEl>
+                    <p:sldTgt/>
+                  </p:tgtEl>
+                </p:cond>
+              </p:nextCondLst>
+            </p:seq>
+          </p:childTnLst>
+        </p:cTn>
+      </p:par>
+    </p:tnLst>
+  </p:timing>
+</p:sld>
+</file>
+
+<file path=ppt/slides/slide4.xml><?xml version="1.0" encoding="utf-8"?>
+<p:sld xmlns:a="http://schemas.openxmlformats.org/drawingml/2006/main" xmlns:r="http://schemas.openxmlformats.org/officeDocument/2006/relationships" xmlns:p="http://schemas.openxmlformats.org/presentationml/2006/main">
+  <p:cSld>
+    <p:spTree>
+      <p:nvGrpSpPr>
+        <p:cNvPr id="1" name=""/>
+        <p:cNvGrpSpPr/>
+        <p:nvPr/>
+      </p:nvGrpSpPr>
+      <p:grpSpPr>
+        <a:xfrm>
+          <a:off x="0" y="0"/>
+          <a:ext cx="0" cy="0"/>
+          <a:chOff x="0" y="0"/>
+          <a:chExt cx="0" cy="0"/>
+        </a:xfrm>
+      </p:grpSpPr>
       <p:sp>
         <p:nvSpPr>
-          <p:cNvPr id="3" name="Chỗ dành sẵn cho Nội dung 2"/>
+          <p:cNvPr id="2" name="Tiêu đề 1"/>
           <p:cNvSpPr>
             <a:spLocks noGrp="1"/>
           </p:cNvSpPr>
           <p:nvPr>
-            <p:ph idx="1"/>
+            <p:ph type="title"/>
           </p:nvPr>
         </p:nvSpPr>
-        <p:spPr>
-          <a:xfrm>
-            <a:off x="2589212" y="1425146"/>
-            <a:ext cx="8915400" cy="5082746"/>
-          </a:xfrm>
-        </p:spPr>
+        <p:spPr/>
         <p:txBody>
-          <a:bodyPr>
-            <a:normAutofit/>
-          </a:bodyPr>
+          <a:bodyPr/>
           <a:lstStyle/>
           <a:p>
-            <a:pPr algn="just">
-              <a:buFont typeface="Wingdings" panose="05000000000000000000" pitchFamily="2" charset="2"/>
-              <a:buChar char="v"/>
-            </a:pPr>
             <a:r>
-              <a:rPr lang="en-US" sz="3000" smtClean="0">
+              <a:rPr lang="en-US" b="1">
+                <a:ln w="0"/>
+                <a:solidFill>
+                  <a:schemeClr val="tx1"/>
+                </a:solidFill>
+                <a:effectLst>
+                  <a:outerShdw blurRad="38100" dist="19050" dir="2700000" algn="tl" rotWithShape="0">
+                    <a:schemeClr val="dk1">
+                      <a:alpha val="40000"/>
+                    </a:schemeClr>
+                  </a:outerShdw>
+                </a:effectLst>
                 <a:latin typeface="Times New Roman" panose="02020603050405020304" pitchFamily="18" charset="0"/>
                 <a:cs typeface="Times New Roman" panose="02020603050405020304" pitchFamily="18" charset="0"/>
               </a:rPr>
-              <a:t>Lý </a:t>
+              <a:t>Chương 1. Tổng quan về hệ thống</a:t>
             </a:r>
-            <a:r>
-              <a:rPr lang="en-US" sz="3000">
-                <a:latin typeface="Times New Roman" panose="02020603050405020304" pitchFamily="18" charset="0"/>
-                <a:cs typeface="Times New Roman" panose="02020603050405020304" pitchFamily="18" charset="0"/>
-              </a:rPr>
-              <a:t>do chọn đề </a:t>
-            </a:r>
-            <a:r>
-              <a:rPr lang="en-US" sz="3000" smtClean="0">
-                <a:latin typeface="Times New Roman" panose="02020603050405020304" pitchFamily="18" charset="0"/>
-                <a:cs typeface="Times New Roman" panose="02020603050405020304" pitchFamily="18" charset="0"/>
-              </a:rPr>
-              <a:t>tài:</a:t>
-            </a:r>
-          </a:p>
-          <a:p>
-            <a:pPr algn="just">
-              <a:buFont typeface="Arial" panose="020B0604020202020204" pitchFamily="34" charset="0"/>
-              <a:buChar char="•"/>
-            </a:pPr>
-            <a:r>
-              <a:rPr lang="en-US" sz="2200" smtClean="0">
-                <a:latin typeface="Times New Roman" panose="02020603050405020304" pitchFamily="18" charset="0"/>
-                <a:cs typeface="Times New Roman" panose="02020603050405020304" pitchFamily="18" charset="0"/>
-              </a:rPr>
-              <a:t>Hiện </a:t>
-            </a:r>
-            <a:r>
-              <a:rPr lang="en-US" sz="2200">
-                <a:latin typeface="Times New Roman" panose="02020603050405020304" pitchFamily="18" charset="0"/>
-                <a:cs typeface="Times New Roman" panose="02020603050405020304" pitchFamily="18" charset="0"/>
-              </a:rPr>
-              <a:t>nay</a:t>
-            </a:r>
-            <a:r>
-              <a:rPr lang="en-US" sz="2200" smtClean="0">
-                <a:latin typeface="Times New Roman" panose="02020603050405020304" pitchFamily="18" charset="0"/>
-                <a:cs typeface="Times New Roman" panose="02020603050405020304" pitchFamily="18" charset="0"/>
-              </a:rPr>
-              <a:t>, </a:t>
-            </a:r>
-            <a:r>
-              <a:rPr lang="en-US" sz="2200">
-                <a:latin typeface="Times New Roman" panose="02020603050405020304" pitchFamily="18" charset="0"/>
-                <a:cs typeface="Times New Roman" panose="02020603050405020304" pitchFamily="18" charset="0"/>
-              </a:rPr>
-              <a:t>các khách sạn phải trực tiếp tiếp nhận và quản lý một khối lượng khách hàng cả trong và </a:t>
-            </a:r>
-            <a:r>
-              <a:rPr lang="en-US" sz="2200" smtClean="0">
-                <a:latin typeface="Times New Roman" panose="02020603050405020304" pitchFamily="18" charset="0"/>
-                <a:cs typeface="Times New Roman" panose="02020603050405020304" pitchFamily="18" charset="0"/>
-              </a:rPr>
-              <a:t>ngoài. </a:t>
-            </a:r>
-            <a:r>
-              <a:rPr lang="en-US" sz="2200">
-                <a:latin typeface="Times New Roman" panose="02020603050405020304" pitchFamily="18" charset="0"/>
-                <a:cs typeface="Times New Roman" panose="02020603050405020304" pitchFamily="18" charset="0"/>
-              </a:rPr>
-              <a:t>Vì vậy, mà công việc quản lý hoạt động kinh doanh của khách sạn ngày càng phức tạp và gặp nhiếu khó khăn</a:t>
-            </a:r>
-            <a:r>
-              <a:rPr lang="en-US" sz="2200" smtClean="0">
-                <a:latin typeface="Times New Roman" panose="02020603050405020304" pitchFamily="18" charset="0"/>
-                <a:cs typeface="Times New Roman" panose="02020603050405020304" pitchFamily="18" charset="0"/>
-              </a:rPr>
-              <a:t>.</a:t>
-            </a:r>
-          </a:p>
-          <a:p>
-            <a:pPr algn="just">
-              <a:buFont typeface="Arial" panose="020B0604020202020204" pitchFamily="34" charset="0"/>
-              <a:buChar char="•"/>
-            </a:pPr>
-            <a:r>
-              <a:rPr lang="en-US" sz="2200" smtClean="0">
-                <a:latin typeface="Times New Roman" panose="02020603050405020304" pitchFamily="18" charset="0"/>
-                <a:cs typeface="Times New Roman" panose="02020603050405020304" pitchFamily="18" charset="0"/>
-              </a:rPr>
-              <a:t>Nhiều khách sạn vẫn còn sử lý theo phương pháp thủ công khiến </a:t>
-            </a:r>
-            <a:r>
-              <a:rPr lang="en-US" sz="2200">
-                <a:latin typeface="Times New Roman" panose="02020603050405020304" pitchFamily="18" charset="0"/>
-                <a:cs typeface="Times New Roman" panose="02020603050405020304" pitchFamily="18" charset="0"/>
-              </a:rPr>
-              <a:t>cho khối lượng sổ sách ngày càng </a:t>
-            </a:r>
-            <a:r>
-              <a:rPr lang="en-US" sz="2200" smtClean="0">
-                <a:latin typeface="Times New Roman" panose="02020603050405020304" pitchFamily="18" charset="0"/>
-                <a:cs typeface="Times New Roman" panose="02020603050405020304" pitchFamily="18" charset="0"/>
-              </a:rPr>
-              <a:t>nhiều, </a:t>
-            </a:r>
-            <a:r>
-              <a:rPr lang="en-US" sz="2200">
-                <a:latin typeface="Times New Roman" panose="02020603050405020304" pitchFamily="18" charset="0"/>
-                <a:cs typeface="Times New Roman" panose="02020603050405020304" pitchFamily="18" charset="0"/>
-              </a:rPr>
-              <a:t>gây khó khăn trong việc tìm kiếm thông tin khách hàng, tìm kiếm phòng, thống kê , báo cáo doanh </a:t>
-            </a:r>
-            <a:r>
-              <a:rPr lang="en-US" sz="2200" smtClean="0">
-                <a:latin typeface="Times New Roman" panose="02020603050405020304" pitchFamily="18" charset="0"/>
-                <a:cs typeface="Times New Roman" panose="02020603050405020304" pitchFamily="18" charset="0"/>
-              </a:rPr>
-              <a:t>thu.</a:t>
-            </a:r>
-          </a:p>
-          <a:p>
-            <a:pPr marL="0" indent="0" algn="just">
-              <a:buNone/>
-            </a:pPr>
-            <a:r>
-              <a:rPr lang="en-US" sz="2200" smtClean="0">
-                <a:latin typeface="Times New Roman" panose="02020603050405020304" pitchFamily="18" charset="0"/>
-                <a:cs typeface="Times New Roman" panose="02020603050405020304" pitchFamily="18" charset="0"/>
-              </a:rPr>
-              <a:t>                </a:t>
-            </a:r>
-            <a:r>
-              <a:rPr lang="en-US" sz="2200" b="1" i="1" smtClean="0">
-                <a:latin typeface="Times New Roman" panose="02020603050405020304" pitchFamily="18" charset="0"/>
-                <a:cs typeface="Times New Roman" panose="02020603050405020304" pitchFamily="18" charset="0"/>
-              </a:rPr>
-              <a:t>“Hệ thống quản lý khách sạn” </a:t>
-            </a:r>
-            <a:r>
-              <a:rPr lang="en-US" sz="2200">
-                <a:latin typeface="Times New Roman" panose="02020603050405020304" pitchFamily="18" charset="0"/>
-                <a:cs typeface="Times New Roman" panose="02020603050405020304" pitchFamily="18" charset="0"/>
-              </a:rPr>
-              <a:t>để quản lý thống nhất các hoạt động </a:t>
-            </a:r>
-            <a:r>
-              <a:rPr lang="en-US" sz="2200" smtClean="0">
-                <a:latin typeface="Times New Roman" panose="02020603050405020304" pitchFamily="18" charset="0"/>
-                <a:cs typeface="Times New Roman" panose="02020603050405020304" pitchFamily="18" charset="0"/>
-              </a:rPr>
-              <a:t>kinh </a:t>
-            </a:r>
-            <a:r>
-              <a:rPr lang="en-US" sz="2200">
-                <a:latin typeface="Times New Roman" panose="02020603050405020304" pitchFamily="18" charset="0"/>
-                <a:cs typeface="Times New Roman" panose="02020603050405020304" pitchFamily="18" charset="0"/>
-              </a:rPr>
-              <a:t>doanh của khách sạn, giúp khắc phục được những khó khăn trong </a:t>
-            </a:r>
-            <a:r>
-              <a:rPr lang="en-US" sz="2200" smtClean="0">
-                <a:latin typeface="Times New Roman" panose="02020603050405020304" pitchFamily="18" charset="0"/>
-                <a:cs typeface="Times New Roman" panose="02020603050405020304" pitchFamily="18" charset="0"/>
-              </a:rPr>
-              <a:t>công </a:t>
-            </a:r>
-            <a:r>
-              <a:rPr lang="en-US" sz="2200">
-                <a:latin typeface="Times New Roman" panose="02020603050405020304" pitchFamily="18" charset="0"/>
-                <a:cs typeface="Times New Roman" panose="02020603050405020304" pitchFamily="18" charset="0"/>
-              </a:rPr>
-              <a:t>tác quản lý và giảm nhẹ được lượng công việc cho người quản </a:t>
-            </a:r>
-            <a:r>
-              <a:rPr lang="en-US" sz="2200" smtClean="0">
-                <a:latin typeface="Times New Roman" panose="02020603050405020304" pitchFamily="18" charset="0"/>
-                <a:cs typeface="Times New Roman" panose="02020603050405020304" pitchFamily="18" charset="0"/>
-              </a:rPr>
-              <a:t>lý.</a:t>
-            </a:r>
-            <a:endParaRPr lang="en-US" sz="2200" b="1" i="1">
-              <a:latin typeface="Times New Roman" panose="02020603050405020304" pitchFamily="18" charset="0"/>
-              <a:cs typeface="Times New Roman" panose="02020603050405020304" pitchFamily="18" charset="0"/>
-            </a:endParaRPr>
-          </a:p>
-          <a:p>
-            <a:pPr marL="0" indent="0">
-              <a:buNone/>
-            </a:pPr>
-            <a:r>
-              <a:rPr lang="en-US" sz="2500" smtClean="0">
-                <a:latin typeface="Times New Roman" panose="02020603050405020304" pitchFamily="18" charset="0"/>
-                <a:cs typeface="Times New Roman" panose="02020603050405020304" pitchFamily="18" charset="0"/>
-              </a:rPr>
-              <a:t>	</a:t>
-            </a:r>
-            <a:endParaRPr lang="en-US" sz="2500">
+            <a:endParaRPr lang="en-US">
               <a:latin typeface="Times New Roman" panose="02020603050405020304" pitchFamily="18" charset="0"/>
               <a:cs typeface="Times New Roman" panose="02020603050405020304" pitchFamily="18" charset="0"/>
             </a:endParaRPr>
@@ -16182,33 +20285,204 @@
       </p:sp>
       <p:sp>
         <p:nvSpPr>
-          <p:cNvPr id="7" name="Mũi tên Phải 6"/>
+          <p:cNvPr id="46" name="Nổ 2 45"/>
           <p:cNvSpPr/>
           <p:nvPr/>
         </p:nvSpPr>
         <p:spPr>
           <a:xfrm>
-            <a:off x="3068595" y="4440195"/>
-            <a:ext cx="654908" cy="230660"/>
+            <a:off x="1134827" y="3312166"/>
+            <a:ext cx="3492137" cy="1828800"/>
           </a:xfrm>
-          <a:prstGeom prst="rightArrow">
+          <a:prstGeom prst="irregularSeal2">
             <a:avLst/>
           </a:prstGeom>
           <a:solidFill>
-            <a:srgbClr val="C00000"/>
+            <a:srgbClr val="92D050"/>
+          </a:solidFill>
+        </p:spPr>
+        <p:style>
+          <a:lnRef idx="0">
+            <a:schemeClr val="accent4"/>
+          </a:lnRef>
+          <a:fillRef idx="3">
+            <a:schemeClr val="accent4"/>
+          </a:fillRef>
+          <a:effectRef idx="3">
+            <a:schemeClr val="accent4"/>
+          </a:effectRef>
+          <a:fontRef idx="minor">
+            <a:schemeClr val="lt1"/>
+          </a:fontRef>
+        </p:style>
+        <p:txBody>
+          <a:bodyPr rtlCol="0" anchor="ctr"/>
+          <a:lstStyle/>
+          <a:p>
+            <a:pPr algn="ctr"/>
+            <a:r>
+              <a:rPr lang="en-US" sz="2200" smtClean="0">
+                <a:solidFill>
+                  <a:schemeClr val="tx1"/>
+                </a:solidFill>
+                <a:latin typeface="Times New Roman" panose="02020603050405020304" pitchFamily="18" charset="0"/>
+                <a:cs typeface="Times New Roman" panose="02020603050405020304" pitchFamily="18" charset="0"/>
+              </a:rPr>
+              <a:t>Người quản lý</a:t>
+            </a:r>
+            <a:endParaRPr lang="en-US" sz="2200">
+              <a:solidFill>
+                <a:schemeClr val="tx1"/>
+              </a:solidFill>
+              <a:latin typeface="Times New Roman" panose="02020603050405020304" pitchFamily="18" charset="0"/>
+              <a:cs typeface="Times New Roman" panose="02020603050405020304" pitchFamily="18" charset="0"/>
+            </a:endParaRPr>
+          </a:p>
+        </p:txBody>
+      </p:sp>
+      <p:sp>
+        <p:nvSpPr>
+          <p:cNvPr id="47" name="Nổ 2 46"/>
+          <p:cNvSpPr/>
+          <p:nvPr/>
+        </p:nvSpPr>
+        <p:spPr>
+          <a:xfrm>
+            <a:off x="4950929" y="4744361"/>
+            <a:ext cx="3492137" cy="1828800"/>
+          </a:xfrm>
+          <a:prstGeom prst="irregularSeal2">
+            <a:avLst/>
+          </a:prstGeom>
+          <a:solidFill>
+            <a:srgbClr val="92D050"/>
+          </a:solidFill>
+        </p:spPr>
+        <p:style>
+          <a:lnRef idx="0">
+            <a:schemeClr val="accent4"/>
+          </a:lnRef>
+          <a:fillRef idx="3">
+            <a:schemeClr val="accent4"/>
+          </a:fillRef>
+          <a:effectRef idx="3">
+            <a:schemeClr val="accent4"/>
+          </a:effectRef>
+          <a:fontRef idx="minor">
+            <a:schemeClr val="lt1"/>
+          </a:fontRef>
+        </p:style>
+        <p:txBody>
+          <a:bodyPr rtlCol="0" anchor="ctr"/>
+          <a:lstStyle/>
+          <a:p>
+            <a:pPr algn="ctr"/>
+            <a:r>
+              <a:rPr lang="en-US" sz="2200" smtClean="0">
+                <a:solidFill>
+                  <a:schemeClr val="tx1"/>
+                </a:solidFill>
+                <a:latin typeface="Times New Roman" panose="02020603050405020304" pitchFamily="18" charset="0"/>
+                <a:cs typeface="Times New Roman" panose="02020603050405020304" pitchFamily="18" charset="0"/>
+              </a:rPr>
+              <a:t>Nhân viên lễ tân</a:t>
+            </a:r>
+            <a:endParaRPr lang="en-US" sz="2200">
+              <a:solidFill>
+                <a:schemeClr val="tx1"/>
+              </a:solidFill>
+              <a:latin typeface="Times New Roman" panose="02020603050405020304" pitchFamily="18" charset="0"/>
+              <a:cs typeface="Times New Roman" panose="02020603050405020304" pitchFamily="18" charset="0"/>
+            </a:endParaRPr>
+          </a:p>
+        </p:txBody>
+      </p:sp>
+      <p:sp>
+        <p:nvSpPr>
+          <p:cNvPr id="48" name="Nổ 2 47"/>
+          <p:cNvSpPr/>
+          <p:nvPr/>
+        </p:nvSpPr>
+        <p:spPr>
+          <a:xfrm>
+            <a:off x="8510987" y="3311069"/>
+            <a:ext cx="3492137" cy="1828800"/>
+          </a:xfrm>
+          <a:prstGeom prst="irregularSeal2">
+            <a:avLst/>
+          </a:prstGeom>
+          <a:solidFill>
+            <a:srgbClr val="92D050"/>
+          </a:solidFill>
+        </p:spPr>
+        <p:style>
+          <a:lnRef idx="0">
+            <a:schemeClr val="accent4"/>
+          </a:lnRef>
+          <a:fillRef idx="3">
+            <a:schemeClr val="accent4"/>
+          </a:fillRef>
+          <a:effectRef idx="3">
+            <a:schemeClr val="accent4"/>
+          </a:effectRef>
+          <a:fontRef idx="minor">
+            <a:schemeClr val="lt1"/>
+          </a:fontRef>
+        </p:style>
+        <p:txBody>
+          <a:bodyPr rtlCol="0" anchor="ctr"/>
+          <a:lstStyle/>
+          <a:p>
+            <a:pPr algn="ctr"/>
+            <a:r>
+              <a:rPr lang="en-US" sz="2200" smtClean="0">
+                <a:solidFill>
+                  <a:schemeClr val="tx1"/>
+                </a:solidFill>
+                <a:latin typeface="Times New Roman" panose="02020603050405020304" pitchFamily="18" charset="0"/>
+                <a:cs typeface="Times New Roman" panose="02020603050405020304" pitchFamily="18" charset="0"/>
+              </a:rPr>
+              <a:t>Khách hàng</a:t>
+            </a:r>
+            <a:endParaRPr lang="en-US" sz="2200">
+              <a:solidFill>
+                <a:schemeClr val="tx1"/>
+              </a:solidFill>
+              <a:latin typeface="Times New Roman" panose="02020603050405020304" pitchFamily="18" charset="0"/>
+              <a:cs typeface="Times New Roman" panose="02020603050405020304" pitchFamily="18" charset="0"/>
+            </a:endParaRPr>
+          </a:p>
+        </p:txBody>
+      </p:sp>
+      <p:sp>
+        <p:nvSpPr>
+          <p:cNvPr id="49" name="Mũi tên Xuống 48"/>
+          <p:cNvSpPr/>
+          <p:nvPr/>
+        </p:nvSpPr>
+        <p:spPr>
+          <a:xfrm rot="3318745">
+            <a:off x="4437684" y="2973661"/>
+            <a:ext cx="290095" cy="877490"/>
+          </a:xfrm>
+          <a:prstGeom prst="downArrow">
+            <a:avLst/>
+          </a:prstGeom>
+          <a:solidFill>
+            <a:schemeClr val="tx1"/>
           </a:solidFill>
         </p:spPr>
         <p:style>
           <a:lnRef idx="2">
-            <a:schemeClr val="dk1">
+            <a:schemeClr val="accent1">
               <a:shade val="50000"/>
             </a:schemeClr>
           </a:lnRef>
           <a:fillRef idx="1">
-            <a:schemeClr val="dk1"/>
+            <a:schemeClr val="accent1"/>
           </a:fillRef>
           <a:effectRef idx="0">
-            <a:schemeClr val="dk1"/>
+            <a:schemeClr val="accent1"/>
           </a:effectRef>
           <a:fontRef idx="minor">
             <a:schemeClr val="lt1"/>
@@ -16223,23 +20497,163 @@
           </a:p>
         </p:txBody>
       </p:sp>
+      <p:sp>
+        <p:nvSpPr>
+          <p:cNvPr id="50" name="Mũi tên Xuống 49"/>
+          <p:cNvSpPr/>
+          <p:nvPr/>
+        </p:nvSpPr>
+        <p:spPr>
+          <a:xfrm rot="17977053">
+            <a:off x="8298467" y="2968630"/>
+            <a:ext cx="290095" cy="1003315"/>
+          </a:xfrm>
+          <a:prstGeom prst="downArrow">
+            <a:avLst/>
+          </a:prstGeom>
+          <a:solidFill>
+            <a:schemeClr val="tx1"/>
+          </a:solidFill>
+        </p:spPr>
+        <p:style>
+          <a:lnRef idx="2">
+            <a:schemeClr val="accent1">
+              <a:shade val="50000"/>
+            </a:schemeClr>
+          </a:lnRef>
+          <a:fillRef idx="1">
+            <a:schemeClr val="accent1"/>
+          </a:fillRef>
+          <a:effectRef idx="0">
+            <a:schemeClr val="accent1"/>
+          </a:effectRef>
+          <a:fontRef idx="minor">
+            <a:schemeClr val="lt1"/>
+          </a:fontRef>
+        </p:style>
+        <p:txBody>
+          <a:bodyPr rtlCol="0" anchor="ctr"/>
+          <a:lstStyle/>
+          <a:p>
+            <a:pPr algn="ctr"/>
+            <a:endParaRPr lang="en-US"/>
+          </a:p>
+        </p:txBody>
+      </p:sp>
+      <p:sp>
+        <p:nvSpPr>
+          <p:cNvPr id="51" name="Mũi tên Xuống 50"/>
+          <p:cNvSpPr/>
+          <p:nvPr/>
+        </p:nvSpPr>
+        <p:spPr>
+          <a:xfrm>
+            <a:off x="6406903" y="3605348"/>
+            <a:ext cx="290095" cy="967557"/>
+          </a:xfrm>
+          <a:prstGeom prst="downArrow">
+            <a:avLst/>
+          </a:prstGeom>
+          <a:solidFill>
+            <a:schemeClr val="tx1"/>
+          </a:solidFill>
+        </p:spPr>
+        <p:style>
+          <a:lnRef idx="2">
+            <a:schemeClr val="accent1">
+              <a:shade val="50000"/>
+            </a:schemeClr>
+          </a:lnRef>
+          <a:fillRef idx="1">
+            <a:schemeClr val="accent1"/>
+          </a:fillRef>
+          <a:effectRef idx="0">
+            <a:schemeClr val="accent1"/>
+          </a:effectRef>
+          <a:fontRef idx="minor">
+            <a:schemeClr val="lt1"/>
+          </a:fontRef>
+        </p:style>
+        <p:txBody>
+          <a:bodyPr rtlCol="0" anchor="ctr"/>
+          <a:lstStyle/>
+          <a:p>
+            <a:pPr algn="ctr"/>
+            <a:endParaRPr lang="en-US"/>
+          </a:p>
+        </p:txBody>
+      </p:sp>
+      <p:sp>
+        <p:nvSpPr>
+          <p:cNvPr id="53" name="Khung Chú Thích Hình Đám Mây 52"/>
+          <p:cNvSpPr/>
+          <p:nvPr/>
+        </p:nvSpPr>
+        <p:spPr>
+          <a:xfrm>
+            <a:off x="4698655" y="1679319"/>
+            <a:ext cx="3812332" cy="1689457"/>
+          </a:xfrm>
+          <a:prstGeom prst="cloudCallout">
+            <a:avLst/>
+          </a:prstGeom>
+        </p:spPr>
+        <p:style>
+          <a:lnRef idx="0">
+            <a:schemeClr val="accent1"/>
+          </a:lnRef>
+          <a:fillRef idx="3">
+            <a:schemeClr val="accent1"/>
+          </a:fillRef>
+          <a:effectRef idx="3">
+            <a:schemeClr val="accent1"/>
+          </a:effectRef>
+          <a:fontRef idx="minor">
+            <a:schemeClr val="lt1"/>
+          </a:fontRef>
+        </p:style>
+        <p:txBody>
+          <a:bodyPr rtlCol="0" anchor="ctr"/>
+          <a:lstStyle/>
+          <a:p>
+            <a:pPr algn="ctr"/>
+            <a:r>
+              <a:rPr lang="en-US" sz="2500" b="1">
+                <a:solidFill>
+                  <a:schemeClr val="bg1"/>
+                </a:solidFill>
+                <a:latin typeface="Times New Roman" panose="02020603050405020304" pitchFamily="18" charset="0"/>
+                <a:cs typeface="Times New Roman" panose="02020603050405020304" pitchFamily="18" charset="0"/>
+              </a:rPr>
+              <a:t>Tác nhân của hệ thống</a:t>
+            </a:r>
+            <a:endParaRPr lang="en-US" sz="2500" b="1">
+              <a:solidFill>
+                <a:schemeClr val="bg1"/>
+              </a:solidFill>
+              <a:latin typeface="Times New Roman" panose="02020603050405020304" pitchFamily="18" charset="0"/>
+              <a:cs typeface="Times New Roman" panose="02020603050405020304" pitchFamily="18" charset="0"/>
+            </a:endParaRPr>
+          </a:p>
+        </p:txBody>
+      </p:sp>
     </p:spTree>
     <p:extLst>
       <p:ext uri="{BB962C8B-B14F-4D97-AF65-F5344CB8AC3E}">
-        <p14:creationId xmlns:p14="http://schemas.microsoft.com/office/powerpoint/2010/main" val="3835287986"/>
+        <p14:creationId xmlns:p14="http://schemas.microsoft.com/office/powerpoint/2010/main" val="1621165943"/>
       </p:ext>
     </p:extLst>
   </p:cSld>
   <p:clrMapOvr>
     <a:masterClrMapping/>
   </p:clrMapOvr>
-  <mc:AlternateContent xmlns:mc="http://schemas.openxmlformats.org/markup-compatibility/2006" xmlns:p15="http://schemas.microsoft.com/office/powerpoint/2012/main">
-    <mc:Choice Requires="p15">
+  <mc:AlternateContent xmlns:mc="http://schemas.openxmlformats.org/markup-compatibility/2006">
+    <mc:Choice xmlns:p15="http://schemas.microsoft.com/office/powerpoint/2012/main" Requires="p15">
       <p:transition xmlns:p14="http://schemas.microsoft.com/office/powerpoint/2010/main" spd="slow" p14:dur="1250">
         <p15:prstTrans prst="peelOff"/>
       </p:transition>
     </mc:Choice>
-    <mc:Fallback xmlns="">
+    <mc:Fallback>
       <p:transition spd="slow">
         <p:fade/>
       </p:transition>
@@ -16248,14 +20662,807 @@
   <p:timing>
     <p:tnLst>
       <p:par>
-        <p:cTn id="1" dur="indefinite" restart="never" nodeType="tmRoot"/>
+        <p:cTn id="1" dur="indefinite" restart="never" nodeType="tmRoot">
+          <p:childTnLst>
+            <p:seq concurrent="1" nextAc="seek">
+              <p:cTn id="2" dur="indefinite" nodeType="mainSeq">
+                <p:childTnLst>
+                  <p:par>
+                    <p:cTn id="3" fill="hold">
+                      <p:stCondLst>
+                        <p:cond delay="indefinite"/>
+                      </p:stCondLst>
+                      <p:childTnLst>
+                        <p:par>
+                          <p:cTn id="4" fill="hold">
+                            <p:stCondLst>
+                              <p:cond delay="0"/>
+                            </p:stCondLst>
+                            <p:childTnLst>
+                              <p:par>
+                                <p:cTn id="5" presetID="31" presetClass="entr" presetSubtype="0" fill="hold" grpId="0" nodeType="clickEffect">
+                                  <p:stCondLst>
+                                    <p:cond delay="0"/>
+                                  </p:stCondLst>
+                                  <p:childTnLst>
+                                    <p:set>
+                                      <p:cBhvr>
+                                        <p:cTn id="6" dur="1" fill="hold">
+                                          <p:stCondLst>
+                                            <p:cond delay="0"/>
+                                          </p:stCondLst>
+                                        </p:cTn>
+                                        <p:tgtEl>
+                                          <p:spTgt spid="53"/>
+                                        </p:tgtEl>
+                                        <p:attrNameLst>
+                                          <p:attrName>style.visibility</p:attrName>
+                                        </p:attrNameLst>
+                                      </p:cBhvr>
+                                      <p:to>
+                                        <p:strVal val="visible"/>
+                                      </p:to>
+                                    </p:set>
+                                    <p:anim calcmode="lin" valueType="num">
+                                      <p:cBhvr>
+                                        <p:cTn id="7" dur="1000" fill="hold"/>
+                                        <p:tgtEl>
+                                          <p:spTgt spid="53"/>
+                                        </p:tgtEl>
+                                        <p:attrNameLst>
+                                          <p:attrName>ppt_w</p:attrName>
+                                        </p:attrNameLst>
+                                      </p:cBhvr>
+                                      <p:tavLst>
+                                        <p:tav tm="0">
+                                          <p:val>
+                                            <p:fltVal val="0"/>
+                                          </p:val>
+                                        </p:tav>
+                                        <p:tav tm="100000">
+                                          <p:val>
+                                            <p:strVal val="#ppt_w"/>
+                                          </p:val>
+                                        </p:tav>
+                                      </p:tavLst>
+                                    </p:anim>
+                                    <p:anim calcmode="lin" valueType="num">
+                                      <p:cBhvr>
+                                        <p:cTn id="8" dur="1000" fill="hold"/>
+                                        <p:tgtEl>
+                                          <p:spTgt spid="53"/>
+                                        </p:tgtEl>
+                                        <p:attrNameLst>
+                                          <p:attrName>ppt_h</p:attrName>
+                                        </p:attrNameLst>
+                                      </p:cBhvr>
+                                      <p:tavLst>
+                                        <p:tav tm="0">
+                                          <p:val>
+                                            <p:fltVal val="0"/>
+                                          </p:val>
+                                        </p:tav>
+                                        <p:tav tm="100000">
+                                          <p:val>
+                                            <p:strVal val="#ppt_h"/>
+                                          </p:val>
+                                        </p:tav>
+                                      </p:tavLst>
+                                    </p:anim>
+                                    <p:anim calcmode="lin" valueType="num">
+                                      <p:cBhvr>
+                                        <p:cTn id="9" dur="1000" fill="hold"/>
+                                        <p:tgtEl>
+                                          <p:spTgt spid="53"/>
+                                        </p:tgtEl>
+                                        <p:attrNameLst>
+                                          <p:attrName>style.rotation</p:attrName>
+                                        </p:attrNameLst>
+                                      </p:cBhvr>
+                                      <p:tavLst>
+                                        <p:tav tm="0">
+                                          <p:val>
+                                            <p:fltVal val="90"/>
+                                          </p:val>
+                                        </p:tav>
+                                        <p:tav tm="100000">
+                                          <p:val>
+                                            <p:fltVal val="0"/>
+                                          </p:val>
+                                        </p:tav>
+                                      </p:tavLst>
+                                    </p:anim>
+                                    <p:animEffect transition="in" filter="fade">
+                                      <p:cBhvr>
+                                        <p:cTn id="10" dur="1000"/>
+                                        <p:tgtEl>
+                                          <p:spTgt spid="53"/>
+                                        </p:tgtEl>
+                                      </p:cBhvr>
+                                    </p:animEffect>
+                                  </p:childTnLst>
+                                </p:cTn>
+                              </p:par>
+                            </p:childTnLst>
+                          </p:cTn>
+                        </p:par>
+                      </p:childTnLst>
+                    </p:cTn>
+                  </p:par>
+                  <p:par>
+                    <p:cTn id="11" fill="hold">
+                      <p:stCondLst>
+                        <p:cond delay="indefinite"/>
+                      </p:stCondLst>
+                      <p:childTnLst>
+                        <p:par>
+                          <p:cTn id="12" fill="hold">
+                            <p:stCondLst>
+                              <p:cond delay="0"/>
+                            </p:stCondLst>
+                            <p:childTnLst>
+                              <p:par>
+                                <p:cTn id="13" presetID="2" presetClass="entr" presetSubtype="4" fill="hold" grpId="0" nodeType="clickEffect">
+                                  <p:stCondLst>
+                                    <p:cond delay="0"/>
+                                  </p:stCondLst>
+                                  <p:childTnLst>
+                                    <p:set>
+                                      <p:cBhvr>
+                                        <p:cTn id="14" dur="1" fill="hold">
+                                          <p:stCondLst>
+                                            <p:cond delay="0"/>
+                                          </p:stCondLst>
+                                        </p:cTn>
+                                        <p:tgtEl>
+                                          <p:spTgt spid="49"/>
+                                        </p:tgtEl>
+                                        <p:attrNameLst>
+                                          <p:attrName>style.visibility</p:attrName>
+                                        </p:attrNameLst>
+                                      </p:cBhvr>
+                                      <p:to>
+                                        <p:strVal val="visible"/>
+                                      </p:to>
+                                    </p:set>
+                                    <p:anim calcmode="lin" valueType="num">
+                                      <p:cBhvr additive="base">
+                                        <p:cTn id="15" dur="500" fill="hold"/>
+                                        <p:tgtEl>
+                                          <p:spTgt spid="49"/>
+                                        </p:tgtEl>
+                                        <p:attrNameLst>
+                                          <p:attrName>ppt_x</p:attrName>
+                                        </p:attrNameLst>
+                                      </p:cBhvr>
+                                      <p:tavLst>
+                                        <p:tav tm="0">
+                                          <p:val>
+                                            <p:strVal val="#ppt_x"/>
+                                          </p:val>
+                                        </p:tav>
+                                        <p:tav tm="100000">
+                                          <p:val>
+                                            <p:strVal val="#ppt_x"/>
+                                          </p:val>
+                                        </p:tav>
+                                      </p:tavLst>
+                                    </p:anim>
+                                    <p:anim calcmode="lin" valueType="num">
+                                      <p:cBhvr additive="base">
+                                        <p:cTn id="16" dur="500" fill="hold"/>
+                                        <p:tgtEl>
+                                          <p:spTgt spid="49"/>
+                                        </p:tgtEl>
+                                        <p:attrNameLst>
+                                          <p:attrName>ppt_y</p:attrName>
+                                        </p:attrNameLst>
+                                      </p:cBhvr>
+                                      <p:tavLst>
+                                        <p:tav tm="0">
+                                          <p:val>
+                                            <p:strVal val="1+#ppt_h/2"/>
+                                          </p:val>
+                                        </p:tav>
+                                        <p:tav tm="100000">
+                                          <p:val>
+                                            <p:strVal val="#ppt_y"/>
+                                          </p:val>
+                                        </p:tav>
+                                      </p:tavLst>
+                                    </p:anim>
+                                  </p:childTnLst>
+                                </p:cTn>
+                              </p:par>
+                            </p:childTnLst>
+                          </p:cTn>
+                        </p:par>
+                      </p:childTnLst>
+                    </p:cTn>
+                  </p:par>
+                  <p:par>
+                    <p:cTn id="17" fill="hold">
+                      <p:stCondLst>
+                        <p:cond delay="indefinite"/>
+                      </p:stCondLst>
+                      <p:childTnLst>
+                        <p:par>
+                          <p:cTn id="18" fill="hold">
+                            <p:stCondLst>
+                              <p:cond delay="0"/>
+                            </p:stCondLst>
+                            <p:childTnLst>
+                              <p:par>
+                                <p:cTn id="19" presetID="31" presetClass="entr" presetSubtype="0" fill="hold" grpId="0" nodeType="clickEffect">
+                                  <p:stCondLst>
+                                    <p:cond delay="0"/>
+                                  </p:stCondLst>
+                                  <p:childTnLst>
+                                    <p:set>
+                                      <p:cBhvr>
+                                        <p:cTn id="20" dur="1" fill="hold">
+                                          <p:stCondLst>
+                                            <p:cond delay="0"/>
+                                          </p:stCondLst>
+                                        </p:cTn>
+                                        <p:tgtEl>
+                                          <p:spTgt spid="46"/>
+                                        </p:tgtEl>
+                                        <p:attrNameLst>
+                                          <p:attrName>style.visibility</p:attrName>
+                                        </p:attrNameLst>
+                                      </p:cBhvr>
+                                      <p:to>
+                                        <p:strVal val="visible"/>
+                                      </p:to>
+                                    </p:set>
+                                    <p:anim calcmode="lin" valueType="num">
+                                      <p:cBhvr>
+                                        <p:cTn id="21" dur="1000" fill="hold"/>
+                                        <p:tgtEl>
+                                          <p:spTgt spid="46"/>
+                                        </p:tgtEl>
+                                        <p:attrNameLst>
+                                          <p:attrName>ppt_w</p:attrName>
+                                        </p:attrNameLst>
+                                      </p:cBhvr>
+                                      <p:tavLst>
+                                        <p:tav tm="0">
+                                          <p:val>
+                                            <p:fltVal val="0"/>
+                                          </p:val>
+                                        </p:tav>
+                                        <p:tav tm="100000">
+                                          <p:val>
+                                            <p:strVal val="#ppt_w"/>
+                                          </p:val>
+                                        </p:tav>
+                                      </p:tavLst>
+                                    </p:anim>
+                                    <p:anim calcmode="lin" valueType="num">
+                                      <p:cBhvr>
+                                        <p:cTn id="22" dur="1000" fill="hold"/>
+                                        <p:tgtEl>
+                                          <p:spTgt spid="46"/>
+                                        </p:tgtEl>
+                                        <p:attrNameLst>
+                                          <p:attrName>ppt_h</p:attrName>
+                                        </p:attrNameLst>
+                                      </p:cBhvr>
+                                      <p:tavLst>
+                                        <p:tav tm="0">
+                                          <p:val>
+                                            <p:fltVal val="0"/>
+                                          </p:val>
+                                        </p:tav>
+                                        <p:tav tm="100000">
+                                          <p:val>
+                                            <p:strVal val="#ppt_h"/>
+                                          </p:val>
+                                        </p:tav>
+                                      </p:tavLst>
+                                    </p:anim>
+                                    <p:anim calcmode="lin" valueType="num">
+                                      <p:cBhvr>
+                                        <p:cTn id="23" dur="1000" fill="hold"/>
+                                        <p:tgtEl>
+                                          <p:spTgt spid="46"/>
+                                        </p:tgtEl>
+                                        <p:attrNameLst>
+                                          <p:attrName>style.rotation</p:attrName>
+                                        </p:attrNameLst>
+                                      </p:cBhvr>
+                                      <p:tavLst>
+                                        <p:tav tm="0">
+                                          <p:val>
+                                            <p:fltVal val="90"/>
+                                          </p:val>
+                                        </p:tav>
+                                        <p:tav tm="100000">
+                                          <p:val>
+                                            <p:fltVal val="0"/>
+                                          </p:val>
+                                        </p:tav>
+                                      </p:tavLst>
+                                    </p:anim>
+                                    <p:animEffect transition="in" filter="fade">
+                                      <p:cBhvr>
+                                        <p:cTn id="24" dur="1000"/>
+                                        <p:tgtEl>
+                                          <p:spTgt spid="46"/>
+                                        </p:tgtEl>
+                                      </p:cBhvr>
+                                    </p:animEffect>
+                                  </p:childTnLst>
+                                </p:cTn>
+                              </p:par>
+                            </p:childTnLst>
+                          </p:cTn>
+                        </p:par>
+                      </p:childTnLst>
+                    </p:cTn>
+                  </p:par>
+                  <p:par>
+                    <p:cTn id="25" fill="hold">
+                      <p:stCondLst>
+                        <p:cond delay="indefinite"/>
+                      </p:stCondLst>
+                      <p:childTnLst>
+                        <p:par>
+                          <p:cTn id="26" fill="hold">
+                            <p:stCondLst>
+                              <p:cond delay="0"/>
+                            </p:stCondLst>
+                            <p:childTnLst>
+                              <p:par>
+                                <p:cTn id="27" presetID="2" presetClass="entr" presetSubtype="4" fill="hold" grpId="0" nodeType="clickEffect">
+                                  <p:stCondLst>
+                                    <p:cond delay="0"/>
+                                  </p:stCondLst>
+                                  <p:childTnLst>
+                                    <p:set>
+                                      <p:cBhvr>
+                                        <p:cTn id="28" dur="1" fill="hold">
+                                          <p:stCondLst>
+                                            <p:cond delay="0"/>
+                                          </p:stCondLst>
+                                        </p:cTn>
+                                        <p:tgtEl>
+                                          <p:spTgt spid="51"/>
+                                        </p:tgtEl>
+                                        <p:attrNameLst>
+                                          <p:attrName>style.visibility</p:attrName>
+                                        </p:attrNameLst>
+                                      </p:cBhvr>
+                                      <p:to>
+                                        <p:strVal val="visible"/>
+                                      </p:to>
+                                    </p:set>
+                                    <p:anim calcmode="lin" valueType="num">
+                                      <p:cBhvr additive="base">
+                                        <p:cTn id="29" dur="500" fill="hold"/>
+                                        <p:tgtEl>
+                                          <p:spTgt spid="51"/>
+                                        </p:tgtEl>
+                                        <p:attrNameLst>
+                                          <p:attrName>ppt_x</p:attrName>
+                                        </p:attrNameLst>
+                                      </p:cBhvr>
+                                      <p:tavLst>
+                                        <p:tav tm="0">
+                                          <p:val>
+                                            <p:strVal val="#ppt_x"/>
+                                          </p:val>
+                                        </p:tav>
+                                        <p:tav tm="100000">
+                                          <p:val>
+                                            <p:strVal val="#ppt_x"/>
+                                          </p:val>
+                                        </p:tav>
+                                      </p:tavLst>
+                                    </p:anim>
+                                    <p:anim calcmode="lin" valueType="num">
+                                      <p:cBhvr additive="base">
+                                        <p:cTn id="30" dur="500" fill="hold"/>
+                                        <p:tgtEl>
+                                          <p:spTgt spid="51"/>
+                                        </p:tgtEl>
+                                        <p:attrNameLst>
+                                          <p:attrName>ppt_y</p:attrName>
+                                        </p:attrNameLst>
+                                      </p:cBhvr>
+                                      <p:tavLst>
+                                        <p:tav tm="0">
+                                          <p:val>
+                                            <p:strVal val="1+#ppt_h/2"/>
+                                          </p:val>
+                                        </p:tav>
+                                        <p:tav tm="100000">
+                                          <p:val>
+                                            <p:strVal val="#ppt_y"/>
+                                          </p:val>
+                                        </p:tav>
+                                      </p:tavLst>
+                                    </p:anim>
+                                  </p:childTnLst>
+                                </p:cTn>
+                              </p:par>
+                            </p:childTnLst>
+                          </p:cTn>
+                        </p:par>
+                      </p:childTnLst>
+                    </p:cTn>
+                  </p:par>
+                  <p:par>
+                    <p:cTn id="31" fill="hold">
+                      <p:stCondLst>
+                        <p:cond delay="indefinite"/>
+                      </p:stCondLst>
+                      <p:childTnLst>
+                        <p:par>
+                          <p:cTn id="32" fill="hold">
+                            <p:stCondLst>
+                              <p:cond delay="0"/>
+                            </p:stCondLst>
+                            <p:childTnLst>
+                              <p:par>
+                                <p:cTn id="33" presetID="31" presetClass="entr" presetSubtype="0" fill="hold" grpId="0" nodeType="clickEffect">
+                                  <p:stCondLst>
+                                    <p:cond delay="0"/>
+                                  </p:stCondLst>
+                                  <p:childTnLst>
+                                    <p:set>
+                                      <p:cBhvr>
+                                        <p:cTn id="34" dur="1" fill="hold">
+                                          <p:stCondLst>
+                                            <p:cond delay="0"/>
+                                          </p:stCondLst>
+                                        </p:cTn>
+                                        <p:tgtEl>
+                                          <p:spTgt spid="47"/>
+                                        </p:tgtEl>
+                                        <p:attrNameLst>
+                                          <p:attrName>style.visibility</p:attrName>
+                                        </p:attrNameLst>
+                                      </p:cBhvr>
+                                      <p:to>
+                                        <p:strVal val="visible"/>
+                                      </p:to>
+                                    </p:set>
+                                    <p:anim calcmode="lin" valueType="num">
+                                      <p:cBhvr>
+                                        <p:cTn id="35" dur="1000" fill="hold"/>
+                                        <p:tgtEl>
+                                          <p:spTgt spid="47"/>
+                                        </p:tgtEl>
+                                        <p:attrNameLst>
+                                          <p:attrName>ppt_w</p:attrName>
+                                        </p:attrNameLst>
+                                      </p:cBhvr>
+                                      <p:tavLst>
+                                        <p:tav tm="0">
+                                          <p:val>
+                                            <p:fltVal val="0"/>
+                                          </p:val>
+                                        </p:tav>
+                                        <p:tav tm="100000">
+                                          <p:val>
+                                            <p:strVal val="#ppt_w"/>
+                                          </p:val>
+                                        </p:tav>
+                                      </p:tavLst>
+                                    </p:anim>
+                                    <p:anim calcmode="lin" valueType="num">
+                                      <p:cBhvr>
+                                        <p:cTn id="36" dur="1000" fill="hold"/>
+                                        <p:tgtEl>
+                                          <p:spTgt spid="47"/>
+                                        </p:tgtEl>
+                                        <p:attrNameLst>
+                                          <p:attrName>ppt_h</p:attrName>
+                                        </p:attrNameLst>
+                                      </p:cBhvr>
+                                      <p:tavLst>
+                                        <p:tav tm="0">
+                                          <p:val>
+                                            <p:fltVal val="0"/>
+                                          </p:val>
+                                        </p:tav>
+                                        <p:tav tm="100000">
+                                          <p:val>
+                                            <p:strVal val="#ppt_h"/>
+                                          </p:val>
+                                        </p:tav>
+                                      </p:tavLst>
+                                    </p:anim>
+                                    <p:anim calcmode="lin" valueType="num">
+                                      <p:cBhvr>
+                                        <p:cTn id="37" dur="1000" fill="hold"/>
+                                        <p:tgtEl>
+                                          <p:spTgt spid="47"/>
+                                        </p:tgtEl>
+                                        <p:attrNameLst>
+                                          <p:attrName>style.rotation</p:attrName>
+                                        </p:attrNameLst>
+                                      </p:cBhvr>
+                                      <p:tavLst>
+                                        <p:tav tm="0">
+                                          <p:val>
+                                            <p:fltVal val="90"/>
+                                          </p:val>
+                                        </p:tav>
+                                        <p:tav tm="100000">
+                                          <p:val>
+                                            <p:fltVal val="0"/>
+                                          </p:val>
+                                        </p:tav>
+                                      </p:tavLst>
+                                    </p:anim>
+                                    <p:animEffect transition="in" filter="fade">
+                                      <p:cBhvr>
+                                        <p:cTn id="38" dur="1000"/>
+                                        <p:tgtEl>
+                                          <p:spTgt spid="47"/>
+                                        </p:tgtEl>
+                                      </p:cBhvr>
+                                    </p:animEffect>
+                                  </p:childTnLst>
+                                </p:cTn>
+                              </p:par>
+                            </p:childTnLst>
+                          </p:cTn>
+                        </p:par>
+                      </p:childTnLst>
+                    </p:cTn>
+                  </p:par>
+                  <p:par>
+                    <p:cTn id="39" fill="hold">
+                      <p:stCondLst>
+                        <p:cond delay="indefinite"/>
+                      </p:stCondLst>
+                      <p:childTnLst>
+                        <p:par>
+                          <p:cTn id="40" fill="hold">
+                            <p:stCondLst>
+                              <p:cond delay="0"/>
+                            </p:stCondLst>
+                            <p:childTnLst>
+                              <p:par>
+                                <p:cTn id="41" presetID="2" presetClass="entr" presetSubtype="4" fill="hold" grpId="0" nodeType="clickEffect">
+                                  <p:stCondLst>
+                                    <p:cond delay="0"/>
+                                  </p:stCondLst>
+                                  <p:childTnLst>
+                                    <p:set>
+                                      <p:cBhvr>
+                                        <p:cTn id="42" dur="1" fill="hold">
+                                          <p:stCondLst>
+                                            <p:cond delay="0"/>
+                                          </p:stCondLst>
+                                        </p:cTn>
+                                        <p:tgtEl>
+                                          <p:spTgt spid="50"/>
+                                        </p:tgtEl>
+                                        <p:attrNameLst>
+                                          <p:attrName>style.visibility</p:attrName>
+                                        </p:attrNameLst>
+                                      </p:cBhvr>
+                                      <p:to>
+                                        <p:strVal val="visible"/>
+                                      </p:to>
+                                    </p:set>
+                                    <p:anim calcmode="lin" valueType="num">
+                                      <p:cBhvr additive="base">
+                                        <p:cTn id="43" dur="500" fill="hold"/>
+                                        <p:tgtEl>
+                                          <p:spTgt spid="50"/>
+                                        </p:tgtEl>
+                                        <p:attrNameLst>
+                                          <p:attrName>ppt_x</p:attrName>
+                                        </p:attrNameLst>
+                                      </p:cBhvr>
+                                      <p:tavLst>
+                                        <p:tav tm="0">
+                                          <p:val>
+                                            <p:strVal val="#ppt_x"/>
+                                          </p:val>
+                                        </p:tav>
+                                        <p:tav tm="100000">
+                                          <p:val>
+                                            <p:strVal val="#ppt_x"/>
+                                          </p:val>
+                                        </p:tav>
+                                      </p:tavLst>
+                                    </p:anim>
+                                    <p:anim calcmode="lin" valueType="num">
+                                      <p:cBhvr additive="base">
+                                        <p:cTn id="44" dur="500" fill="hold"/>
+                                        <p:tgtEl>
+                                          <p:spTgt spid="50"/>
+                                        </p:tgtEl>
+                                        <p:attrNameLst>
+                                          <p:attrName>ppt_y</p:attrName>
+                                        </p:attrNameLst>
+                                      </p:cBhvr>
+                                      <p:tavLst>
+                                        <p:tav tm="0">
+                                          <p:val>
+                                            <p:strVal val="1+#ppt_h/2"/>
+                                          </p:val>
+                                        </p:tav>
+                                        <p:tav tm="100000">
+                                          <p:val>
+                                            <p:strVal val="#ppt_y"/>
+                                          </p:val>
+                                        </p:tav>
+                                      </p:tavLst>
+                                    </p:anim>
+                                  </p:childTnLst>
+                                </p:cTn>
+                              </p:par>
+                            </p:childTnLst>
+                          </p:cTn>
+                        </p:par>
+                      </p:childTnLst>
+                    </p:cTn>
+                  </p:par>
+                  <p:par>
+                    <p:cTn id="45" fill="hold">
+                      <p:stCondLst>
+                        <p:cond delay="indefinite"/>
+                      </p:stCondLst>
+                      <p:childTnLst>
+                        <p:par>
+                          <p:cTn id="46" fill="hold">
+                            <p:stCondLst>
+                              <p:cond delay="0"/>
+                            </p:stCondLst>
+                            <p:childTnLst>
+                              <p:par>
+                                <p:cTn id="47" presetID="31" presetClass="entr" presetSubtype="0" fill="hold" grpId="0" nodeType="clickEffect">
+                                  <p:stCondLst>
+                                    <p:cond delay="0"/>
+                                  </p:stCondLst>
+                                  <p:childTnLst>
+                                    <p:set>
+                                      <p:cBhvr>
+                                        <p:cTn id="48" dur="1" fill="hold">
+                                          <p:stCondLst>
+                                            <p:cond delay="0"/>
+                                          </p:stCondLst>
+                                        </p:cTn>
+                                        <p:tgtEl>
+                                          <p:spTgt spid="48"/>
+                                        </p:tgtEl>
+                                        <p:attrNameLst>
+                                          <p:attrName>style.visibility</p:attrName>
+                                        </p:attrNameLst>
+                                      </p:cBhvr>
+                                      <p:to>
+                                        <p:strVal val="visible"/>
+                                      </p:to>
+                                    </p:set>
+                                    <p:anim calcmode="lin" valueType="num">
+                                      <p:cBhvr>
+                                        <p:cTn id="49" dur="1000" fill="hold"/>
+                                        <p:tgtEl>
+                                          <p:spTgt spid="48"/>
+                                        </p:tgtEl>
+                                        <p:attrNameLst>
+                                          <p:attrName>ppt_w</p:attrName>
+                                        </p:attrNameLst>
+                                      </p:cBhvr>
+                                      <p:tavLst>
+                                        <p:tav tm="0">
+                                          <p:val>
+                                            <p:fltVal val="0"/>
+                                          </p:val>
+                                        </p:tav>
+                                        <p:tav tm="100000">
+                                          <p:val>
+                                            <p:strVal val="#ppt_w"/>
+                                          </p:val>
+                                        </p:tav>
+                                      </p:tavLst>
+                                    </p:anim>
+                                    <p:anim calcmode="lin" valueType="num">
+                                      <p:cBhvr>
+                                        <p:cTn id="50" dur="1000" fill="hold"/>
+                                        <p:tgtEl>
+                                          <p:spTgt spid="48"/>
+                                        </p:tgtEl>
+                                        <p:attrNameLst>
+                                          <p:attrName>ppt_h</p:attrName>
+                                        </p:attrNameLst>
+                                      </p:cBhvr>
+                                      <p:tavLst>
+                                        <p:tav tm="0">
+                                          <p:val>
+                                            <p:fltVal val="0"/>
+                                          </p:val>
+                                        </p:tav>
+                                        <p:tav tm="100000">
+                                          <p:val>
+                                            <p:strVal val="#ppt_h"/>
+                                          </p:val>
+                                        </p:tav>
+                                      </p:tavLst>
+                                    </p:anim>
+                                    <p:anim calcmode="lin" valueType="num">
+                                      <p:cBhvr>
+                                        <p:cTn id="51" dur="1000" fill="hold"/>
+                                        <p:tgtEl>
+                                          <p:spTgt spid="48"/>
+                                        </p:tgtEl>
+                                        <p:attrNameLst>
+                                          <p:attrName>style.rotation</p:attrName>
+                                        </p:attrNameLst>
+                                      </p:cBhvr>
+                                      <p:tavLst>
+                                        <p:tav tm="0">
+                                          <p:val>
+                                            <p:fltVal val="90"/>
+                                          </p:val>
+                                        </p:tav>
+                                        <p:tav tm="100000">
+                                          <p:val>
+                                            <p:fltVal val="0"/>
+                                          </p:val>
+                                        </p:tav>
+                                      </p:tavLst>
+                                    </p:anim>
+                                    <p:animEffect transition="in" filter="fade">
+                                      <p:cBhvr>
+                                        <p:cTn id="52" dur="1000"/>
+                                        <p:tgtEl>
+                                          <p:spTgt spid="48"/>
+                                        </p:tgtEl>
+                                      </p:cBhvr>
+                                    </p:animEffect>
+                                  </p:childTnLst>
+                                </p:cTn>
+                              </p:par>
+                            </p:childTnLst>
+                          </p:cTn>
+                        </p:par>
+                      </p:childTnLst>
+                    </p:cTn>
+                  </p:par>
+                </p:childTnLst>
+              </p:cTn>
+              <p:prevCondLst>
+                <p:cond evt="onPrev" delay="0">
+                  <p:tgtEl>
+                    <p:sldTgt/>
+                  </p:tgtEl>
+                </p:cond>
+              </p:prevCondLst>
+              <p:nextCondLst>
+                <p:cond evt="onNext" delay="0">
+                  <p:tgtEl>
+                    <p:sldTgt/>
+                  </p:tgtEl>
+                </p:cond>
+              </p:nextCondLst>
+            </p:seq>
+          </p:childTnLst>
+        </p:cTn>
       </p:par>
     </p:tnLst>
+    <p:bldLst>
+      <p:bldP spid="46" grpId="0" animBg="1"/>
+      <p:bldP spid="47" grpId="0" animBg="1"/>
+      <p:bldP spid="48" grpId="0" animBg="1"/>
+      <p:bldP spid="49" grpId="0" animBg="1"/>
+      <p:bldP spid="50" grpId="0" animBg="1"/>
+      <p:bldP spid="51" grpId="0" animBg="1"/>
+      <p:bldP spid="53" grpId="0" animBg="1"/>
+    </p:bldLst>
   </p:timing>
 </p:sld>
 </file>
 
-<file path=ppt/slides/slide4.xml><?xml version="1.0" encoding="utf-8"?>
+<file path=ppt/slides/slide5.xml><?xml version="1.0" encoding="utf-8"?>
 <p:sld xmlns:a="http://schemas.openxmlformats.org/drawingml/2006/main" xmlns:r="http://schemas.openxmlformats.org/officeDocument/2006/relationships" xmlns:p="http://schemas.openxmlformats.org/presentationml/2006/main">
   <p:cSld>
     <p:spTree>
@@ -16511,7 +21718,7 @@
 </p:sld>
 </file>
 
-<file path=ppt/slides/slide5.xml><?xml version="1.0" encoding="utf-8"?>
+<file path=ppt/slides/slide6.xml><?xml version="1.0" encoding="utf-8"?>
 <p:sld xmlns:a="http://schemas.openxmlformats.org/drawingml/2006/main" xmlns:r="http://schemas.openxmlformats.org/officeDocument/2006/relationships" xmlns:p="http://schemas.openxmlformats.org/presentationml/2006/main">
   <p:cSld>
     <p:spTree>
@@ -16540,7 +21747,7 @@
         </p:nvSpPr>
         <p:spPr>
           <a:xfrm>
-            <a:off x="2152607" y="294597"/>
+            <a:off x="2309361" y="460059"/>
             <a:ext cx="8911687" cy="702182"/>
           </a:xfrm>
         </p:spPr>
@@ -16598,8 +21805,8 @@
         </p:nvSpPr>
         <p:spPr>
           <a:xfrm>
-            <a:off x="2152607" y="996779"/>
-            <a:ext cx="8911687" cy="815545"/>
+            <a:off x="2309361" y="1371247"/>
+            <a:ext cx="8132216" cy="815545"/>
           </a:xfrm>
         </p:spPr>
         <p:txBody>
@@ -16610,7 +21817,7 @@
           <a:p>
             <a:pPr>
               <a:buFont typeface="Wingdings" panose="05000000000000000000" pitchFamily="2" charset="2"/>
-              <a:buChar char="v"/>
+              <a:buChar char="Ø"/>
             </a:pPr>
             <a:r>
               <a:rPr lang="en-US" sz="3600">
@@ -16656,14 +21863,14 @@
           <p:nvPr>
             <p:extLst>
               <p:ext uri="{D42A27DB-BD31-4B8C-83A1-F6EECF244321}">
-                <p14:modId xmlns:p14="http://schemas.microsoft.com/office/powerpoint/2010/main" val="1626024987"/>
+                <p14:modId xmlns:p14="http://schemas.microsoft.com/office/powerpoint/2010/main" val="2735749310"/>
               </p:ext>
             </p:extLst>
           </p:nvPr>
         </p:nvGraphicFramePr>
         <p:xfrm>
-          <a:off x="2638639" y="1764863"/>
-          <a:ext cx="7430529" cy="4967417"/>
+          <a:off x="2560263" y="2192912"/>
+          <a:ext cx="7384926" cy="4657321"/>
         </p:xfrm>
         <a:graphic>
           <a:graphicData uri="http://schemas.openxmlformats.org/drawingml/2006/diagram">
@@ -16714,7 +21921,7 @@
                             </p:stCondLst>
                             <p:childTnLst>
                               <p:par>
-                                <p:cTn id="5" presetID="6" presetClass="entr" presetSubtype="16" fill="hold" grpId="0" nodeType="clickEffect">
+                                <p:cTn id="5" presetID="42" presetClass="entr" presetSubtype="0" fill="hold" grpId="0" nodeType="clickEffect">
                                   <p:stCondLst>
                                     <p:cond delay="0"/>
                                   </p:stCondLst>
@@ -16722,6 +21929,121 @@
                                     <p:set>
                                       <p:cBhvr>
                                         <p:cTn id="6" dur="1" fill="hold">
+                                          <p:stCondLst>
+                                            <p:cond delay="0"/>
+                                          </p:stCondLst>
+                                        </p:cTn>
+                                        <p:tgtEl>
+                                          <p:spTgt spid="3">
+                                            <p:txEl>
+                                              <p:pRg st="0" end="0"/>
+                                            </p:txEl>
+                                          </p:spTgt>
+                                        </p:tgtEl>
+                                        <p:attrNameLst>
+                                          <p:attrName>style.visibility</p:attrName>
+                                        </p:attrNameLst>
+                                      </p:cBhvr>
+                                      <p:to>
+                                        <p:strVal val="visible"/>
+                                      </p:to>
+                                    </p:set>
+                                    <p:animEffect transition="in" filter="fade">
+                                      <p:cBhvr>
+                                        <p:cTn id="7" dur="1000"/>
+                                        <p:tgtEl>
+                                          <p:spTgt spid="3">
+                                            <p:txEl>
+                                              <p:pRg st="0" end="0"/>
+                                            </p:txEl>
+                                          </p:spTgt>
+                                        </p:tgtEl>
+                                      </p:cBhvr>
+                                    </p:animEffect>
+                                    <p:anim calcmode="lin" valueType="num">
+                                      <p:cBhvr>
+                                        <p:cTn id="8" dur="1000" fill="hold"/>
+                                        <p:tgtEl>
+                                          <p:spTgt spid="3">
+                                            <p:txEl>
+                                              <p:pRg st="0" end="0"/>
+                                            </p:txEl>
+                                          </p:spTgt>
+                                        </p:tgtEl>
+                                        <p:attrNameLst>
+                                          <p:attrName>ppt_x</p:attrName>
+                                        </p:attrNameLst>
+                                      </p:cBhvr>
+                                      <p:tavLst>
+                                        <p:tav tm="0">
+                                          <p:val>
+                                            <p:strVal val="#ppt_x"/>
+                                          </p:val>
+                                        </p:tav>
+                                        <p:tav tm="100000">
+                                          <p:val>
+                                            <p:strVal val="#ppt_x"/>
+                                          </p:val>
+                                        </p:tav>
+                                      </p:tavLst>
+                                    </p:anim>
+                                    <p:anim calcmode="lin" valueType="num">
+                                      <p:cBhvr>
+                                        <p:cTn id="9" dur="1000" fill="hold"/>
+                                        <p:tgtEl>
+                                          <p:spTgt spid="3">
+                                            <p:txEl>
+                                              <p:pRg st="0" end="0"/>
+                                            </p:txEl>
+                                          </p:spTgt>
+                                        </p:tgtEl>
+                                        <p:attrNameLst>
+                                          <p:attrName>ppt_y</p:attrName>
+                                        </p:attrNameLst>
+                                      </p:cBhvr>
+                                      <p:tavLst>
+                                        <p:tav tm="0">
+                                          <p:val>
+                                            <p:strVal val="#ppt_y+.1"/>
+                                          </p:val>
+                                        </p:tav>
+                                        <p:tav tm="100000">
+                                          <p:val>
+                                            <p:strVal val="#ppt_y"/>
+                                          </p:val>
+                                        </p:tav>
+                                      </p:tavLst>
+                                    </p:anim>
+                                  </p:childTnLst>
+                                </p:cTn>
+                              </p:par>
+                            </p:childTnLst>
+                          </p:cTn>
+                        </p:par>
+                      </p:childTnLst>
+                    </p:cTn>
+                  </p:par>
+                  <p:par>
+                    <p:cTn id="10" fill="hold">
+                      <p:stCondLst>
+                        <p:cond delay="indefinite"/>
+                      </p:stCondLst>
+                      <p:childTnLst>
+                        <p:par>
+                          <p:cTn id="11" fill="hold">
+                            <p:stCondLst>
+                              <p:cond delay="0"/>
+                            </p:stCondLst>
+                            <p:childTnLst>
+                              <p:par>
+                                <p:cTn id="12" presetID="31" presetClass="entr" presetSubtype="0" fill="hold" grpId="0" nodeType="clickEffect">
+                                  <p:stCondLst>
+                                    <p:cond delay="0"/>
+                                  </p:stCondLst>
+                                  <p:childTnLst>
+                                    <p:set>
+                                      <p:cBhvr>
+                                        <p:cTn id="13" dur="1" fill="hold">
                                           <p:stCondLst>
                                             <p:cond delay="0"/>
                                           </p:stCondLst>
@@ -16737,9 +22059,78 @@
                                         <p:strVal val="visible"/>
                                       </p:to>
                                     </p:set>
-                                    <p:animEffect transition="in" filter="circle(in)">
+                                    <p:anim calcmode="lin" valueType="num">
                                       <p:cBhvr>
-                                        <p:cTn id="7" dur="2000"/>
+                                        <p:cTn id="14" dur="1000" fill="hold"/>
+                                        <p:tgtEl>
+                                          <p:spTgt spid="4"/>
+                                        </p:tgtEl>
+                                        <p:attrNameLst>
+                                          <p:attrName>ppt_w</p:attrName>
+                                        </p:attrNameLst>
+                                      </p:cBhvr>
+                                      <p:tavLst>
+                                        <p:tav tm="0">
+                                          <p:val>
+                                            <p:fltVal val="0"/>
+                                          </p:val>
+                                        </p:tav>
+                                        <p:tav tm="100000">
+                                          <p:val>
+                                            <p:strVal val="#ppt_w"/>
+                                          </p:val>
+                                        </p:tav>
+                                      </p:tavLst>
+                                    </p:anim>
+                                    <p:anim calcmode="lin" valueType="num">
+                                      <p:cBhvr>
+                                        <p:cTn id="15" dur="1000" fill="hold"/>
+                                        <p:tgtEl>
+                                          <p:spTgt spid="4"/>
+                                        </p:tgtEl>
+                                        <p:attrNameLst>
+                                          <p:attrName>ppt_h</p:attrName>
+                                        </p:attrNameLst>
+                                      </p:cBhvr>
+                                      <p:tavLst>
+                                        <p:tav tm="0">
+                                          <p:val>
+                                            <p:fltVal val="0"/>
+                                          </p:val>
+                                        </p:tav>
+                                        <p:tav tm="100000">
+                                          <p:val>
+                                            <p:strVal val="#ppt_h"/>
+                                          </p:val>
+                                        </p:tav>
+                                      </p:tavLst>
+                                    </p:anim>
+                                    <p:anim calcmode="lin" valueType="num">
+                                      <p:cBhvr>
+                                        <p:cTn id="16" dur="1000" fill="hold"/>
+                                        <p:tgtEl>
+                                          <p:spTgt spid="4"/>
+                                        </p:tgtEl>
+                                        <p:attrNameLst>
+                                          <p:attrName>style.rotation</p:attrName>
+                                        </p:attrNameLst>
+                                      </p:cBhvr>
+                                      <p:tavLst>
+                                        <p:tav tm="0">
+                                          <p:val>
+                                            <p:fltVal val="90"/>
+                                          </p:val>
+                                        </p:tav>
+                                        <p:tav tm="100000">
+                                          <p:val>
+                                            <p:fltVal val="0"/>
+                                          </p:val>
+                                        </p:tav>
+                                      </p:tavLst>
+                                    </p:anim>
+                                    <p:animEffect transition="in" filter="fade">
+                                      <p:cBhvr>
+                                        <p:cTn id="17" dur="1000"/>
                                         <p:tgtEl>
                                           <p:spTgt spid="4"/>
                                         </p:tgtEl>
@@ -16776,6 +22167,7 @@
       </p:par>
     </p:tnLst>
     <p:bldLst>
+      <p:bldP spid="3" grpId="0" build="p"/>
       <p:bldGraphic spid="4" grpId="0">
         <p:bldAsOne/>
       </p:bldGraphic>
@@ -16784,7 +22176,7 @@
 </p:sld>
 </file>
 
-<file path=ppt/slides/slide6.xml><?xml version="1.0" encoding="utf-8"?>
+<file path=ppt/slides/slide7.xml><?xml version="1.0" encoding="utf-8"?>
 <p:sld xmlns:a="http://schemas.openxmlformats.org/drawingml/2006/main" xmlns:r="http://schemas.openxmlformats.org/officeDocument/2006/relationships" xmlns:p="http://schemas.openxmlformats.org/presentationml/2006/main">
   <p:cSld>
     <p:spTree>
@@ -16871,7 +22263,7 @@
         </p:nvSpPr>
         <p:spPr>
           <a:xfrm>
-            <a:off x="2182031" y="1150953"/>
+            <a:off x="2116128" y="1360764"/>
             <a:ext cx="6788976" cy="848497"/>
           </a:xfrm>
         </p:spPr>
@@ -16885,7 +22277,7 @@
               <a:buNone/>
             </a:pPr>
             <a:r>
-              <a:rPr lang="en-US" sz="2800" smtClean="0">
+              <a:rPr lang="en-US" sz="2800" b="1" smtClean="0">
                 <a:latin typeface="Times New Roman" panose="02020603050405020304" pitchFamily="18" charset="0"/>
                 <a:cs typeface="Times New Roman" panose="02020603050405020304" pitchFamily="18" charset="0"/>
               </a:rPr>
@@ -16913,8 +22305,8 @@
         </p:nvSpPr>
         <p:spPr>
           <a:xfrm>
-            <a:off x="1385613" y="2056861"/>
-            <a:ext cx="4920455" cy="4633784"/>
+            <a:off x="2116128" y="2209261"/>
+            <a:ext cx="9205015" cy="4648739"/>
           </a:xfrm>
           <a:prstGeom prst="rect">
             <a:avLst/>
@@ -17148,14 +22540,14 @@
               <a:buChar char="Ø"/>
             </a:pPr>
             <a:r>
-              <a:rPr lang="vi-VN" sz="2500" b="1" i="1" smtClean="0">
+              <a:rPr lang="vi-VN" sz="2700" b="1" i="1" smtClean="0">
                 <a:latin typeface="Times New Roman" panose="02020603050405020304" pitchFamily="18" charset="0"/>
                 <a:cs typeface="Times New Roman" panose="02020603050405020304" pitchFamily="18" charset="0"/>
               </a:rPr>
               <a:t>Ư</a:t>
             </a:r>
             <a:r>
-              <a:rPr lang="en-US" sz="2500" b="1" i="1" smtClean="0">
+              <a:rPr lang="en-US" sz="2700" b="1" i="1" smtClean="0">
                 <a:latin typeface="Times New Roman" panose="02020603050405020304" pitchFamily="18" charset="0"/>
                 <a:cs typeface="Times New Roman" panose="02020603050405020304" pitchFamily="18" charset="0"/>
               </a:rPr>
@@ -17168,14 +22560,14 @@
               <a:buChar char="§"/>
             </a:pPr>
             <a:r>
-              <a:rPr lang="en-US" sz="2000">
+              <a:rPr lang="en-US" sz="2500">
                 <a:latin typeface="Times New Roman" panose="02020603050405020304" pitchFamily="18" charset="0"/>
                 <a:cs typeface="Times New Roman" panose="02020603050405020304" pitchFamily="18" charset="0"/>
               </a:rPr>
               <a:t>Thiết kế được giao diện đơn giản, dễ sử </a:t>
             </a:r>
             <a:r>
-              <a:rPr lang="en-US" sz="2000" smtClean="0">
+              <a:rPr lang="en-US" sz="2500" smtClean="0">
                 <a:latin typeface="Times New Roman" panose="02020603050405020304" pitchFamily="18" charset="0"/>
                 <a:cs typeface="Times New Roman" panose="02020603050405020304" pitchFamily="18" charset="0"/>
               </a:rPr>
@@ -17188,14 +22580,14 @@
               <a:buChar char="§"/>
             </a:pPr>
             <a:r>
-              <a:rPr lang="en-US" sz="2000">
+              <a:rPr lang="en-US" sz="2500">
                 <a:latin typeface="Times New Roman" panose="02020603050405020304" pitchFamily="18" charset="0"/>
                 <a:cs typeface="Times New Roman" panose="02020603050405020304" pitchFamily="18" charset="0"/>
               </a:rPr>
               <a:t>Đảm bảo lưu trữ thông tin nhanh </a:t>
             </a:r>
             <a:r>
-              <a:rPr lang="en-US" sz="2000" smtClean="0">
+              <a:rPr lang="en-US" sz="2500" smtClean="0">
                 <a:latin typeface="Times New Roman" panose="02020603050405020304" pitchFamily="18" charset="0"/>
                 <a:cs typeface="Times New Roman" panose="02020603050405020304" pitchFamily="18" charset="0"/>
               </a:rPr>
@@ -17208,18 +22600,63 @@
               <a:buChar char="§"/>
             </a:pPr>
             <a:r>
-              <a:rPr lang="en-US" sz="2000">
+              <a:rPr lang="en-US" sz="2500">
                 <a:latin typeface="Times New Roman" panose="02020603050405020304" pitchFamily="18" charset="0"/>
                 <a:cs typeface="Times New Roman" panose="02020603050405020304" pitchFamily="18" charset="0"/>
               </a:rPr>
-              <a:t>Hạn chế được việc phải lưu trữ quá nhiều sổ sách trong quá trình quản </a:t>
+              <a:t>Hạn chế được việc phải lưu trữ </a:t>
             </a:r>
             <a:r>
-              <a:rPr lang="en-US" sz="2000" smtClean="0">
+              <a:rPr lang="en-US" sz="2500" smtClean="0">
                 <a:latin typeface="Times New Roman" panose="02020603050405020304" pitchFamily="18" charset="0"/>
                 <a:cs typeface="Times New Roman" panose="02020603050405020304" pitchFamily="18" charset="0"/>
               </a:rPr>
-              <a:t>lý.</a:t>
+              <a:t>trên</a:t>
+            </a:r>
+            <a:r>
+              <a:rPr lang="en-US" sz="2500" smtClean="0">
+                <a:latin typeface="Times New Roman" panose="02020603050405020304" pitchFamily="18" charset="0"/>
+                <a:cs typeface="Times New Roman" panose="02020603050405020304" pitchFamily="18" charset="0"/>
+              </a:rPr>
+              <a:t> </a:t>
+            </a:r>
+            <a:r>
+              <a:rPr lang="en-US" sz="2500">
+                <a:latin typeface="Times New Roman" panose="02020603050405020304" pitchFamily="18" charset="0"/>
+                <a:cs typeface="Times New Roman" panose="02020603050405020304" pitchFamily="18" charset="0"/>
+              </a:rPr>
+              <a:t>nhiều sổ </a:t>
+            </a:r>
+            <a:r>
+              <a:rPr lang="en-US" sz="2500" smtClean="0">
+                <a:latin typeface="Times New Roman" panose="02020603050405020304" pitchFamily="18" charset="0"/>
+                <a:cs typeface="Times New Roman" panose="02020603050405020304" pitchFamily="18" charset="0"/>
+              </a:rPr>
+              <a:t>sách.</a:t>
+            </a:r>
+            <a:endParaRPr lang="en-US" sz="2500" smtClean="0">
+              <a:latin typeface="Times New Roman" panose="02020603050405020304" pitchFamily="18" charset="0"/>
+              <a:cs typeface="Times New Roman" panose="02020603050405020304" pitchFamily="18" charset="0"/>
+            </a:endParaRPr>
+          </a:p>
+          <a:p>
+            <a:pPr algn="just">
+              <a:buFont typeface="Wingdings" panose="05000000000000000000" pitchFamily="2" charset="2"/>
+              <a:buChar char="§"/>
+            </a:pPr>
+            <a:r>
+              <a:rPr lang="en-US" sz="2500">
+                <a:latin typeface="Times New Roman" panose="02020603050405020304" pitchFamily="18" charset="0"/>
+                <a:cs typeface="Times New Roman" panose="02020603050405020304" pitchFamily="18" charset="0"/>
+              </a:rPr>
+              <a:t>Tìm kiếm thông tin </a:t>
+            </a:r>
+            <a:r>
+              <a:rPr lang="en-US" sz="2500" smtClean="0">
+                <a:latin typeface="Times New Roman" panose="02020603050405020304" pitchFamily="18" charset="0"/>
+                <a:cs typeface="Times New Roman" panose="02020603050405020304" pitchFamily="18" charset="0"/>
+              </a:rPr>
+              <a:t>theo nhiều tiêu chí.</a:t>
             </a:r>
           </a:p>
           <a:p>
@@ -17228,19 +22665,16 @@
               <a:buChar char="§"/>
             </a:pPr>
             <a:r>
-              <a:rPr lang="en-US" sz="2000">
+              <a:rPr lang="en-US" sz="2500" smtClean="0">
                 <a:latin typeface="Times New Roman" panose="02020603050405020304" pitchFamily="18" charset="0"/>
                 <a:cs typeface="Times New Roman" panose="02020603050405020304" pitchFamily="18" charset="0"/>
               </a:rPr>
-              <a:t>Tìm kiếm thông tin khách hàng, thông tin thiết bị, thông tin phòng và thông tin hóa đơn một cách nhanh chóng và chính </a:t>
+              <a:t>Thống kê tổng số lượng của nhiều chức năng.</a:t>
             </a:r>
-            <a:r>
-              <a:rPr lang="en-US" sz="2000" smtClean="0">
-                <a:latin typeface="Times New Roman" panose="02020603050405020304" pitchFamily="18" charset="0"/>
-                <a:cs typeface="Times New Roman" panose="02020603050405020304" pitchFamily="18" charset="0"/>
-              </a:rPr>
-              <a:t>xác.</a:t>
-            </a:r>
+            <a:endParaRPr lang="en-US" sz="2500" smtClean="0">
+              <a:latin typeface="Times New Roman" panose="02020603050405020304" pitchFamily="18" charset="0"/>
+              <a:cs typeface="Times New Roman" panose="02020603050405020304" pitchFamily="18" charset="0"/>
+            </a:endParaRPr>
           </a:p>
           <a:p>
             <a:pPr algn="just">
@@ -17248,20 +22682,873 @@
               <a:buChar char="§"/>
             </a:pPr>
             <a:r>
-              <a:rPr lang="en-US" sz="2000">
+              <a:rPr lang="en-US" sz="2500">
                 <a:latin typeface="Times New Roman" panose="02020603050405020304" pitchFamily="18" charset="0"/>
                 <a:cs typeface="Times New Roman" panose="02020603050405020304" pitchFamily="18" charset="0"/>
               </a:rPr>
               <a:t>Giảm được một khối lượng công việc cho nhân </a:t>
             </a:r>
             <a:r>
-              <a:rPr lang="en-US" sz="2000" smtClean="0">
+              <a:rPr lang="en-US" sz="2500" smtClean="0">
                 <a:latin typeface="Times New Roman" panose="02020603050405020304" pitchFamily="18" charset="0"/>
                 <a:cs typeface="Times New Roman" panose="02020603050405020304" pitchFamily="18" charset="0"/>
               </a:rPr>
               <a:t>viên.</a:t>
             </a:r>
-            <a:endParaRPr lang="en-US" sz="2000">
+            <a:endParaRPr lang="en-US" sz="2500">
+              <a:latin typeface="Times New Roman" panose="02020603050405020304" pitchFamily="18" charset="0"/>
+              <a:cs typeface="Times New Roman" panose="02020603050405020304" pitchFamily="18" charset="0"/>
+            </a:endParaRPr>
+          </a:p>
+        </p:txBody>
+      </p:sp>
+    </p:spTree>
+    <p:extLst>
+      <p:ext uri="{BB962C8B-B14F-4D97-AF65-F5344CB8AC3E}">
+        <p14:creationId xmlns:p14="http://schemas.microsoft.com/office/powerpoint/2010/main" val="2152908762"/>
+      </p:ext>
+    </p:extLst>
+  </p:cSld>
+  <p:clrMapOvr>
+    <a:masterClrMapping/>
+  </p:clrMapOvr>
+  <mc:AlternateContent xmlns:mc="http://schemas.openxmlformats.org/markup-compatibility/2006" xmlns:p14="http://schemas.microsoft.com/office/powerpoint/2010/main">
+    <mc:Choice Requires="p14">
+      <p:transition spd="slow" p14:dur="1200">
+        <p14:prism/>
+      </p:transition>
+    </mc:Choice>
+    <mc:Fallback xmlns="">
+      <p:transition spd="slow">
+        <p:fade/>
+      </p:transition>
+    </mc:Fallback>
+  </mc:AlternateContent>
+  <p:timing>
+    <p:tnLst>
+      <p:par>
+        <p:cTn id="1" dur="indefinite" restart="never" nodeType="tmRoot">
+          <p:childTnLst>
+            <p:seq concurrent="1" nextAc="seek">
+              <p:cTn id="2" dur="indefinite" nodeType="mainSeq">
+                <p:childTnLst>
+                  <p:par>
+                    <p:cTn id="3" fill="hold">
+                      <p:stCondLst>
+                        <p:cond delay="indefinite"/>
+                      </p:stCondLst>
+                      <p:childTnLst>
+                        <p:par>
+                          <p:cTn id="4" fill="hold">
+                            <p:stCondLst>
+                              <p:cond delay="0"/>
+                            </p:stCondLst>
+                            <p:childTnLst>
+                              <p:par>
+                                <p:cTn id="5" presetID="16" presetClass="entr" presetSubtype="21" fill="hold" nodeType="clickEffect">
+                                  <p:stCondLst>
+                                    <p:cond delay="0"/>
+                                  </p:stCondLst>
+                                  <p:childTnLst>
+                                    <p:set>
+                                      <p:cBhvr>
+                                        <p:cTn id="6" dur="1" fill="hold">
+                                          <p:stCondLst>
+                                            <p:cond delay="0"/>
+                                          </p:stCondLst>
+                                        </p:cTn>
+                                        <p:tgtEl>
+                                          <p:spTgt spid="4">
+                                            <p:txEl>
+                                              <p:pRg st="0" end="0"/>
+                                            </p:txEl>
+                                          </p:spTgt>
+                                        </p:tgtEl>
+                                        <p:attrNameLst>
+                                          <p:attrName>style.visibility</p:attrName>
+                                        </p:attrNameLst>
+                                      </p:cBhvr>
+                                      <p:to>
+                                        <p:strVal val="visible"/>
+                                      </p:to>
+                                    </p:set>
+                                    <p:animEffect transition="in" filter="barn(inVertical)">
+                                      <p:cBhvr>
+                                        <p:cTn id="7" dur="500"/>
+                                        <p:tgtEl>
+                                          <p:spTgt spid="4">
+                                            <p:txEl>
+                                              <p:pRg st="0" end="0"/>
+                                            </p:txEl>
+                                          </p:spTgt>
+                                        </p:tgtEl>
+                                      </p:cBhvr>
+                                    </p:animEffect>
+                                  </p:childTnLst>
+                                </p:cTn>
+                              </p:par>
+                            </p:childTnLst>
+                          </p:cTn>
+                        </p:par>
+                      </p:childTnLst>
+                    </p:cTn>
+                  </p:par>
+                  <p:par>
+                    <p:cTn id="8" fill="hold">
+                      <p:stCondLst>
+                        <p:cond delay="indefinite"/>
+                      </p:stCondLst>
+                      <p:childTnLst>
+                        <p:par>
+                          <p:cTn id="9" fill="hold">
+                            <p:stCondLst>
+                              <p:cond delay="0"/>
+                            </p:stCondLst>
+                            <p:childTnLst>
+                              <p:par>
+                                <p:cTn id="10" presetID="2" presetClass="entr" presetSubtype="4" fill="hold" nodeType="clickEffect">
+                                  <p:stCondLst>
+                                    <p:cond delay="0"/>
+                                  </p:stCondLst>
+                                  <p:childTnLst>
+                                    <p:set>
+                                      <p:cBhvr>
+                                        <p:cTn id="11" dur="1" fill="hold">
+                                          <p:stCondLst>
+                                            <p:cond delay="0"/>
+                                          </p:stCondLst>
+                                        </p:cTn>
+                                        <p:tgtEl>
+                                          <p:spTgt spid="4">
+                                            <p:txEl>
+                                              <p:pRg st="1" end="1"/>
+                                            </p:txEl>
+                                          </p:spTgt>
+                                        </p:tgtEl>
+                                        <p:attrNameLst>
+                                          <p:attrName>style.visibility</p:attrName>
+                                        </p:attrNameLst>
+                                      </p:cBhvr>
+                                      <p:to>
+                                        <p:strVal val="visible"/>
+                                      </p:to>
+                                    </p:set>
+                                    <p:anim calcmode="lin" valueType="num">
+                                      <p:cBhvr additive="base">
+                                        <p:cTn id="12" dur="500" fill="hold"/>
+                                        <p:tgtEl>
+                                          <p:spTgt spid="4">
+                                            <p:txEl>
+                                              <p:pRg st="1" end="1"/>
+                                            </p:txEl>
+                                          </p:spTgt>
+                                        </p:tgtEl>
+                                        <p:attrNameLst>
+                                          <p:attrName>ppt_x</p:attrName>
+                                        </p:attrNameLst>
+                                      </p:cBhvr>
+                                      <p:tavLst>
+                                        <p:tav tm="0">
+                                          <p:val>
+                                            <p:strVal val="#ppt_x"/>
+                                          </p:val>
+                                        </p:tav>
+                                        <p:tav tm="100000">
+                                          <p:val>
+                                            <p:strVal val="#ppt_x"/>
+                                          </p:val>
+                                        </p:tav>
+                                      </p:tavLst>
+                                    </p:anim>
+                                    <p:anim calcmode="lin" valueType="num">
+                                      <p:cBhvr additive="base">
+                                        <p:cTn id="13" dur="500" fill="hold"/>
+                                        <p:tgtEl>
+                                          <p:spTgt spid="4">
+                                            <p:txEl>
+                                              <p:pRg st="1" end="1"/>
+                                            </p:txEl>
+                                          </p:spTgt>
+                                        </p:tgtEl>
+                                        <p:attrNameLst>
+                                          <p:attrName>ppt_y</p:attrName>
+                                        </p:attrNameLst>
+                                      </p:cBhvr>
+                                      <p:tavLst>
+                                        <p:tav tm="0">
+                                          <p:val>
+                                            <p:strVal val="1+#ppt_h/2"/>
+                                          </p:val>
+                                        </p:tav>
+                                        <p:tav tm="100000">
+                                          <p:val>
+                                            <p:strVal val="#ppt_y"/>
+                                          </p:val>
+                                        </p:tav>
+                                      </p:tavLst>
+                                    </p:anim>
+                                  </p:childTnLst>
+                                </p:cTn>
+                              </p:par>
+                            </p:childTnLst>
+                          </p:cTn>
+                        </p:par>
+                      </p:childTnLst>
+                    </p:cTn>
+                  </p:par>
+                  <p:par>
+                    <p:cTn id="14" fill="hold">
+                      <p:stCondLst>
+                        <p:cond delay="indefinite"/>
+                      </p:stCondLst>
+                      <p:childTnLst>
+                        <p:par>
+                          <p:cTn id="15" fill="hold">
+                            <p:stCondLst>
+                              <p:cond delay="0"/>
+                            </p:stCondLst>
+                            <p:childTnLst>
+                              <p:par>
+                                <p:cTn id="16" presetID="2" presetClass="entr" presetSubtype="4" fill="hold" nodeType="clickEffect">
+                                  <p:stCondLst>
+                                    <p:cond delay="0"/>
+                                  </p:stCondLst>
+                                  <p:childTnLst>
+                                    <p:set>
+                                      <p:cBhvr>
+                                        <p:cTn id="17" dur="1" fill="hold">
+                                          <p:stCondLst>
+                                            <p:cond delay="0"/>
+                                          </p:stCondLst>
+                                        </p:cTn>
+                                        <p:tgtEl>
+                                          <p:spTgt spid="4">
+                                            <p:txEl>
+                                              <p:pRg st="2" end="2"/>
+                                            </p:txEl>
+                                          </p:spTgt>
+                                        </p:tgtEl>
+                                        <p:attrNameLst>
+                                          <p:attrName>style.visibility</p:attrName>
+                                        </p:attrNameLst>
+                                      </p:cBhvr>
+                                      <p:to>
+                                        <p:strVal val="visible"/>
+                                      </p:to>
+                                    </p:set>
+                                    <p:anim calcmode="lin" valueType="num">
+                                      <p:cBhvr additive="base">
+                                        <p:cTn id="18" dur="500" fill="hold"/>
+                                        <p:tgtEl>
+                                          <p:spTgt spid="4">
+                                            <p:txEl>
+                                              <p:pRg st="2" end="2"/>
+                                            </p:txEl>
+                                          </p:spTgt>
+                                        </p:tgtEl>
+                                        <p:attrNameLst>
+                                          <p:attrName>ppt_x</p:attrName>
+                                        </p:attrNameLst>
+                                      </p:cBhvr>
+                                      <p:tavLst>
+                                        <p:tav tm="0">
+                                          <p:val>
+                                            <p:strVal val="#ppt_x"/>
+                                          </p:val>
+                                        </p:tav>
+                                        <p:tav tm="100000">
+                                          <p:val>
+                                            <p:strVal val="#ppt_x"/>
+                                          </p:val>
+                                        </p:tav>
+                                      </p:tavLst>
+                                    </p:anim>
+                                    <p:anim calcmode="lin" valueType="num">
+                                      <p:cBhvr additive="base">
+                                        <p:cTn id="19" dur="500" fill="hold"/>
+                                        <p:tgtEl>
+                                          <p:spTgt spid="4">
+                                            <p:txEl>
+                                              <p:pRg st="2" end="2"/>
+                                            </p:txEl>
+                                          </p:spTgt>
+                                        </p:tgtEl>
+                                        <p:attrNameLst>
+                                          <p:attrName>ppt_y</p:attrName>
+                                        </p:attrNameLst>
+                                      </p:cBhvr>
+                                      <p:tavLst>
+                                        <p:tav tm="0">
+                                          <p:val>
+                                            <p:strVal val="1+#ppt_h/2"/>
+                                          </p:val>
+                                        </p:tav>
+                                        <p:tav tm="100000">
+                                          <p:val>
+                                            <p:strVal val="#ppt_y"/>
+                                          </p:val>
+                                        </p:tav>
+                                      </p:tavLst>
+                                    </p:anim>
+                                  </p:childTnLst>
+                                </p:cTn>
+                              </p:par>
+                            </p:childTnLst>
+                          </p:cTn>
+                        </p:par>
+                      </p:childTnLst>
+                    </p:cTn>
+                  </p:par>
+                  <p:par>
+                    <p:cTn id="20" fill="hold">
+                      <p:stCondLst>
+                        <p:cond delay="indefinite"/>
+                      </p:stCondLst>
+                      <p:childTnLst>
+                        <p:par>
+                          <p:cTn id="21" fill="hold">
+                            <p:stCondLst>
+                              <p:cond delay="0"/>
+                            </p:stCondLst>
+                            <p:childTnLst>
+                              <p:par>
+                                <p:cTn id="22" presetID="2" presetClass="entr" presetSubtype="4" fill="hold" nodeType="clickEffect">
+                                  <p:stCondLst>
+                                    <p:cond delay="0"/>
+                                  </p:stCondLst>
+                                  <p:childTnLst>
+                                    <p:set>
+                                      <p:cBhvr>
+                                        <p:cTn id="23" dur="1" fill="hold">
+                                          <p:stCondLst>
+                                            <p:cond delay="0"/>
+                                          </p:stCondLst>
+                                        </p:cTn>
+                                        <p:tgtEl>
+                                          <p:spTgt spid="4">
+                                            <p:txEl>
+                                              <p:pRg st="3" end="3"/>
+                                            </p:txEl>
+                                          </p:spTgt>
+                                        </p:tgtEl>
+                                        <p:attrNameLst>
+                                          <p:attrName>style.visibility</p:attrName>
+                                        </p:attrNameLst>
+                                      </p:cBhvr>
+                                      <p:to>
+                                        <p:strVal val="visible"/>
+                                      </p:to>
+                                    </p:set>
+                                    <p:anim calcmode="lin" valueType="num">
+                                      <p:cBhvr additive="base">
+                                        <p:cTn id="24" dur="500" fill="hold"/>
+                                        <p:tgtEl>
+                                          <p:spTgt spid="4">
+                                            <p:txEl>
+                                              <p:pRg st="3" end="3"/>
+                                            </p:txEl>
+                                          </p:spTgt>
+                                        </p:tgtEl>
+                                        <p:attrNameLst>
+                                          <p:attrName>ppt_x</p:attrName>
+                                        </p:attrNameLst>
+                                      </p:cBhvr>
+                                      <p:tavLst>
+                                        <p:tav tm="0">
+                                          <p:val>
+                                            <p:strVal val="#ppt_x"/>
+                                          </p:val>
+                                        </p:tav>
+                                        <p:tav tm="100000">
+                                          <p:val>
+                                            <p:strVal val="#ppt_x"/>
+                                          </p:val>
+                                        </p:tav>
+                                      </p:tavLst>
+                                    </p:anim>
+                                    <p:anim calcmode="lin" valueType="num">
+                                      <p:cBhvr additive="base">
+                                        <p:cTn id="25" dur="500" fill="hold"/>
+                                        <p:tgtEl>
+                                          <p:spTgt spid="4">
+                                            <p:txEl>
+                                              <p:pRg st="3" end="3"/>
+                                            </p:txEl>
+                                          </p:spTgt>
+                                        </p:tgtEl>
+                                        <p:attrNameLst>
+                                          <p:attrName>ppt_y</p:attrName>
+                                        </p:attrNameLst>
+                                      </p:cBhvr>
+                                      <p:tavLst>
+                                        <p:tav tm="0">
+                                          <p:val>
+                                            <p:strVal val="1+#ppt_h/2"/>
+                                          </p:val>
+                                        </p:tav>
+                                        <p:tav tm="100000">
+                                          <p:val>
+                                            <p:strVal val="#ppt_y"/>
+                                          </p:val>
+                                        </p:tav>
+                                      </p:tavLst>
+                                    </p:anim>
+                                  </p:childTnLst>
+                                </p:cTn>
+                              </p:par>
+                            </p:childTnLst>
+                          </p:cTn>
+                        </p:par>
+                      </p:childTnLst>
+                    </p:cTn>
+                  </p:par>
+                  <p:par>
+                    <p:cTn id="26" fill="hold">
+                      <p:stCondLst>
+                        <p:cond delay="indefinite"/>
+                      </p:stCondLst>
+                      <p:childTnLst>
+                        <p:par>
+                          <p:cTn id="27" fill="hold">
+                            <p:stCondLst>
+                              <p:cond delay="0"/>
+                            </p:stCondLst>
+                            <p:childTnLst>
+                              <p:par>
+                                <p:cTn id="28" presetID="2" presetClass="entr" presetSubtype="4" fill="hold" nodeType="clickEffect">
+                                  <p:stCondLst>
+                                    <p:cond delay="0"/>
+                                  </p:stCondLst>
+                                  <p:childTnLst>
+                                    <p:set>
+                                      <p:cBhvr>
+                                        <p:cTn id="29" dur="1" fill="hold">
+                                          <p:stCondLst>
+                                            <p:cond delay="0"/>
+                                          </p:stCondLst>
+                                        </p:cTn>
+                                        <p:tgtEl>
+                                          <p:spTgt spid="4">
+                                            <p:txEl>
+                                              <p:pRg st="4" end="4"/>
+                                            </p:txEl>
+                                          </p:spTgt>
+                                        </p:tgtEl>
+                                        <p:attrNameLst>
+                                          <p:attrName>style.visibility</p:attrName>
+                                        </p:attrNameLst>
+                                      </p:cBhvr>
+                                      <p:to>
+                                        <p:strVal val="visible"/>
+                                      </p:to>
+                                    </p:set>
+                                    <p:anim calcmode="lin" valueType="num">
+                                      <p:cBhvr additive="base">
+                                        <p:cTn id="30" dur="500" fill="hold"/>
+                                        <p:tgtEl>
+                                          <p:spTgt spid="4">
+                                            <p:txEl>
+                                              <p:pRg st="4" end="4"/>
+                                            </p:txEl>
+                                          </p:spTgt>
+                                        </p:tgtEl>
+                                        <p:attrNameLst>
+                                          <p:attrName>ppt_x</p:attrName>
+                                        </p:attrNameLst>
+                                      </p:cBhvr>
+                                      <p:tavLst>
+                                        <p:tav tm="0">
+                                          <p:val>
+                                            <p:strVal val="#ppt_x"/>
+                                          </p:val>
+                                        </p:tav>
+                                        <p:tav tm="100000">
+                                          <p:val>
+                                            <p:strVal val="#ppt_x"/>
+                                          </p:val>
+                                        </p:tav>
+                                      </p:tavLst>
+                                    </p:anim>
+                                    <p:anim calcmode="lin" valueType="num">
+                                      <p:cBhvr additive="base">
+                                        <p:cTn id="31" dur="500" fill="hold"/>
+                                        <p:tgtEl>
+                                          <p:spTgt spid="4">
+                                            <p:txEl>
+                                              <p:pRg st="4" end="4"/>
+                                            </p:txEl>
+                                          </p:spTgt>
+                                        </p:tgtEl>
+                                        <p:attrNameLst>
+                                          <p:attrName>ppt_y</p:attrName>
+                                        </p:attrNameLst>
+                                      </p:cBhvr>
+                                      <p:tavLst>
+                                        <p:tav tm="0">
+                                          <p:val>
+                                            <p:strVal val="1+#ppt_h/2"/>
+                                          </p:val>
+                                        </p:tav>
+                                        <p:tav tm="100000">
+                                          <p:val>
+                                            <p:strVal val="#ppt_y"/>
+                                          </p:val>
+                                        </p:tav>
+                                      </p:tavLst>
+                                    </p:anim>
+                                  </p:childTnLst>
+                                </p:cTn>
+                              </p:par>
+                            </p:childTnLst>
+                          </p:cTn>
+                        </p:par>
+                      </p:childTnLst>
+                    </p:cTn>
+                  </p:par>
+                  <p:par>
+                    <p:cTn id="32" fill="hold">
+                      <p:stCondLst>
+                        <p:cond delay="indefinite"/>
+                      </p:stCondLst>
+                      <p:childTnLst>
+                        <p:par>
+                          <p:cTn id="33" fill="hold">
+                            <p:stCondLst>
+                              <p:cond delay="0"/>
+                            </p:stCondLst>
+                            <p:childTnLst>
+                              <p:par>
+                                <p:cTn id="34" presetID="2" presetClass="entr" presetSubtype="4" fill="hold" nodeType="clickEffect">
+                                  <p:stCondLst>
+                                    <p:cond delay="0"/>
+                                  </p:stCondLst>
+                                  <p:childTnLst>
+                                    <p:set>
+                                      <p:cBhvr>
+                                        <p:cTn id="35" dur="1" fill="hold">
+                                          <p:stCondLst>
+                                            <p:cond delay="0"/>
+                                          </p:stCondLst>
+                                        </p:cTn>
+                                        <p:tgtEl>
+                                          <p:spTgt spid="4">
+                                            <p:txEl>
+                                              <p:pRg st="5" end="5"/>
+                                            </p:txEl>
+                                          </p:spTgt>
+                                        </p:tgtEl>
+                                        <p:attrNameLst>
+                                          <p:attrName>style.visibility</p:attrName>
+                                        </p:attrNameLst>
+                                      </p:cBhvr>
+                                      <p:to>
+                                        <p:strVal val="visible"/>
+                                      </p:to>
+                                    </p:set>
+                                    <p:anim calcmode="lin" valueType="num">
+                                      <p:cBhvr additive="base">
+                                        <p:cTn id="36" dur="500" fill="hold"/>
+                                        <p:tgtEl>
+                                          <p:spTgt spid="4">
+                                            <p:txEl>
+                                              <p:pRg st="5" end="5"/>
+                                            </p:txEl>
+                                          </p:spTgt>
+                                        </p:tgtEl>
+                                        <p:attrNameLst>
+                                          <p:attrName>ppt_x</p:attrName>
+                                        </p:attrNameLst>
+                                      </p:cBhvr>
+                                      <p:tavLst>
+                                        <p:tav tm="0">
+                                          <p:val>
+                                            <p:strVal val="#ppt_x"/>
+                                          </p:val>
+                                        </p:tav>
+                                        <p:tav tm="100000">
+                                          <p:val>
+                                            <p:strVal val="#ppt_x"/>
+                                          </p:val>
+                                        </p:tav>
+                                      </p:tavLst>
+                                    </p:anim>
+                                    <p:anim calcmode="lin" valueType="num">
+                                      <p:cBhvr additive="base">
+                                        <p:cTn id="37" dur="500" fill="hold"/>
+                                        <p:tgtEl>
+                                          <p:spTgt spid="4">
+                                            <p:txEl>
+                                              <p:pRg st="5" end="5"/>
+                                            </p:txEl>
+                                          </p:spTgt>
+                                        </p:tgtEl>
+                                        <p:attrNameLst>
+                                          <p:attrName>ppt_y</p:attrName>
+                                        </p:attrNameLst>
+                                      </p:cBhvr>
+                                      <p:tavLst>
+                                        <p:tav tm="0">
+                                          <p:val>
+                                            <p:strVal val="1+#ppt_h/2"/>
+                                          </p:val>
+                                        </p:tav>
+                                        <p:tav tm="100000">
+                                          <p:val>
+                                            <p:strVal val="#ppt_y"/>
+                                          </p:val>
+                                        </p:tav>
+                                      </p:tavLst>
+                                    </p:anim>
+                                  </p:childTnLst>
+                                </p:cTn>
+                              </p:par>
+                            </p:childTnLst>
+                          </p:cTn>
+                        </p:par>
+                      </p:childTnLst>
+                    </p:cTn>
+                  </p:par>
+                  <p:par>
+                    <p:cTn id="38" fill="hold">
+                      <p:stCondLst>
+                        <p:cond delay="indefinite"/>
+                      </p:stCondLst>
+                      <p:childTnLst>
+                        <p:par>
+                          <p:cTn id="39" fill="hold">
+                            <p:stCondLst>
+                              <p:cond delay="0"/>
+                            </p:stCondLst>
+                            <p:childTnLst>
+                              <p:par>
+                                <p:cTn id="40" presetID="2" presetClass="entr" presetSubtype="4" fill="hold" nodeType="clickEffect">
+                                  <p:stCondLst>
+                                    <p:cond delay="0"/>
+                                  </p:stCondLst>
+                                  <p:childTnLst>
+                                    <p:set>
+                                      <p:cBhvr>
+                                        <p:cTn id="41" dur="1" fill="hold">
+                                          <p:stCondLst>
+                                            <p:cond delay="0"/>
+                                          </p:stCondLst>
+                                        </p:cTn>
+                                        <p:tgtEl>
+                                          <p:spTgt spid="4">
+                                            <p:txEl>
+                                              <p:pRg st="6" end="6"/>
+                                            </p:txEl>
+                                          </p:spTgt>
+                                        </p:tgtEl>
+                                        <p:attrNameLst>
+                                          <p:attrName>style.visibility</p:attrName>
+                                        </p:attrNameLst>
+                                      </p:cBhvr>
+                                      <p:to>
+                                        <p:strVal val="visible"/>
+                                      </p:to>
+                                    </p:set>
+                                    <p:anim calcmode="lin" valueType="num">
+                                      <p:cBhvr additive="base">
+                                        <p:cTn id="42" dur="500" fill="hold"/>
+                                        <p:tgtEl>
+                                          <p:spTgt spid="4">
+                                            <p:txEl>
+                                              <p:pRg st="6" end="6"/>
+                                            </p:txEl>
+                                          </p:spTgt>
+                                        </p:tgtEl>
+                                        <p:attrNameLst>
+                                          <p:attrName>ppt_x</p:attrName>
+                                        </p:attrNameLst>
+                                      </p:cBhvr>
+                                      <p:tavLst>
+                                        <p:tav tm="0">
+                                          <p:val>
+                                            <p:strVal val="#ppt_x"/>
+                                          </p:val>
+                                        </p:tav>
+                                        <p:tav tm="100000">
+                                          <p:val>
+                                            <p:strVal val="#ppt_x"/>
+                                          </p:val>
+                                        </p:tav>
+                                      </p:tavLst>
+                                    </p:anim>
+                                    <p:anim calcmode="lin" valueType="num">
+                                      <p:cBhvr additive="base">
+                                        <p:cTn id="43" dur="500" fill="hold"/>
+                                        <p:tgtEl>
+                                          <p:spTgt spid="4">
+                                            <p:txEl>
+                                              <p:pRg st="6" end="6"/>
+                                            </p:txEl>
+                                          </p:spTgt>
+                                        </p:tgtEl>
+                                        <p:attrNameLst>
+                                          <p:attrName>ppt_y</p:attrName>
+                                        </p:attrNameLst>
+                                      </p:cBhvr>
+                                      <p:tavLst>
+                                        <p:tav tm="0">
+                                          <p:val>
+                                            <p:strVal val="1+#ppt_h/2"/>
+                                          </p:val>
+                                        </p:tav>
+                                        <p:tav tm="100000">
+                                          <p:val>
+                                            <p:strVal val="#ppt_y"/>
+                                          </p:val>
+                                        </p:tav>
+                                      </p:tavLst>
+                                    </p:anim>
+                                  </p:childTnLst>
+                                </p:cTn>
+                              </p:par>
+                            </p:childTnLst>
+                          </p:cTn>
+                        </p:par>
+                      </p:childTnLst>
+                    </p:cTn>
+                  </p:par>
+                </p:childTnLst>
+              </p:cTn>
+              <p:prevCondLst>
+                <p:cond evt="onPrev" delay="0">
+                  <p:tgtEl>
+                    <p:sldTgt/>
+                  </p:tgtEl>
+                </p:cond>
+              </p:prevCondLst>
+              <p:nextCondLst>
+                <p:cond evt="onNext" delay="0">
+                  <p:tgtEl>
+                    <p:sldTgt/>
+                  </p:tgtEl>
+                </p:cond>
+              </p:nextCondLst>
+            </p:seq>
+          </p:childTnLst>
+        </p:cTn>
+      </p:par>
+    </p:tnLst>
+  </p:timing>
+</p:sld>
+</file>
+
+<file path=ppt/slides/slide8.xml><?xml version="1.0" encoding="utf-8"?>
+<p:sld xmlns:a="http://schemas.openxmlformats.org/drawingml/2006/main" xmlns:r="http://schemas.openxmlformats.org/officeDocument/2006/relationships" xmlns:p="http://schemas.openxmlformats.org/presentationml/2006/main">
+  <p:cSld>
+    <p:spTree>
+      <p:nvGrpSpPr>
+        <p:cNvPr id="1" name=""/>
+        <p:cNvGrpSpPr/>
+        <p:nvPr/>
+      </p:nvGrpSpPr>
+      <p:grpSpPr>
+        <a:xfrm>
+          <a:off x="0" y="0"/>
+          <a:ext cx="0" cy="0"/>
+          <a:chOff x="0" y="0"/>
+          <a:chExt cx="0" cy="0"/>
+        </a:xfrm>
+      </p:grpSpPr>
+      <p:sp>
+        <p:nvSpPr>
+          <p:cNvPr id="2" name="Tiêu đề 1"/>
+          <p:cNvSpPr>
+            <a:spLocks noGrp="1"/>
+          </p:cNvSpPr>
+          <p:nvPr>
+            <p:ph type="title"/>
+          </p:nvPr>
+        </p:nvSpPr>
+        <p:spPr>
+          <a:xfrm>
+            <a:off x="2116128" y="407836"/>
+            <a:ext cx="8911687" cy="685706"/>
+          </a:xfrm>
+        </p:spPr>
+        <p:txBody>
+          <a:bodyPr>
+            <a:normAutofit/>
+          </a:bodyPr>
+          <a:lstStyle/>
+          <a:p>
+            <a:r>
+              <a:rPr lang="en-US" sz="3500" b="1" smtClean="0">
+                <a:ln w="0"/>
+                <a:solidFill>
+                  <a:schemeClr val="tx1"/>
+                </a:solidFill>
+                <a:effectLst>
+                  <a:outerShdw blurRad="38100" dist="19050" dir="2700000" algn="tl" rotWithShape="0">
+                    <a:schemeClr val="dk1">
+                      <a:alpha val="40000"/>
+                    </a:schemeClr>
+                  </a:outerShdw>
+                </a:effectLst>
+                <a:latin typeface="Times New Roman" panose="02020603050405020304" pitchFamily="18" charset="0"/>
+                <a:cs typeface="Times New Roman" panose="02020603050405020304" pitchFamily="18" charset="0"/>
+              </a:rPr>
+              <a:t>Chương 4. Kết luận và đánh giá</a:t>
+            </a:r>
+            <a:endParaRPr lang="en-US" sz="3500" b="1">
+              <a:ln w="0"/>
+              <a:solidFill>
+                <a:schemeClr val="tx1"/>
+              </a:solidFill>
+              <a:effectLst>
+                <a:outerShdw blurRad="38100" dist="19050" dir="2700000" algn="tl" rotWithShape="0">
+                  <a:schemeClr val="dk1">
+                    <a:alpha val="40000"/>
+                  </a:schemeClr>
+                </a:outerShdw>
+              </a:effectLst>
+              <a:latin typeface="Times New Roman" panose="02020603050405020304" pitchFamily="18" charset="0"/>
+              <a:cs typeface="Times New Roman" panose="02020603050405020304" pitchFamily="18" charset="0"/>
+            </a:endParaRPr>
+          </a:p>
+        </p:txBody>
+      </p:sp>
+      <p:sp>
+        <p:nvSpPr>
+          <p:cNvPr id="3" name="Chỗ dành sẵn cho Nội dung 2"/>
+          <p:cNvSpPr>
+            <a:spLocks noGrp="1"/>
+          </p:cNvSpPr>
+          <p:nvPr>
+            <p:ph idx="1"/>
+          </p:nvPr>
+        </p:nvSpPr>
+        <p:spPr>
+          <a:xfrm>
+            <a:off x="2116128" y="1321065"/>
+            <a:ext cx="6788976" cy="721390"/>
+          </a:xfrm>
+        </p:spPr>
+        <p:txBody>
+          <a:bodyPr>
+            <a:normAutofit/>
+          </a:bodyPr>
+          <a:lstStyle/>
+          <a:p>
+            <a:pPr marL="0" indent="0">
+              <a:buNone/>
+            </a:pPr>
+            <a:r>
+              <a:rPr lang="en-US" sz="2800" b="1" smtClean="0">
+                <a:latin typeface="Times New Roman" panose="02020603050405020304" pitchFamily="18" charset="0"/>
+                <a:cs typeface="Times New Roman" panose="02020603050405020304" pitchFamily="18" charset="0"/>
+              </a:rPr>
+              <a:t>4.1. Nhận xét về đề tài.</a:t>
+            </a:r>
+          </a:p>
+          <a:p>
+            <a:pPr marL="0" indent="0">
+              <a:buNone/>
+            </a:pPr>
+            <a:endParaRPr lang="en-US" sz="2500">
               <a:latin typeface="Times New Roman" panose="02020603050405020304" pitchFamily="18" charset="0"/>
               <a:cs typeface="Times New Roman" panose="02020603050405020304" pitchFamily="18" charset="0"/>
             </a:endParaRPr>
@@ -17278,8 +23565,8 @@
         </p:nvSpPr>
         <p:spPr>
           <a:xfrm>
-            <a:off x="6571971" y="1999450"/>
-            <a:ext cx="5371070" cy="4648739"/>
+            <a:off x="2182031" y="2044580"/>
+            <a:ext cx="9474981" cy="4439733"/>
           </a:xfrm>
           <a:prstGeom prst="rect">
             <a:avLst/>
@@ -17287,7 +23574,7 @@
         </p:spPr>
         <p:txBody>
           <a:bodyPr vert="horz" lIns="91440" tIns="45720" rIns="91440" bIns="45720" rtlCol="0">
-            <a:normAutofit fontScale="85000" lnSpcReduction="20000"/>
+            <a:normAutofit/>
           </a:bodyPr>
           <a:lstStyle>
             <a:lvl1pPr marL="342900" indent="-342900" algn="l" defTabSz="457200" rtl="0" eaLnBrk="1" latinLnBrk="0" hangingPunct="1">
@@ -17526,32 +23813,11 @@
               <a:buChar char="§"/>
             </a:pPr>
             <a:r>
-              <a:rPr lang="en-US" sz="2400">
+              <a:rPr lang="en-US" sz="2500" smtClean="0">
                 <a:latin typeface="Times New Roman" panose="02020603050405020304" pitchFamily="18" charset="0"/>
                 <a:cs typeface="Times New Roman" panose="02020603050405020304" pitchFamily="18" charset="0"/>
               </a:rPr>
-              <a:t>Với thời gian ngắn, trình độ và kinh nghiệm còn hạn </a:t>
-            </a:r>
-            <a:r>
-              <a:rPr lang="en-US" sz="2400" smtClean="0">
-                <a:latin typeface="Times New Roman" panose="02020603050405020304" pitchFamily="18" charset="0"/>
-                <a:cs typeface="Times New Roman" panose="02020603050405020304" pitchFamily="18" charset="0"/>
-              </a:rPr>
-              <a:t>chế, </a:t>
-            </a:r>
-            <a:r>
-              <a:rPr lang="en-US" sz="2400">
-                <a:latin typeface="Times New Roman" panose="02020603050405020304" pitchFamily="18" charset="0"/>
-                <a:cs typeface="Times New Roman" panose="02020603050405020304" pitchFamily="18" charset="0"/>
-              </a:rPr>
-              <a:t>hệ thống vẫn chưa được hoàn thiện hết. Một số chức năng quản lý trong phạm vi đề tài vẫn chưa được </a:t>
-            </a:r>
-            <a:r>
-              <a:rPr lang="en-US" sz="2400" smtClean="0">
-                <a:latin typeface="Times New Roman" panose="02020603050405020304" pitchFamily="18" charset="0"/>
-                <a:cs typeface="Times New Roman" panose="02020603050405020304" pitchFamily="18" charset="0"/>
-              </a:rPr>
-              <a:t>thiết kế.</a:t>
+              <a:t>Hệ thống vẫn chưa được hoàn thiện hết như kế hoạch đã đề ra. </a:t>
             </a:r>
           </a:p>
           <a:p>
@@ -17560,32 +23826,11 @@
               <a:buChar char="§"/>
             </a:pPr>
             <a:r>
-              <a:rPr lang="en-US" sz="2400">
+              <a:rPr lang="en-US" sz="2500" smtClean="0">
                 <a:latin typeface="Times New Roman" panose="02020603050405020304" pitchFamily="18" charset="0"/>
                 <a:cs typeface="Times New Roman" panose="02020603050405020304" pitchFamily="18" charset="0"/>
               </a:rPr>
-              <a:t>Chức năng thuê phòng chỉ mới kiểm tra được thuê phòng bằng số CMND, còn các giấy tờ tùy thân khác (hộ chiếu hoặc bằng </a:t>
-            </a:r>
-            <a:r>
-              <a:rPr lang="en-US" sz="2400" smtClean="0">
-                <a:latin typeface="Times New Roman" panose="02020603050405020304" pitchFamily="18" charset="0"/>
-                <a:cs typeface="Times New Roman" panose="02020603050405020304" pitchFamily="18" charset="0"/>
-              </a:rPr>
-              <a:t>láy </a:t>
-            </a:r>
-            <a:r>
-              <a:rPr lang="en-US" sz="2400">
-                <a:latin typeface="Times New Roman" panose="02020603050405020304" pitchFamily="18" charset="0"/>
-                <a:cs typeface="Times New Roman" panose="02020603050405020304" pitchFamily="18" charset="0"/>
-              </a:rPr>
-              <a:t>xe) vẫn chưa xử lý </a:t>
-            </a:r>
-            <a:r>
-              <a:rPr lang="en-US" sz="2400" smtClean="0">
-                <a:latin typeface="Times New Roman" panose="02020603050405020304" pitchFamily="18" charset="0"/>
-                <a:cs typeface="Times New Roman" panose="02020603050405020304" pitchFamily="18" charset="0"/>
-              </a:rPr>
-              <a:t>được.</a:t>
+              <a:t>Một số chức năng vẫn chưa được tối ưu.</a:t>
             </a:r>
           </a:p>
           <a:p>
@@ -17594,35 +23839,35 @@
               <a:buChar char="§"/>
             </a:pPr>
             <a:r>
-              <a:rPr lang="en-US" sz="2400" smtClean="0">
+              <a:rPr lang="en-US" sz="2500" smtClean="0">
                 <a:latin typeface="Times New Roman" panose="02020603050405020304" pitchFamily="18" charset="0"/>
                 <a:cs typeface="Times New Roman" panose="02020603050405020304" pitchFamily="18" charset="0"/>
               </a:rPr>
               <a:t>Giao </a:t>
             </a:r>
             <a:r>
-              <a:rPr lang="en-US" sz="2400">
+              <a:rPr lang="en-US" sz="2500">
                 <a:latin typeface="Times New Roman" panose="02020603050405020304" pitchFamily="18" charset="0"/>
                 <a:cs typeface="Times New Roman" panose="02020603050405020304" pitchFamily="18" charset="0"/>
               </a:rPr>
               <a:t>diện và bố </a:t>
             </a:r>
             <a:r>
-              <a:rPr lang="en-US" sz="2400" smtClean="0">
+              <a:rPr lang="en-US" sz="2500" smtClean="0">
                 <a:latin typeface="Times New Roman" panose="02020603050405020304" pitchFamily="18" charset="0"/>
                 <a:cs typeface="Times New Roman" panose="02020603050405020304" pitchFamily="18" charset="0"/>
               </a:rPr>
               <a:t>cục của </a:t>
             </a:r>
             <a:r>
-              <a:rPr lang="en-US" sz="2400">
+              <a:rPr lang="en-US" sz="2500">
                 <a:latin typeface="Times New Roman" panose="02020603050405020304" pitchFamily="18" charset="0"/>
                 <a:cs typeface="Times New Roman" panose="02020603050405020304" pitchFamily="18" charset="0"/>
               </a:rPr>
               <a:t>hệ thống vẫn chưa được đẹp </a:t>
             </a:r>
             <a:r>
-              <a:rPr lang="en-US" sz="2400" smtClean="0">
+              <a:rPr lang="en-US" sz="2500" smtClean="0">
                 <a:latin typeface="Times New Roman" panose="02020603050405020304" pitchFamily="18" charset="0"/>
                 <a:cs typeface="Times New Roman" panose="02020603050405020304" pitchFamily="18" charset="0"/>
               </a:rPr>
@@ -17635,51 +23880,18 @@
               <a:buChar char="§"/>
             </a:pPr>
             <a:r>
-              <a:rPr lang="en-US" sz="2400">
+              <a:rPr lang="en-US" sz="2500">
                 <a:latin typeface="Times New Roman" panose="02020603050405020304" pitchFamily="18" charset="0"/>
                 <a:cs typeface="Times New Roman" panose="02020603050405020304" pitchFamily="18" charset="0"/>
               </a:rPr>
               <a:t>Thiết kế cơ sở dữ liệu vẫn chưa được </a:t>
             </a:r>
             <a:r>
-              <a:rPr lang="en-US" sz="2400" smtClean="0">
-                <a:latin typeface="Times New Roman" panose="02020603050405020304" pitchFamily="18" charset="0"/>
-                <a:cs typeface="Times New Roman" panose="02020603050405020304" pitchFamily="18" charset="0"/>
-              </a:rPr>
-              <a:t>tốt.</a:t>
-            </a:r>
-          </a:p>
-          <a:p>
-            <a:pPr algn="just">
-              <a:buFont typeface="Wingdings" panose="05000000000000000000" pitchFamily="2" charset="2"/>
-              <a:buChar char="§"/>
-            </a:pPr>
-            <a:r>
-              <a:rPr lang="en-US" sz="2400">
-                <a:latin typeface="Times New Roman" panose="02020603050405020304" pitchFamily="18" charset="0"/>
-                <a:cs typeface="Times New Roman" panose="02020603050405020304" pitchFamily="18" charset="0"/>
-              </a:rPr>
-              <a:t>Chương trình vẫn chưa được hoàn thiện đầy đủ như kế hoạch đã đề ra</a:t>
-            </a:r>
-            <a:r>
-              <a:rPr lang="en-US" sz="2400" smtClean="0">
-                <a:latin typeface="Times New Roman" panose="02020603050405020304" pitchFamily="18" charset="0"/>
-                <a:cs typeface="Times New Roman" panose="02020603050405020304" pitchFamily="18" charset="0"/>
-              </a:rPr>
-              <a:t>.</a:t>
-            </a:r>
-          </a:p>
-          <a:p>
-            <a:pPr marL="0" indent="0">
-              <a:buFont typeface="Wingdings 3" charset="2"/>
-              <a:buNone/>
-            </a:pPr>
-            <a:r>
               <a:rPr lang="en-US" sz="2500" smtClean="0">
                 <a:latin typeface="Times New Roman" panose="02020603050405020304" pitchFamily="18" charset="0"/>
                 <a:cs typeface="Times New Roman" panose="02020603050405020304" pitchFamily="18" charset="0"/>
               </a:rPr>
-              <a:t>	</a:t>
+              <a:t>tốt. 	</a:t>
             </a:r>
             <a:endParaRPr lang="en-US" sz="2500">
               <a:latin typeface="Times New Roman" panose="02020603050405020304" pitchFamily="18" charset="0"/>
@@ -17691,22 +23903,22 @@
     </p:spTree>
     <p:extLst>
       <p:ext uri="{BB962C8B-B14F-4D97-AF65-F5344CB8AC3E}">
-        <p14:creationId xmlns:p14="http://schemas.microsoft.com/office/powerpoint/2010/main" val="2152908762"/>
+        <p14:creationId xmlns:p14="http://schemas.microsoft.com/office/powerpoint/2010/main" val="1631729400"/>
       </p:ext>
     </p:extLst>
   </p:cSld>
   <p:clrMapOvr>
     <a:masterClrMapping/>
   </p:clrMapOvr>
-  <mc:AlternateContent xmlns:mc="http://schemas.openxmlformats.org/markup-compatibility/2006" xmlns:p15="http://schemas.microsoft.com/office/powerpoint/2012/main">
-    <mc:Choice Requires="p15">
-      <p:transition xmlns:p14="http://schemas.microsoft.com/office/powerpoint/2010/main" spd="slow" p14:dur="3250">
-        <p15:prstTrans prst="origami"/>
+  <mc:AlternateContent xmlns:mc="http://schemas.openxmlformats.org/markup-compatibility/2006" xmlns:p14="http://schemas.microsoft.com/office/powerpoint/2010/main">
+    <mc:Choice Requires="p14">
+      <p:transition spd="slow" p14:dur="2500">
+        <p:checker/>
       </p:transition>
     </mc:Choice>
     <mc:Fallback xmlns="">
       <p:transition spd="slow">
-        <p:fade/>
+        <p:checker/>
       </p:transition>
     </mc:Fallback>
   </mc:AlternateContent>
@@ -17731,7 +23943,7 @@
                             </p:stCondLst>
                             <p:childTnLst>
                               <p:par>
-                                <p:cTn id="5" presetID="45" presetClass="entr" presetSubtype="0" fill="hold" grpId="0" nodeType="clickEffect">
+                                <p:cTn id="5" presetID="16" presetClass="entr" presetSubtype="21" fill="hold" nodeType="clickEffect">
                                   <p:stCondLst>
                                     <p:cond delay="0"/>
                                   </p:stCondLst>
@@ -17744,7 +23956,214 @@
                                           </p:stCondLst>
                                         </p:cTn>
                                         <p:tgtEl>
-                                          <p:spTgt spid="4"/>
+                                          <p:spTgt spid="5">
+                                            <p:txEl>
+                                              <p:pRg st="0" end="0"/>
+                                            </p:txEl>
+                                          </p:spTgt>
+                                        </p:tgtEl>
+                                        <p:attrNameLst>
+                                          <p:attrName>style.visibility</p:attrName>
+                                        </p:attrNameLst>
+                                      </p:cBhvr>
+                                      <p:to>
+                                        <p:strVal val="visible"/>
+                                      </p:to>
+                                    </p:set>
+                                    <p:animEffect transition="in" filter="barn(inVertical)">
+                                      <p:cBhvr>
+                                        <p:cTn id="7" dur="500"/>
+                                        <p:tgtEl>
+                                          <p:spTgt spid="5">
+                                            <p:txEl>
+                                              <p:pRg st="0" end="0"/>
+                                            </p:txEl>
+                                          </p:spTgt>
+                                        </p:tgtEl>
+                                      </p:cBhvr>
+                                    </p:animEffect>
+                                  </p:childTnLst>
+                                </p:cTn>
+                              </p:par>
+                            </p:childTnLst>
+                          </p:cTn>
+                        </p:par>
+                      </p:childTnLst>
+                    </p:cTn>
+                  </p:par>
+                  <p:par>
+                    <p:cTn id="8" fill="hold">
+                      <p:stCondLst>
+                        <p:cond delay="indefinite"/>
+                      </p:stCondLst>
+                      <p:childTnLst>
+                        <p:par>
+                          <p:cTn id="9" fill="hold">
+                            <p:stCondLst>
+                              <p:cond delay="0"/>
+                            </p:stCondLst>
+                            <p:childTnLst>
+                              <p:par>
+                                <p:cTn id="10" presetID="31" presetClass="entr" presetSubtype="0" fill="hold" nodeType="clickEffect">
+                                  <p:stCondLst>
+                                    <p:cond delay="0"/>
+                                  </p:stCondLst>
+                                  <p:childTnLst>
+                                    <p:set>
+                                      <p:cBhvr>
+                                        <p:cTn id="11" dur="1" fill="hold">
+                                          <p:stCondLst>
+                                            <p:cond delay="0"/>
+                                          </p:stCondLst>
+                                        </p:cTn>
+                                        <p:tgtEl>
+                                          <p:spTgt spid="5">
+                                            <p:txEl>
+                                              <p:pRg st="1" end="1"/>
+                                            </p:txEl>
+                                          </p:spTgt>
+                                        </p:tgtEl>
+                                        <p:attrNameLst>
+                                          <p:attrName>style.visibility</p:attrName>
+                                        </p:attrNameLst>
+                                      </p:cBhvr>
+                                      <p:to>
+                                        <p:strVal val="visible"/>
+                                      </p:to>
+                                    </p:set>
+                                    <p:anim calcmode="lin" valueType="num">
+                                      <p:cBhvr>
+                                        <p:cTn id="12" dur="1000" fill="hold"/>
+                                        <p:tgtEl>
+                                          <p:spTgt spid="5">
+                                            <p:txEl>
+                                              <p:pRg st="1" end="1"/>
+                                            </p:txEl>
+                                          </p:spTgt>
+                                        </p:tgtEl>
+                                        <p:attrNameLst>
+                                          <p:attrName>ppt_w</p:attrName>
+                                        </p:attrNameLst>
+                                      </p:cBhvr>
+                                      <p:tavLst>
+                                        <p:tav tm="0">
+                                          <p:val>
+                                            <p:fltVal val="0"/>
+                                          </p:val>
+                                        </p:tav>
+                                        <p:tav tm="100000">
+                                          <p:val>
+                                            <p:strVal val="#ppt_w"/>
+                                          </p:val>
+                                        </p:tav>
+                                      </p:tavLst>
+                                    </p:anim>
+                                    <p:anim calcmode="lin" valueType="num">
+                                      <p:cBhvr>
+                                        <p:cTn id="13" dur="1000" fill="hold"/>
+                                        <p:tgtEl>
+                                          <p:spTgt spid="5">
+                                            <p:txEl>
+                                              <p:pRg st="1" end="1"/>
+                                            </p:txEl>
+                                          </p:spTgt>
+                                        </p:tgtEl>
+                                        <p:attrNameLst>
+                                          <p:attrName>ppt_h</p:attrName>
+                                        </p:attrNameLst>
+                                      </p:cBhvr>
+                                      <p:tavLst>
+                                        <p:tav tm="0">
+                                          <p:val>
+                                            <p:fltVal val="0"/>
+                                          </p:val>
+                                        </p:tav>
+                                        <p:tav tm="100000">
+                                          <p:val>
+                                            <p:strVal val="#ppt_h"/>
+                                          </p:val>
+                                        </p:tav>
+                                      </p:tavLst>
+                                    </p:anim>
+                                    <p:anim calcmode="lin" valueType="num">
+                                      <p:cBhvr>
+                                        <p:cTn id="14" dur="1000" fill="hold"/>
+                                        <p:tgtEl>
+                                          <p:spTgt spid="5">
+                                            <p:txEl>
+                                              <p:pRg st="1" end="1"/>
+                                            </p:txEl>
+                                          </p:spTgt>
+                                        </p:tgtEl>
+                                        <p:attrNameLst>
+                                          <p:attrName>style.rotation</p:attrName>
+                                        </p:attrNameLst>
+                                      </p:cBhvr>
+                                      <p:tavLst>
+                                        <p:tav tm="0">
+                                          <p:val>
+                                            <p:fltVal val="90"/>
+                                          </p:val>
+                                        </p:tav>
+                                        <p:tav tm="100000">
+                                          <p:val>
+                                            <p:fltVal val="0"/>
+                                          </p:val>
+                                        </p:tav>
+                                      </p:tavLst>
+                                    </p:anim>
+                                    <p:animEffect transition="in" filter="fade">
+                                      <p:cBhvr>
+                                        <p:cTn id="15" dur="1000"/>
+                                        <p:tgtEl>
+                                          <p:spTgt spid="5">
+                                            <p:txEl>
+                                              <p:pRg st="1" end="1"/>
+                                            </p:txEl>
+                                          </p:spTgt>
+                                        </p:tgtEl>
+                                      </p:cBhvr>
+                                    </p:animEffect>
+                                  </p:childTnLst>
+                                </p:cTn>
+                              </p:par>
+                            </p:childTnLst>
+                          </p:cTn>
+                        </p:par>
+                      </p:childTnLst>
+                    </p:cTn>
+                  </p:par>
+                  <p:par>
+                    <p:cTn id="16" fill="hold">
+                      <p:stCondLst>
+                        <p:cond delay="indefinite"/>
+                      </p:stCondLst>
+                      <p:childTnLst>
+                        <p:par>
+                          <p:cTn id="17" fill="hold">
+                            <p:stCondLst>
+                              <p:cond delay="0"/>
+                            </p:stCondLst>
+                            <p:childTnLst>
+                              <p:par>
+                                <p:cTn id="18" presetID="10" presetClass="entr" presetSubtype="0" fill="hold" nodeType="clickEffect">
+                                  <p:stCondLst>
+                                    <p:cond delay="0"/>
+                                  </p:stCondLst>
+                                  <p:childTnLst>
+                                    <p:set>
+                                      <p:cBhvr>
+                                        <p:cTn id="19" dur="1" fill="hold">
+                                          <p:stCondLst>
+                                            <p:cond delay="0"/>
+                                          </p:stCondLst>
+                                        </p:cTn>
+                                        <p:tgtEl>
+                                          <p:spTgt spid="5">
+                                            <p:txEl>
+                                              <p:pRg st="2" end="2"/>
+                                            </p:txEl>
+                                          </p:spTgt>
                                         </p:tgtEl>
                                         <p:attrNameLst>
                                           <p:attrName>style.visibility</p:attrName>
@@ -17756,58 +24175,138 @@
                                     </p:set>
                                     <p:animEffect transition="in" filter="fade">
                                       <p:cBhvr>
-                                        <p:cTn id="7" dur="2000"/>
+                                        <p:cTn id="20" dur="500"/>
                                         <p:tgtEl>
-                                          <p:spTgt spid="4"/>
+                                          <p:spTgt spid="5">
+                                            <p:txEl>
+                                              <p:pRg st="2" end="2"/>
+                                            </p:txEl>
+                                          </p:spTgt>
                                         </p:tgtEl>
                                       </p:cBhvr>
                                     </p:animEffect>
-                                    <p:anim calcmode="lin" valueType="num">
+                                  </p:childTnLst>
+                                </p:cTn>
+                              </p:par>
+                            </p:childTnLst>
+                          </p:cTn>
+                        </p:par>
+                      </p:childTnLst>
+                    </p:cTn>
+                  </p:par>
+                  <p:par>
+                    <p:cTn id="21" fill="hold">
+                      <p:stCondLst>
+                        <p:cond delay="indefinite"/>
+                      </p:stCondLst>
+                      <p:childTnLst>
+                        <p:par>
+                          <p:cTn id="22" fill="hold">
+                            <p:stCondLst>
+                              <p:cond delay="0"/>
+                            </p:stCondLst>
+                            <p:childTnLst>
+                              <p:par>
+                                <p:cTn id="23" presetID="10" presetClass="entr" presetSubtype="0" fill="hold" nodeType="clickEffect">
+                                  <p:stCondLst>
+                                    <p:cond delay="0"/>
+                                  </p:stCondLst>
+                                  <p:childTnLst>
+                                    <p:set>
                                       <p:cBhvr>
-                                        <p:cTn id="8" dur="2000" fill="hold"/>
+                                        <p:cTn id="24" dur="1" fill="hold">
+                                          <p:stCondLst>
+                                            <p:cond delay="0"/>
+                                          </p:stCondLst>
+                                        </p:cTn>
                                         <p:tgtEl>
-                                          <p:spTgt spid="4"/>
+                                          <p:spTgt spid="5">
+                                            <p:txEl>
+                                              <p:pRg st="3" end="3"/>
+                                            </p:txEl>
+                                          </p:spTgt>
                                         </p:tgtEl>
                                         <p:attrNameLst>
-                                          <p:attrName>ppt_w</p:attrName>
+                                          <p:attrName>style.visibility</p:attrName>
                                         </p:attrNameLst>
                                       </p:cBhvr>
-                                      <p:tavLst>
-                                        <p:tav tm="0" fmla="#ppt_w*sin(2.5*pi*$)">
-                                          <p:val>
-                                            <p:fltVal val="0"/>
-                                          </p:val>
-                                        </p:tav>
-                                        <p:tav tm="100000">
-                                          <p:val>
-                                            <p:fltVal val="1"/>
-                                          </p:val>
-                                        </p:tav>
-                                      </p:tavLst>
-                                    </p:anim>
-                                    <p:anim calcmode="lin" valueType="num">
+                                      <p:to>
+                                        <p:strVal val="visible"/>
+                                      </p:to>
+                                    </p:set>
+                                    <p:animEffect transition="in" filter="fade">
                                       <p:cBhvr>
-                                        <p:cTn id="9" dur="2000" fill="hold"/>
+                                        <p:cTn id="25" dur="500"/>
                                         <p:tgtEl>
-                                          <p:spTgt spid="4"/>
+                                          <p:spTgt spid="5">
+                                            <p:txEl>
+                                              <p:pRg st="3" end="3"/>
+                                            </p:txEl>
+                                          </p:spTgt>
+                                        </p:tgtEl>
+                                      </p:cBhvr>
+                                    </p:animEffect>
+                                  </p:childTnLst>
+                                </p:cTn>
+                              </p:par>
+                            </p:childTnLst>
+                          </p:cTn>
+                        </p:par>
+                      </p:childTnLst>
+                    </p:cTn>
+                  </p:par>
+                  <p:par>
+                    <p:cTn id="26" fill="hold">
+                      <p:stCondLst>
+                        <p:cond delay="indefinite"/>
+                      </p:stCondLst>
+                      <p:childTnLst>
+                        <p:par>
+                          <p:cTn id="27" fill="hold">
+                            <p:stCondLst>
+                              <p:cond delay="0"/>
+                            </p:stCondLst>
+                            <p:childTnLst>
+                              <p:par>
+                                <p:cTn id="28" presetID="10" presetClass="entr" presetSubtype="0" fill="hold" nodeType="clickEffect">
+                                  <p:stCondLst>
+                                    <p:cond delay="0"/>
+                                  </p:stCondLst>
+                                  <p:childTnLst>
+                                    <p:set>
+                                      <p:cBhvr>
+                                        <p:cTn id="29" dur="1" fill="hold">
+                                          <p:stCondLst>
+                                            <p:cond delay="0"/>
+                                          </p:stCondLst>
+                                        </p:cTn>
+                                        <p:tgtEl>
+                                          <p:spTgt spid="5">
+                                            <p:txEl>
+                                              <p:pRg st="4" end="4"/>
+                                            </p:txEl>
+                                          </p:spTgt>
                                         </p:tgtEl>
                                         <p:attrNameLst>
-                                          <p:attrName>ppt_h</p:attrName>
+                                          <p:attrName>style.visibility</p:attrName>
                                         </p:attrNameLst>
                                       </p:cBhvr>
-                                      <p:tavLst>
-                                        <p:tav tm="0">
-                                          <p:val>
-                                            <p:strVal val="#ppt_h"/>
-                                          </p:val>
-                                        </p:tav>
-                                        <p:tav tm="100000">
-                                          <p:val>
-                                            <p:strVal val="#ppt_h"/>
-                                          </p:val>
-                                        </p:tav>
-                                      </p:tavLst>
-                                    </p:anim>
+                                      <p:to>
+                                        <p:strVal val="visible"/>
+                                      </p:to>
+                                    </p:set>
+                                    <p:animEffect transition="in" filter="fade">
+                                      <p:cBhvr>
+                                        <p:cTn id="30" dur="500"/>
+                                        <p:tgtEl>
+                                          <p:spTgt spid="5">
+                                            <p:txEl>
+                                              <p:pRg st="4" end="4"/>
+                                            </p:txEl>
+                                          </p:spTgt>
+                                        </p:tgtEl>
+                                      </p:cBhvr>
+                                    </p:animEffect>
                                   </p:childTnLst>
                                 </p:cTn>
                               </p:par>
@@ -17838,14 +24337,11 @@
         </p:cTn>
       </p:par>
     </p:tnLst>
-    <p:bldLst>
-      <p:bldP spid="4" grpId="0"/>
-    </p:bldLst>
   </p:timing>
 </p:sld>
 </file>
 
-<file path=ppt/slides/slide7.xml><?xml version="1.0" encoding="utf-8"?>
+<file path=ppt/slides/slide9.xml><?xml version="1.0" encoding="utf-8"?>
 <p:sld xmlns:a="http://schemas.openxmlformats.org/drawingml/2006/main" xmlns:r="http://schemas.openxmlformats.org/officeDocument/2006/relationships" xmlns:p="http://schemas.openxmlformats.org/presentationml/2006/main">
   <p:cSld>
     <p:spTree>
@@ -17874,8 +24370,8 @@
         </p:nvSpPr>
         <p:spPr>
           <a:xfrm>
-            <a:off x="2592925" y="1383957"/>
-            <a:ext cx="8915400" cy="3777622"/>
+            <a:off x="2592925" y="1383956"/>
+            <a:ext cx="8915400" cy="4137277"/>
           </a:xfrm>
         </p:spPr>
         <p:txBody>
@@ -17888,7 +24384,7 @@
               <a:buNone/>
             </a:pPr>
             <a:r>
-              <a:rPr lang="en-US" sz="2500" smtClean="0">
+              <a:rPr lang="en-US" sz="2500" b="1" smtClean="0">
                 <a:latin typeface="Times New Roman" panose="02020603050405020304" pitchFamily="18" charset="0"/>
                 <a:cs typeface="Times New Roman" panose="02020603050405020304" pitchFamily="18" charset="0"/>
               </a:rPr>
@@ -17901,62 +24397,96 @@
               <a:buChar char="ü"/>
             </a:pPr>
             <a:r>
-              <a:rPr lang="en-US" sz="2000">
+              <a:rPr lang="en-US" sz="2500" smtClean="0">
                 <a:latin typeface="Times New Roman" panose="02020603050405020304" pitchFamily="18" charset="0"/>
                 <a:cs typeface="Times New Roman" panose="02020603050405020304" pitchFamily="18" charset="0"/>
               </a:rPr>
-              <a:t>Nếu được phát triển tiếp tục đề tài này, em sẽ xây dựng hệ thống quản lý khách sạn </a:t>
+              <a:t>Xây </a:t>
             </a:r>
             <a:r>
-              <a:rPr lang="en-US" sz="2000" b="1" i="1">
+              <a:rPr lang="en-US" sz="2500">
+                <a:latin typeface="Times New Roman" panose="02020603050405020304" pitchFamily="18" charset="0"/>
+                <a:cs typeface="Times New Roman" panose="02020603050405020304" pitchFamily="18" charset="0"/>
+              </a:rPr>
+              <a:t>dựng hệ thống quản lý khách sạn </a:t>
+            </a:r>
+            <a:r>
+              <a:rPr lang="en-US" sz="2500" b="1" i="1">
                 <a:latin typeface="Times New Roman" panose="02020603050405020304" pitchFamily="18" charset="0"/>
                 <a:cs typeface="Times New Roman" panose="02020603050405020304" pitchFamily="18" charset="0"/>
               </a:rPr>
               <a:t>đăng ký </a:t>
             </a:r>
             <a:r>
-              <a:rPr lang="en-US" sz="2000" b="1" i="1" smtClean="0">
+              <a:rPr lang="en-US" sz="2500" b="1" i="1" smtClean="0">
                 <a:latin typeface="Times New Roman" panose="02020603050405020304" pitchFamily="18" charset="0"/>
                 <a:cs typeface="Times New Roman" panose="02020603050405020304" pitchFamily="18" charset="0"/>
               </a:rPr>
               <a:t>online</a:t>
             </a:r>
             <a:r>
-              <a:rPr lang="en-US" sz="2000" smtClean="0">
+              <a:rPr lang="en-US" sz="2500" smtClean="0">
                 <a:latin typeface="Times New Roman" panose="02020603050405020304" pitchFamily="18" charset="0"/>
                 <a:cs typeface="Times New Roman" panose="02020603050405020304" pitchFamily="18" charset="0"/>
               </a:rPr>
               <a:t> </a:t>
             </a:r>
             <a:r>
-              <a:rPr lang="en-US" sz="2000">
+              <a:rPr lang="en-US" sz="2500">
                 <a:latin typeface="Times New Roman" panose="02020603050405020304" pitchFamily="18" charset="0"/>
                 <a:cs typeface="Times New Roman" panose="02020603050405020304" pitchFamily="18" charset="0"/>
               </a:rPr>
-              <a:t>trên nền Website trực tuyến hoặc </a:t>
+              <a:t>trên nền Website trực </a:t>
             </a:r>
             <a:r>
-              <a:rPr lang="en-US" sz="2000" b="1" i="1">
+              <a:rPr lang="en-US" sz="2500" smtClean="0">
                 <a:latin typeface="Times New Roman" panose="02020603050405020304" pitchFamily="18" charset="0"/>
                 <a:cs typeface="Times New Roman" panose="02020603050405020304" pitchFamily="18" charset="0"/>
               </a:rPr>
-              <a:t>trên điện thoại di </a:t>
+              <a:t>tuyến.</a:t>
+            </a:r>
+          </a:p>
+          <a:p>
+            <a:pPr algn="just">
+              <a:buFont typeface="Wingdings" panose="05000000000000000000" pitchFamily="2" charset="2"/>
+              <a:buChar char="ü"/>
+            </a:pPr>
+            <a:r>
+              <a:rPr lang="en-US" sz="2500">
+                <a:latin typeface="Times New Roman" panose="02020603050405020304" pitchFamily="18" charset="0"/>
+                <a:cs typeface="Times New Roman" panose="02020603050405020304" pitchFamily="18" charset="0"/>
+              </a:rPr>
+              <a:t> Xây dựng hệ thống quản lý khách sạn </a:t>
             </a:r>
             <a:r>
-              <a:rPr lang="en-US" sz="2000" b="1" i="1" smtClean="0">
+              <a:rPr lang="en-US" sz="2500" b="1" i="1" smtClean="0">
+                <a:latin typeface="Times New Roman" panose="02020603050405020304" pitchFamily="18" charset="0"/>
+                <a:cs typeface="Times New Roman" panose="02020603050405020304" pitchFamily="18" charset="0"/>
+              </a:rPr>
+              <a:t>trên </a:t>
+            </a:r>
+            <a:r>
+              <a:rPr lang="en-US" sz="2500" b="1" i="1">
+                <a:latin typeface="Times New Roman" panose="02020603050405020304" pitchFamily="18" charset="0"/>
+                <a:cs typeface="Times New Roman" panose="02020603050405020304" pitchFamily="18" charset="0"/>
+              </a:rPr>
+              <a:t>điện thoại di </a:t>
+            </a:r>
+            <a:r>
+              <a:rPr lang="en-US" sz="2500" b="1" i="1" smtClean="0">
                 <a:latin typeface="Times New Roman" panose="02020603050405020304" pitchFamily="18" charset="0"/>
                 <a:cs typeface="Times New Roman" panose="02020603050405020304" pitchFamily="18" charset="0"/>
               </a:rPr>
               <a:t>động.</a:t>
             </a:r>
             <a:r>
-              <a:rPr lang="en-US" sz="2000">
+              <a:rPr lang="en-US" sz="2500">
                 <a:latin typeface="Times New Roman" panose="02020603050405020304" pitchFamily="18" charset="0"/>
                 <a:cs typeface="Times New Roman" panose="02020603050405020304" pitchFamily="18" charset="0"/>
               </a:rPr>
-              <a:t> Như vậy, có thể tránh được những sai sót có thể gây ảnh hướng đến uy tín và chất lượng của khách sạn do việc tra cứu thông tin chậm trễ, đó là điều mà những nhà kinh doanh ngành khách sạn đều không mong muốn</a:t>
+              <a:t> </a:t>
             </a:r>
-            <a:endParaRPr lang="en-US" sz="2000" b="1" i="1" smtClean="0">
+            <a:endParaRPr lang="en-US" sz="2500" smtClean="0">
               <a:latin typeface="Times New Roman" panose="02020603050405020304" pitchFamily="18" charset="0"/>
               <a:cs typeface="Times New Roman" panose="02020603050405020304" pitchFamily="18" charset="0"/>
             </a:endParaRPr>
@@ -17964,7 +24494,87 @@
           <a:p>
             <a:pPr>
               <a:buFont typeface="Wingdings" panose="05000000000000000000" pitchFamily="2" charset="2"/>
-              <a:buChar char="ü"/>
+              <a:buChar char="q"/>
+            </a:pPr>
+            <a:r>
+              <a:rPr lang="en-US" sz="2500" smtClean="0">
+                <a:latin typeface="Times New Roman" panose="02020603050405020304" pitchFamily="18" charset="0"/>
+                <a:cs typeface="Times New Roman" panose="02020603050405020304" pitchFamily="18" charset="0"/>
+              </a:rPr>
+              <a:t>Quản lý thông qua website.</a:t>
+            </a:r>
+          </a:p>
+          <a:p>
+            <a:pPr>
+              <a:buFont typeface="Wingdings" panose="05000000000000000000" pitchFamily="2" charset="2"/>
+              <a:buChar char="q"/>
+            </a:pPr>
+            <a:r>
+              <a:rPr lang="en-US" sz="2500" smtClean="0">
+                <a:latin typeface="Times New Roman" panose="02020603050405020304" pitchFamily="18" charset="0"/>
+                <a:cs typeface="Times New Roman" panose="02020603050405020304" pitchFamily="18" charset="0"/>
+              </a:rPr>
+              <a:t>Đặt phòng trực tuyến</a:t>
+            </a:r>
+            <a:r>
+              <a:rPr lang="en-US" sz="2500" smtClean="0">
+                <a:latin typeface="Times New Roman" panose="02020603050405020304" pitchFamily="18" charset="0"/>
+                <a:cs typeface="Times New Roman" panose="02020603050405020304" pitchFamily="18" charset="0"/>
+              </a:rPr>
+              <a:t>.</a:t>
+            </a:r>
+            <a:endParaRPr lang="en-US" sz="2500" smtClean="0">
+              <a:latin typeface="Times New Roman" panose="02020603050405020304" pitchFamily="18" charset="0"/>
+              <a:cs typeface="Times New Roman" panose="02020603050405020304" pitchFamily="18" charset="0"/>
+            </a:endParaRPr>
+          </a:p>
+          <a:p>
+            <a:pPr>
+              <a:buFont typeface="Wingdings" panose="05000000000000000000" pitchFamily="2" charset="2"/>
+              <a:buChar char="q"/>
+            </a:pPr>
+            <a:r>
+              <a:rPr lang="en-US" sz="2500" smtClean="0">
+                <a:latin typeface="Times New Roman" panose="02020603050405020304" pitchFamily="18" charset="0"/>
+                <a:cs typeface="Times New Roman" panose="02020603050405020304" pitchFamily="18" charset="0"/>
+              </a:rPr>
+              <a:t>Phản hồi của khách hàng</a:t>
+            </a:r>
+            <a:r>
+              <a:rPr lang="en-US" sz="2500" smtClean="0">
+                <a:latin typeface="Times New Roman" panose="02020603050405020304" pitchFamily="18" charset="0"/>
+                <a:cs typeface="Times New Roman" panose="02020603050405020304" pitchFamily="18" charset="0"/>
+              </a:rPr>
+              <a:t>.</a:t>
+            </a:r>
+          </a:p>
+          <a:p>
+            <a:pPr marL="342900" lvl="1" indent="-342900">
+              <a:buFont typeface="Wingdings" panose="05000000000000000000" pitchFamily="2" charset="2"/>
+              <a:buChar char="q"/>
+            </a:pPr>
+            <a:r>
+              <a:rPr lang="en-US" sz="2500">
+                <a:latin typeface="Times New Roman" panose="02020603050405020304" pitchFamily="18" charset="0"/>
+                <a:cs typeface="Times New Roman" panose="02020603050405020304" pitchFamily="18" charset="0"/>
+              </a:rPr>
+              <a:t>Hạn chế được việc bỏ lỡ cơ hội cho khách hàng thuê phòng.</a:t>
+            </a:r>
+          </a:p>
+          <a:p>
+            <a:pPr>
+              <a:buFont typeface="Wingdings" panose="05000000000000000000" pitchFamily="2" charset="2"/>
+              <a:buChar char="q"/>
+            </a:pPr>
+            <a:endParaRPr lang="en-US" sz="2500" smtClean="0">
+              <a:latin typeface="Times New Roman" panose="02020603050405020304" pitchFamily="18" charset="0"/>
+              <a:cs typeface="Times New Roman" panose="02020603050405020304" pitchFamily="18" charset="0"/>
+            </a:endParaRPr>
+          </a:p>
+          <a:p>
+            <a:pPr>
+              <a:buFont typeface="Wingdings" panose="05000000000000000000" pitchFamily="2" charset="2"/>
+              <a:buChar char="q"/>
             </a:pPr>
             <a:endParaRPr lang="en-US" sz="2000">
               <a:latin typeface="Times New Roman" panose="02020603050405020304" pitchFamily="18" charset="0"/>
@@ -18116,315 +24726,402 @@
   <p:clrMapOvr>
     <a:masterClrMapping/>
   </p:clrMapOvr>
-  <mc:AlternateContent xmlns:mc="http://schemas.openxmlformats.org/markup-compatibility/2006" xmlns:p14="http://schemas.microsoft.com/office/powerpoint/2010/main">
-    <mc:Choice Requires="p14">
-      <p:transition spd="slow" p14:dur="3900">
-        <p14:glitter pattern="hexagon"/>
-      </p:transition>
-    </mc:Choice>
-    <mc:Fallback xmlns="">
-      <p:transition spd="slow">
-        <p:fade/>
-      </p:transition>
-    </mc:Fallback>
-  </mc:AlternateContent>
+  <p:transition spd="slow">
+    <p:wheel spokes="1"/>
+  </p:transition>
   <p:timing>
     <p:tnLst>
       <p:par>
-        <p:cTn id="1" dur="indefinite" restart="never" nodeType="tmRoot"/>
-      </p:par>
-    </p:tnLst>
-  </p:timing>
-</p:sld>
-</file>
-
-<file path=ppt/slides/slide8.xml><?xml version="1.0" encoding="utf-8"?>
-<p:sld xmlns:a="http://schemas.openxmlformats.org/drawingml/2006/main" xmlns:r="http://schemas.openxmlformats.org/officeDocument/2006/relationships" xmlns:p="http://schemas.openxmlformats.org/presentationml/2006/main">
-  <p:cSld>
-    <p:spTree>
-      <p:nvGrpSpPr>
-        <p:cNvPr id="1" name=""/>
-        <p:cNvGrpSpPr/>
-        <p:nvPr/>
-      </p:nvGrpSpPr>
-      <p:grpSpPr>
-        <a:xfrm>
-          <a:off x="0" y="0"/>
-          <a:ext cx="0" cy="0"/>
-          <a:chOff x="0" y="0"/>
-          <a:chExt cx="0" cy="0"/>
-        </a:xfrm>
-      </p:grpSpPr>
-      <p:pic>
-        <p:nvPicPr>
-          <p:cNvPr id="5" name="Ảnh 4"/>
-          <p:cNvPicPr>
-            <a:picLocks noChangeAspect="1"/>
-          </p:cNvPicPr>
-          <p:nvPr/>
-        </p:nvPicPr>
-        <p:blipFill>
-          <a:blip r:embed="rId2"/>
-          <a:stretch>
-            <a:fillRect/>
-          </a:stretch>
-        </p:blipFill>
-        <p:spPr>
-          <a:xfrm>
-            <a:off x="0" y="0"/>
-            <a:ext cx="12181465" cy="6858000"/>
-          </a:xfrm>
-          <a:prstGeom prst="rect">
-            <a:avLst/>
-          </a:prstGeom>
-        </p:spPr>
-      </p:pic>
-    </p:spTree>
-    <p:extLst>
-      <p:ext uri="{BB962C8B-B14F-4D97-AF65-F5344CB8AC3E}">
-        <p14:creationId xmlns:p14="http://schemas.microsoft.com/office/powerpoint/2010/main" val="359828846"/>
-      </p:ext>
-    </p:extLst>
-  </p:cSld>
-  <p:clrMapOvr>
-    <a:masterClrMapping/>
-  </p:clrMapOvr>
-  <mc:AlternateContent xmlns:mc="http://schemas.openxmlformats.org/markup-compatibility/2006" xmlns:p14="http://schemas.microsoft.com/office/powerpoint/2010/main">
-    <mc:Choice Requires="p14">
-      <p:transition spd="slow" p14:dur="800">
-        <p14:flythrough/>
-      </p:transition>
-    </mc:Choice>
-    <mc:Fallback xmlns="">
-      <p:transition spd="slow">
-        <p:fade/>
-      </p:transition>
-    </mc:Fallback>
-  </mc:AlternateContent>
-  <p:timing>
-    <p:tnLst>
-      <p:par>
-        <p:cTn id="1" dur="indefinite" restart="never" nodeType="tmRoot"/>
-      </p:par>
-    </p:tnLst>
-  </p:timing>
-</p:sld>
-</file>
-
-<file path=ppt/slides/slide9.xml><?xml version="1.0" encoding="utf-8"?>
-<p:sld xmlns:a="http://schemas.openxmlformats.org/drawingml/2006/main" xmlns:r="http://schemas.openxmlformats.org/officeDocument/2006/relationships" xmlns:p="http://schemas.openxmlformats.org/presentationml/2006/main">
-  <p:cSld>
-    <p:spTree>
-      <p:nvGrpSpPr>
-        <p:cNvPr id="1" name=""/>
-        <p:cNvGrpSpPr/>
-        <p:nvPr/>
-      </p:nvGrpSpPr>
-      <p:grpSpPr>
-        <a:xfrm>
-          <a:off x="0" y="0"/>
-          <a:ext cx="0" cy="0"/>
-          <a:chOff x="0" y="0"/>
-          <a:chExt cx="0" cy="0"/>
-        </a:xfrm>
-      </p:grpSpPr>
-      <p:sp>
-        <p:nvSpPr>
-          <p:cNvPr id="2" name="Tiêu đề 1"/>
-          <p:cNvSpPr>
-            <a:spLocks noGrp="1"/>
-          </p:cNvSpPr>
-          <p:nvPr>
-            <p:ph type="title"/>
-          </p:nvPr>
-        </p:nvSpPr>
-        <p:spPr>
-          <a:xfrm>
-            <a:off x="1855166" y="354226"/>
-            <a:ext cx="9315342" cy="2364861"/>
-          </a:xfrm>
-        </p:spPr>
-        <p:txBody>
-          <a:bodyPr>
-            <a:noAutofit/>
-            <a:scene3d>
-              <a:camera prst="obliqueTopRight"/>
-              <a:lightRig rig="threePt" dir="t"/>
-            </a:scene3d>
-          </a:bodyPr>
-          <a:lstStyle/>
-          <a:p>
-            <a:pPr algn="ctr"/>
-            <a:r>
-              <a:rPr lang="en-US" sz="5400" b="1">
-                <a:ln w="9525">
-                  <a:solidFill>
-                    <a:schemeClr val="bg1"/>
-                  </a:solidFill>
-                  <a:prstDash val="solid"/>
-                </a:ln>
-                <a:solidFill>
-                  <a:schemeClr val="tx1">
-                    <a:lumMod val="95000"/>
-                    <a:lumOff val="5000"/>
-                  </a:schemeClr>
-                </a:solidFill>
-                <a:effectLst>
-                  <a:outerShdw blurRad="50800" dist="38100" dir="16200000" rotWithShape="0">
-                    <a:prstClr val="black">
-                      <a:alpha val="40000"/>
-                    </a:prstClr>
-                  </a:outerShdw>
-                </a:effectLst>
-                <a:latin typeface="Times New Roman" panose="02020603050405020304" pitchFamily="18" charset="0"/>
-                <a:cs typeface="Times New Roman" panose="02020603050405020304" pitchFamily="18" charset="0"/>
-              </a:rPr>
-              <a:t>Cảm ơn thầy, cô và các bạn </a:t>
-            </a:r>
-            <a:br>
-              <a:rPr lang="en-US" sz="5400" b="1">
-                <a:ln w="9525">
-                  <a:solidFill>
-                    <a:schemeClr val="bg1"/>
-                  </a:solidFill>
-                  <a:prstDash val="solid"/>
-                </a:ln>
-                <a:solidFill>
-                  <a:schemeClr val="tx1">
-                    <a:lumMod val="95000"/>
-                    <a:lumOff val="5000"/>
-                  </a:schemeClr>
-                </a:solidFill>
-                <a:effectLst>
-                  <a:outerShdw blurRad="50800" dist="38100" dir="16200000" rotWithShape="0">
-                    <a:prstClr val="black">
-                      <a:alpha val="40000"/>
-                    </a:prstClr>
-                  </a:outerShdw>
-                </a:effectLst>
-                <a:latin typeface="Times New Roman" panose="02020603050405020304" pitchFamily="18" charset="0"/>
-                <a:cs typeface="Times New Roman" panose="02020603050405020304" pitchFamily="18" charset="0"/>
-              </a:rPr>
-            </a:br>
-            <a:r>
-              <a:rPr lang="en-US" sz="5400" b="1">
-                <a:ln w="9525">
-                  <a:solidFill>
-                    <a:schemeClr val="bg1"/>
-                  </a:solidFill>
-                  <a:prstDash val="solid"/>
-                </a:ln>
-                <a:solidFill>
-                  <a:schemeClr val="tx1">
-                    <a:lumMod val="95000"/>
-                    <a:lumOff val="5000"/>
-                  </a:schemeClr>
-                </a:solidFill>
-                <a:effectLst>
-                  <a:outerShdw blurRad="50800" dist="38100" dir="16200000" rotWithShape="0">
-                    <a:prstClr val="black">
-                      <a:alpha val="40000"/>
-                    </a:prstClr>
-                  </a:outerShdw>
-                </a:effectLst>
-                <a:latin typeface="Times New Roman" panose="02020603050405020304" pitchFamily="18" charset="0"/>
-                <a:cs typeface="Times New Roman" panose="02020603050405020304" pitchFamily="18" charset="0"/>
-              </a:rPr>
-              <a:t>đã lắng nghe!!!</a:t>
-            </a:r>
-            <a:endParaRPr lang="en-US" sz="5400" b="1">
-              <a:ln w="9525">
-                <a:solidFill>
-                  <a:schemeClr val="bg1"/>
-                </a:solidFill>
-                <a:prstDash val="solid"/>
-              </a:ln>
-              <a:solidFill>
-                <a:schemeClr val="tx1">
-                  <a:lumMod val="95000"/>
-                  <a:lumOff val="5000"/>
-                </a:schemeClr>
-              </a:solidFill>
-              <a:effectLst>
-                <a:outerShdw blurRad="50800" dist="38100" dir="16200000" rotWithShape="0">
-                  <a:prstClr val="black">
-                    <a:alpha val="40000"/>
-                  </a:prstClr>
-                </a:outerShdw>
-              </a:effectLst>
-            </a:endParaRPr>
-          </a:p>
-        </p:txBody>
-      </p:sp>
-      <p:pic>
-        <p:nvPicPr>
-          <p:cNvPr id="1026" name="Picture 2" descr="HÃ¬nh áº£nh cÃ³ liÃªn quan"/>
-          <p:cNvPicPr>
-            <a:picLocks noGrp="1" noChangeAspect="1" noChangeArrowheads="1" noCrop="1"/>
-          </p:cNvPicPr>
-          <p:nvPr>
-            <p:ph idx="1"/>
-          </p:nvPr>
-        </p:nvPicPr>
-        <p:blipFill>
-          <a:blip r:embed="rId2">
-            <a:extLst>
-              <a:ext uri="{28A0092B-C50C-407E-A947-70E740481C1C}">
-                <a14:useLocalDpi xmlns:a14="http://schemas.microsoft.com/office/drawing/2010/main" val="0"/>
-              </a:ext>
-            </a:extLst>
-          </a:blip>
-          <a:srcRect/>
-          <a:stretch>
-            <a:fillRect/>
-          </a:stretch>
-        </p:blipFill>
-        <p:spPr bwMode="auto">
-          <a:xfrm>
-            <a:off x="2174789" y="2719087"/>
-            <a:ext cx="8995719" cy="3722241"/>
-          </a:xfrm>
-          <a:prstGeom prst="rect">
-            <a:avLst/>
-          </a:prstGeom>
-          <a:noFill/>
-          <a:extLst>
-            <a:ext uri="{909E8E84-426E-40DD-AFC4-6F175D3DCCD1}">
-              <a14:hiddenFill xmlns:a14="http://schemas.microsoft.com/office/drawing/2010/main">
-                <a:solidFill>
-                  <a:srgbClr val="FFFFFF"/>
-                </a:solidFill>
-              </a14:hiddenFill>
-            </a:ext>
-          </a:extLst>
-        </p:spPr>
-      </p:pic>
-    </p:spTree>
-    <p:extLst>
-      <p:ext uri="{BB962C8B-B14F-4D97-AF65-F5344CB8AC3E}">
-        <p14:creationId xmlns:p14="http://schemas.microsoft.com/office/powerpoint/2010/main" val="913734607"/>
-      </p:ext>
-    </p:extLst>
-  </p:cSld>
-  <p:clrMapOvr>
-    <a:masterClrMapping/>
-  </p:clrMapOvr>
-  <mc:AlternateContent xmlns:mc="http://schemas.openxmlformats.org/markup-compatibility/2006" xmlns:p15="http://schemas.microsoft.com/office/powerpoint/2012/main">
-    <mc:Choice Requires="p15">
-      <p:transition xmlns:p14="http://schemas.microsoft.com/office/powerpoint/2010/main" spd="slow" p14:dur="6000">
-        <p15:prstTrans prst="curtains"/>
-      </p:transition>
-    </mc:Choice>
-    <mc:Fallback xmlns="">
-      <p:transition spd="slow">
-        <p:fade/>
-      </p:transition>
-    </mc:Fallback>
-  </mc:AlternateContent>
-  <p:timing>
-    <p:tnLst>
-      <p:par>
-        <p:cTn id="1" dur="indefinite" restart="never" nodeType="tmRoot"/>
+        <p:cTn id="1" dur="indefinite" restart="never" nodeType="tmRoot">
+          <p:childTnLst>
+            <p:seq concurrent="1" nextAc="seek">
+              <p:cTn id="2" dur="indefinite" nodeType="mainSeq">
+                <p:childTnLst>
+                  <p:par>
+                    <p:cTn id="3" fill="hold">
+                      <p:stCondLst>
+                        <p:cond delay="indefinite"/>
+                      </p:stCondLst>
+                      <p:childTnLst>
+                        <p:par>
+                          <p:cTn id="4" fill="hold">
+                            <p:stCondLst>
+                              <p:cond delay="0"/>
+                            </p:stCondLst>
+                            <p:childTnLst>
+                              <p:par>
+                                <p:cTn id="5" presetID="10" presetClass="entr" presetSubtype="0" fill="hold" nodeType="clickEffect">
+                                  <p:stCondLst>
+                                    <p:cond delay="0"/>
+                                  </p:stCondLst>
+                                  <p:childTnLst>
+                                    <p:set>
+                                      <p:cBhvr>
+                                        <p:cTn id="6" dur="1" fill="hold">
+                                          <p:stCondLst>
+                                            <p:cond delay="0"/>
+                                          </p:stCondLst>
+                                        </p:cTn>
+                                        <p:tgtEl>
+                                          <p:spTgt spid="3">
+                                            <p:txEl>
+                                              <p:pRg st="1" end="1"/>
+                                            </p:txEl>
+                                          </p:spTgt>
+                                        </p:tgtEl>
+                                        <p:attrNameLst>
+                                          <p:attrName>style.visibility</p:attrName>
+                                        </p:attrNameLst>
+                                      </p:cBhvr>
+                                      <p:to>
+                                        <p:strVal val="visible"/>
+                                      </p:to>
+                                    </p:set>
+                                    <p:animEffect transition="in" filter="fade">
+                                      <p:cBhvr>
+                                        <p:cTn id="7" dur="500"/>
+                                        <p:tgtEl>
+                                          <p:spTgt spid="3">
+                                            <p:txEl>
+                                              <p:pRg st="1" end="1"/>
+                                            </p:txEl>
+                                          </p:spTgt>
+                                        </p:tgtEl>
+                                      </p:cBhvr>
+                                    </p:animEffect>
+                                  </p:childTnLst>
+                                </p:cTn>
+                              </p:par>
+                            </p:childTnLst>
+                          </p:cTn>
+                        </p:par>
+                      </p:childTnLst>
+                    </p:cTn>
+                  </p:par>
+                  <p:par>
+                    <p:cTn id="8" fill="hold">
+                      <p:stCondLst>
+                        <p:cond delay="indefinite"/>
+                      </p:stCondLst>
+                      <p:childTnLst>
+                        <p:par>
+                          <p:cTn id="9" fill="hold">
+                            <p:stCondLst>
+                              <p:cond delay="0"/>
+                            </p:stCondLst>
+                            <p:childTnLst>
+                              <p:par>
+                                <p:cTn id="10" presetID="10" presetClass="entr" presetSubtype="0" fill="hold" nodeType="clickEffect">
+                                  <p:stCondLst>
+                                    <p:cond delay="0"/>
+                                  </p:stCondLst>
+                                  <p:childTnLst>
+                                    <p:set>
+                                      <p:cBhvr>
+                                        <p:cTn id="11" dur="1" fill="hold">
+                                          <p:stCondLst>
+                                            <p:cond delay="0"/>
+                                          </p:stCondLst>
+                                        </p:cTn>
+                                        <p:tgtEl>
+                                          <p:spTgt spid="3">
+                                            <p:txEl>
+                                              <p:pRg st="2" end="2"/>
+                                            </p:txEl>
+                                          </p:spTgt>
+                                        </p:tgtEl>
+                                        <p:attrNameLst>
+                                          <p:attrName>style.visibility</p:attrName>
+                                        </p:attrNameLst>
+                                      </p:cBhvr>
+                                      <p:to>
+                                        <p:strVal val="visible"/>
+                                      </p:to>
+                                    </p:set>
+                                    <p:animEffect transition="in" filter="fade">
+                                      <p:cBhvr>
+                                        <p:cTn id="12" dur="500"/>
+                                        <p:tgtEl>
+                                          <p:spTgt spid="3">
+                                            <p:txEl>
+                                              <p:pRg st="2" end="2"/>
+                                            </p:txEl>
+                                          </p:spTgt>
+                                        </p:tgtEl>
+                                      </p:cBhvr>
+                                    </p:animEffect>
+                                  </p:childTnLst>
+                                </p:cTn>
+                              </p:par>
+                            </p:childTnLst>
+                          </p:cTn>
+                        </p:par>
+                      </p:childTnLst>
+                    </p:cTn>
+                  </p:par>
+                  <p:par>
+                    <p:cTn id="13" fill="hold">
+                      <p:stCondLst>
+                        <p:cond delay="indefinite"/>
+                      </p:stCondLst>
+                      <p:childTnLst>
+                        <p:par>
+                          <p:cTn id="14" fill="hold">
+                            <p:stCondLst>
+                              <p:cond delay="0"/>
+                            </p:stCondLst>
+                            <p:childTnLst>
+                              <p:par>
+                                <p:cTn id="15" presetID="10" presetClass="entr" presetSubtype="0" fill="hold" nodeType="clickEffect">
+                                  <p:stCondLst>
+                                    <p:cond delay="0"/>
+                                  </p:stCondLst>
+                                  <p:childTnLst>
+                                    <p:set>
+                                      <p:cBhvr>
+                                        <p:cTn id="16" dur="1" fill="hold">
+                                          <p:stCondLst>
+                                            <p:cond delay="0"/>
+                                          </p:stCondLst>
+                                        </p:cTn>
+                                        <p:tgtEl>
+                                          <p:spTgt spid="3">
+                                            <p:txEl>
+                                              <p:pRg st="3" end="3"/>
+                                            </p:txEl>
+                                          </p:spTgt>
+                                        </p:tgtEl>
+                                        <p:attrNameLst>
+                                          <p:attrName>style.visibility</p:attrName>
+                                        </p:attrNameLst>
+                                      </p:cBhvr>
+                                      <p:to>
+                                        <p:strVal val="visible"/>
+                                      </p:to>
+                                    </p:set>
+                                    <p:animEffect transition="in" filter="fade">
+                                      <p:cBhvr>
+                                        <p:cTn id="17" dur="500"/>
+                                        <p:tgtEl>
+                                          <p:spTgt spid="3">
+                                            <p:txEl>
+                                              <p:pRg st="3" end="3"/>
+                                            </p:txEl>
+                                          </p:spTgt>
+                                        </p:tgtEl>
+                                      </p:cBhvr>
+                                    </p:animEffect>
+                                  </p:childTnLst>
+                                </p:cTn>
+                              </p:par>
+                            </p:childTnLst>
+                          </p:cTn>
+                        </p:par>
+                      </p:childTnLst>
+                    </p:cTn>
+                  </p:par>
+                  <p:par>
+                    <p:cTn id="18" fill="hold">
+                      <p:stCondLst>
+                        <p:cond delay="indefinite"/>
+                      </p:stCondLst>
+                      <p:childTnLst>
+                        <p:par>
+                          <p:cTn id="19" fill="hold">
+                            <p:stCondLst>
+                              <p:cond delay="0"/>
+                            </p:stCondLst>
+                            <p:childTnLst>
+                              <p:par>
+                                <p:cTn id="20" presetID="10" presetClass="entr" presetSubtype="0" fill="hold" nodeType="clickEffect">
+                                  <p:stCondLst>
+                                    <p:cond delay="0"/>
+                                  </p:stCondLst>
+                                  <p:childTnLst>
+                                    <p:set>
+                                      <p:cBhvr>
+                                        <p:cTn id="21" dur="1" fill="hold">
+                                          <p:stCondLst>
+                                            <p:cond delay="0"/>
+                                          </p:stCondLst>
+                                        </p:cTn>
+                                        <p:tgtEl>
+                                          <p:spTgt spid="3">
+                                            <p:txEl>
+                                              <p:pRg st="4" end="4"/>
+                                            </p:txEl>
+                                          </p:spTgt>
+                                        </p:tgtEl>
+                                        <p:attrNameLst>
+                                          <p:attrName>style.visibility</p:attrName>
+                                        </p:attrNameLst>
+                                      </p:cBhvr>
+                                      <p:to>
+                                        <p:strVal val="visible"/>
+                                      </p:to>
+                                    </p:set>
+                                    <p:animEffect transition="in" filter="fade">
+                                      <p:cBhvr>
+                                        <p:cTn id="22" dur="500"/>
+                                        <p:tgtEl>
+                                          <p:spTgt spid="3">
+                                            <p:txEl>
+                                              <p:pRg st="4" end="4"/>
+                                            </p:txEl>
+                                          </p:spTgt>
+                                        </p:tgtEl>
+                                      </p:cBhvr>
+                                    </p:animEffect>
+                                  </p:childTnLst>
+                                </p:cTn>
+                              </p:par>
+                            </p:childTnLst>
+                          </p:cTn>
+                        </p:par>
+                      </p:childTnLst>
+                    </p:cTn>
+                  </p:par>
+                  <p:par>
+                    <p:cTn id="23" fill="hold">
+                      <p:stCondLst>
+                        <p:cond delay="indefinite"/>
+                      </p:stCondLst>
+                      <p:childTnLst>
+                        <p:par>
+                          <p:cTn id="24" fill="hold">
+                            <p:stCondLst>
+                              <p:cond delay="0"/>
+                            </p:stCondLst>
+                            <p:childTnLst>
+                              <p:par>
+                                <p:cTn id="25" presetID="10" presetClass="entr" presetSubtype="0" fill="hold" nodeType="clickEffect">
+                                  <p:stCondLst>
+                                    <p:cond delay="0"/>
+                                  </p:stCondLst>
+                                  <p:childTnLst>
+                                    <p:set>
+                                      <p:cBhvr>
+                                        <p:cTn id="26" dur="1" fill="hold">
+                                          <p:stCondLst>
+                                            <p:cond delay="0"/>
+                                          </p:stCondLst>
+                                        </p:cTn>
+                                        <p:tgtEl>
+                                          <p:spTgt spid="3">
+                                            <p:txEl>
+                                              <p:pRg st="5" end="5"/>
+                                            </p:txEl>
+                                          </p:spTgt>
+                                        </p:tgtEl>
+                                        <p:attrNameLst>
+                                          <p:attrName>style.visibility</p:attrName>
+                                        </p:attrNameLst>
+                                      </p:cBhvr>
+                                      <p:to>
+                                        <p:strVal val="visible"/>
+                                      </p:to>
+                                    </p:set>
+                                    <p:animEffect transition="in" filter="fade">
+                                      <p:cBhvr>
+                                        <p:cTn id="27" dur="500"/>
+                                        <p:tgtEl>
+                                          <p:spTgt spid="3">
+                                            <p:txEl>
+                                              <p:pRg st="5" end="5"/>
+                                            </p:txEl>
+                                          </p:spTgt>
+                                        </p:tgtEl>
+                                      </p:cBhvr>
+                                    </p:animEffect>
+                                  </p:childTnLst>
+                                </p:cTn>
+                              </p:par>
+                            </p:childTnLst>
+                          </p:cTn>
+                        </p:par>
+                      </p:childTnLst>
+                    </p:cTn>
+                  </p:par>
+                  <p:par>
+                    <p:cTn id="28" fill="hold">
+                      <p:stCondLst>
+                        <p:cond delay="indefinite"/>
+                      </p:stCondLst>
+                      <p:childTnLst>
+                        <p:par>
+                          <p:cTn id="29" fill="hold">
+                            <p:stCondLst>
+                              <p:cond delay="0"/>
+                            </p:stCondLst>
+                            <p:childTnLst>
+                              <p:par>
+                                <p:cTn id="30" presetID="10" presetClass="entr" presetSubtype="0" fill="hold" nodeType="clickEffect">
+                                  <p:stCondLst>
+                                    <p:cond delay="0"/>
+                                  </p:stCondLst>
+                                  <p:childTnLst>
+                                    <p:set>
+                                      <p:cBhvr>
+                                        <p:cTn id="31" dur="1" fill="hold">
+                                          <p:stCondLst>
+                                            <p:cond delay="0"/>
+                                          </p:stCondLst>
+                                        </p:cTn>
+                                        <p:tgtEl>
+                                          <p:spTgt spid="3">
+                                            <p:txEl>
+                                              <p:pRg st="6" end="6"/>
+                                            </p:txEl>
+                                          </p:spTgt>
+                                        </p:tgtEl>
+                                        <p:attrNameLst>
+                                          <p:attrName>style.visibility</p:attrName>
+                                        </p:attrNameLst>
+                                      </p:cBhvr>
+                                      <p:to>
+                                        <p:strVal val="visible"/>
+                                      </p:to>
+                                    </p:set>
+                                    <p:animEffect transition="in" filter="fade">
+                                      <p:cBhvr>
+                                        <p:cTn id="32" dur="500"/>
+                                        <p:tgtEl>
+                                          <p:spTgt spid="3">
+                                            <p:txEl>
+                                              <p:pRg st="6" end="6"/>
+                                            </p:txEl>
+                                          </p:spTgt>
+                                        </p:tgtEl>
+                                      </p:cBhvr>
+                                    </p:animEffect>
+                                  </p:childTnLst>
+                                </p:cTn>
+                              </p:par>
+                            </p:childTnLst>
+                          </p:cTn>
+                        </p:par>
+                      </p:childTnLst>
+                    </p:cTn>
+                  </p:par>
+                </p:childTnLst>
+              </p:cTn>
+              <p:prevCondLst>
+                <p:cond evt="onPrev" delay="0">
+                  <p:tgtEl>
+                    <p:sldTgt/>
+                  </p:tgtEl>
+                </p:cond>
+              </p:prevCondLst>
+              <p:nextCondLst>
+                <p:cond evt="onNext" delay="0">
+                  <p:tgtEl>
+                    <p:sldTgt/>
+                  </p:tgtEl>
+                </p:cond>
+              </p:nextCondLst>
+            </p:seq>
+          </p:childTnLst>
+        </p:cTn>
       </p:par>
     </p:tnLst>
   </p:timing>
@@ -18672,4 +25369,265 @@
     </a:ext>
   </a:extLst>
 </a:theme>
+</file>
+
+<file path=ppt/theme/theme2.xml><?xml version="1.0" encoding="utf-8"?>
+<a:theme xmlns:a="http://schemas.openxmlformats.org/drawingml/2006/main" name="Office Theme">
+  <a:themeElements>
+    <a:clrScheme name="Office">
+      <a:dk1>
+        <a:sysClr val="windowText" lastClr="000000"/>
+      </a:dk1>
+      <a:lt1>
+        <a:sysClr val="window" lastClr="FFFFFF"/>
+      </a:lt1>
+      <a:dk2>
+        <a:srgbClr val="44546A"/>
+      </a:dk2>
+      <a:lt2>
+        <a:srgbClr val="E7E6E6"/>
+      </a:lt2>
+      <a:accent1>
+        <a:srgbClr val="5B9BD5"/>
+      </a:accent1>
+      <a:accent2>
+        <a:srgbClr val="ED7D31"/>
+      </a:accent2>
+      <a:accent3>
+        <a:srgbClr val="A5A5A5"/>
+      </a:accent3>
+      <a:accent4>
+        <a:srgbClr val="FFC000"/>
+      </a:accent4>
+      <a:accent5>
+        <a:srgbClr val="4472C4"/>
+      </a:accent5>
+      <a:accent6>
+        <a:srgbClr val="70AD47"/>
+      </a:accent6>
+      <a:hlink>
+        <a:srgbClr val="0563C1"/>
+      </a:hlink>
+      <a:folHlink>
+        <a:srgbClr val="954F72"/>
+      </a:folHlink>
+    </a:clrScheme>
+    <a:fontScheme name="Office">
+      <a:majorFont>
+        <a:latin typeface="Calibri Light" panose="020F0302020204030204"/>
+        <a:ea typeface=""/>
+        <a:cs typeface=""/>
+        <a:font script="Jpan" typeface="ＭＳ Ｐゴシック"/>
+        <a:font script="Hang" typeface="맑은 고딕"/>
+        <a:font script="Hans" typeface="宋体"/>
+        <a:font script="Hant" typeface="新細明體"/>
+        <a:font script="Arab" typeface="Times New Roman"/>
+        <a:font script="Hebr" typeface="Times New Roman"/>
+        <a:font script="Thai" typeface="Angsana New"/>
+        <a:font script="Ethi" typeface="Nyala"/>
+        <a:font script="Beng" typeface="Vrinda"/>
+        <a:font script="Gujr" typeface="Shruti"/>
+        <a:font script="Khmr" typeface="MoolBoran"/>
+        <a:font script="Knda" typeface="Tunga"/>
+        <a:font script="Guru" typeface="Raavi"/>
+        <a:font script="Cans" typeface="Euphemia"/>
+        <a:font script="Cher" typeface="Plantagenet Cherokee"/>
+        <a:font script="Yiii" typeface="Microsoft Yi Baiti"/>
+        <a:font script="Tibt" typeface="Microsoft Himalaya"/>
+        <a:font script="Thaa" typeface="MV Boli"/>
+        <a:font script="Deva" typeface="Mangal"/>
+        <a:font script="Telu" typeface="Gautami"/>
+        <a:font script="Taml" typeface="Latha"/>
+        <a:font script="Syrc" typeface="Estrangelo Edessa"/>
+        <a:font script="Orya" typeface="Kalinga"/>
+        <a:font script="Mlym" typeface="Kartika"/>
+        <a:font script="Laoo" typeface="DokChampa"/>
+        <a:font script="Sinh" typeface="Iskoola Pota"/>
+        <a:font script="Mong" typeface="Mongolian Baiti"/>
+        <a:font script="Viet" typeface="Times New Roman"/>
+        <a:font script="Uigh" typeface="Microsoft Uighur"/>
+        <a:font script="Geor" typeface="Sylfaen"/>
+      </a:majorFont>
+      <a:minorFont>
+        <a:latin typeface="Calibri" panose="020F0502020204030204"/>
+        <a:ea typeface=""/>
+        <a:cs typeface=""/>
+        <a:font script="Jpan" typeface="ＭＳ Ｐゴシック"/>
+        <a:font script="Hang" typeface="맑은 고딕"/>
+        <a:font script="Hans" typeface="宋体"/>
+        <a:font script="Hant" typeface="新細明體"/>
+        <a:font script="Arab" typeface="Arial"/>
+        <a:font script="Hebr" typeface="Arial"/>
+        <a:font script="Thai" typeface="Cordia New"/>
+        <a:font script="Ethi" typeface="Nyala"/>
+        <a:font script="Beng" typeface="Vrinda"/>
+        <a:font script="Gujr" typeface="Shruti"/>
+        <a:font script="Khmr" typeface="DaunPenh"/>
+        <a:font script="Knda" typeface="Tunga"/>
+        <a:font script="Guru" typeface="Raavi"/>
+        <a:font script="Cans" typeface="Euphemia"/>
+        <a:font script="Cher" typeface="Plantagenet Cherokee"/>
+        <a:font script="Yiii" typeface="Microsoft Yi Baiti"/>
+        <a:font script="Tibt" typeface="Microsoft Himalaya"/>
+        <a:font script="Thaa" typeface="MV Boli"/>
+        <a:font script="Deva" typeface="Mangal"/>
+        <a:font script="Telu" typeface="Gautami"/>
+        <a:font script="Taml" typeface="Latha"/>
+        <a:font script="Syrc" typeface="Estrangelo Edessa"/>
+        <a:font script="Orya" typeface="Kalinga"/>
+        <a:font script="Mlym" typeface="Kartika"/>
+        <a:font script="Laoo" typeface="DokChampa"/>
+        <a:font script="Sinh" typeface="Iskoola Pota"/>
+        <a:font script="Mong" typeface="Mongolian Baiti"/>
+        <a:font script="Viet" typeface="Arial"/>
+        <a:font script="Uigh" typeface="Microsoft Uighur"/>
+        <a:font script="Geor" typeface="Sylfaen"/>
+      </a:minorFont>
+    </a:fontScheme>
+    <a:fmtScheme name="Office">
+      <a:fillStyleLst>
+        <a:solidFill>
+          <a:schemeClr val="phClr"/>
+        </a:solidFill>
+        <a:gradFill rotWithShape="1">
+          <a:gsLst>
+            <a:gs pos="0">
+              <a:schemeClr val="phClr">
+                <a:lumMod val="110000"/>
+                <a:satMod val="105000"/>
+                <a:tint val="67000"/>
+              </a:schemeClr>
+            </a:gs>
+            <a:gs pos="50000">
+              <a:schemeClr val="phClr">
+                <a:lumMod val="105000"/>
+                <a:satMod val="103000"/>
+                <a:tint val="73000"/>
+              </a:schemeClr>
+            </a:gs>
+            <a:gs pos="100000">
+              <a:schemeClr val="phClr">
+                <a:lumMod val="105000"/>
+                <a:satMod val="109000"/>
+                <a:tint val="81000"/>
+              </a:schemeClr>
+            </a:gs>
+          </a:gsLst>
+          <a:lin ang="5400000" scaled="0"/>
+        </a:gradFill>
+        <a:gradFill rotWithShape="1">
+          <a:gsLst>
+            <a:gs pos="0">
+              <a:schemeClr val="phClr">
+                <a:satMod val="103000"/>
+                <a:lumMod val="102000"/>
+                <a:tint val="94000"/>
+              </a:schemeClr>
+            </a:gs>
+            <a:gs pos="50000">
+              <a:schemeClr val="phClr">
+                <a:satMod val="110000"/>
+                <a:lumMod val="100000"/>
+                <a:shade val="100000"/>
+              </a:schemeClr>
+            </a:gs>
+            <a:gs pos="100000">
+              <a:schemeClr val="phClr">
+                <a:lumMod val="99000"/>
+                <a:satMod val="120000"/>
+                <a:shade val="78000"/>
+              </a:schemeClr>
+            </a:gs>
+          </a:gsLst>
+          <a:lin ang="5400000" scaled="0"/>
+        </a:gradFill>
+      </a:fillStyleLst>
+      <a:lnStyleLst>
+        <a:ln w="6350" cap="flat" cmpd="sng" algn="ctr">
+          <a:solidFill>
+            <a:schemeClr val="phClr"/>
+          </a:solidFill>
+          <a:prstDash val="solid"/>
+          <a:miter lim="800000"/>
+        </a:ln>
+        <a:ln w="12700" cap="flat" cmpd="sng" algn="ctr">
+          <a:solidFill>
+            <a:schemeClr val="phClr"/>
+          </a:solidFill>
+          <a:prstDash val="solid"/>
+          <a:miter lim="800000"/>
+        </a:ln>
+        <a:ln w="19050" cap="flat" cmpd="sng" algn="ctr">
+          <a:solidFill>
+            <a:schemeClr val="phClr"/>
+          </a:solidFill>
+          <a:prstDash val="solid"/>
+          <a:miter lim="800000"/>
+        </a:ln>
+      </a:lnStyleLst>
+      <a:effectStyleLst>
+        <a:effectStyle>
+          <a:effectLst/>
+        </a:effectStyle>
+        <a:effectStyle>
+          <a:effectLst/>
+        </a:effectStyle>
+        <a:effectStyle>
+          <a:effectLst>
+            <a:outerShdw blurRad="57150" dist="19050" dir="5400000" algn="ctr" rotWithShape="0">
+              <a:srgbClr val="000000">
+                <a:alpha val="63000"/>
+              </a:srgbClr>
+            </a:outerShdw>
+          </a:effectLst>
+        </a:effectStyle>
+      </a:effectStyleLst>
+      <a:bgFillStyleLst>
+        <a:solidFill>
+          <a:schemeClr val="phClr"/>
+        </a:solidFill>
+        <a:solidFill>
+          <a:schemeClr val="phClr">
+            <a:tint val="95000"/>
+            <a:satMod val="170000"/>
+          </a:schemeClr>
+        </a:solidFill>
+        <a:gradFill rotWithShape="1">
+          <a:gsLst>
+            <a:gs pos="0">
+              <a:schemeClr val="phClr">
+                <a:tint val="93000"/>
+                <a:satMod val="150000"/>
+                <a:shade val="98000"/>
+                <a:lumMod val="102000"/>
+              </a:schemeClr>
+            </a:gs>
+            <a:gs pos="50000">
+              <a:schemeClr val="phClr">
+                <a:tint val="98000"/>
+                <a:satMod val="130000"/>
+                <a:shade val="90000"/>
+                <a:lumMod val="103000"/>
+              </a:schemeClr>
+            </a:gs>
+            <a:gs pos="100000">
+              <a:schemeClr val="phClr">
+                <a:shade val="63000"/>
+                <a:satMod val="120000"/>
+              </a:schemeClr>
+            </a:gs>
+          </a:gsLst>
+          <a:lin ang="5400000" scaled="0"/>
+        </a:gradFill>
+      </a:bgFillStyleLst>
+    </a:fmtScheme>
+  </a:themeElements>
+  <a:objectDefaults/>
+  <a:extraClrSchemeLst/>
+  <a:extLst>
+    <a:ext uri="{05A4C25C-085E-4340-85A3-A5531E510DB2}">
+      <thm15:themeFamily xmlns:thm15="http://schemas.microsoft.com/office/thememl/2012/main" name="Office Theme" id="{62F939B6-93AF-4DB8-9C6B-D6C7DFDC589F}" vid="{4A3C46E8-61CC-4603-A589-7422A47A8E4A}"/>
+    </a:ext>
+  </a:extLst>
+</a:theme>
 </file>